--- a/Python과제/Python_5강.pptx
+++ b/Python과제/Python_5강.pptx
@@ -6,16 +6,22 @@
   </p:sldMasterIdLst>
   <p:sldIdLst>
     <p:sldId id="256" r:id="rId2"/>
-    <p:sldId id="257" r:id="rId3"/>
-    <p:sldId id="258" r:id="rId4"/>
-    <p:sldId id="259" r:id="rId5"/>
-    <p:sldId id="260" r:id="rId6"/>
-    <p:sldId id="261" r:id="rId7"/>
-    <p:sldId id="262" r:id="rId8"/>
-    <p:sldId id="263" r:id="rId9"/>
-    <p:sldId id="264" r:id="rId10"/>
-    <p:sldId id="265" r:id="rId11"/>
-    <p:sldId id="266" r:id="rId12"/>
+    <p:sldId id="273" r:id="rId3"/>
+    <p:sldId id="271" r:id="rId4"/>
+    <p:sldId id="257" r:id="rId5"/>
+    <p:sldId id="258" r:id="rId6"/>
+    <p:sldId id="274" r:id="rId7"/>
+    <p:sldId id="259" r:id="rId8"/>
+    <p:sldId id="260" r:id="rId9"/>
+    <p:sldId id="261" r:id="rId10"/>
+    <p:sldId id="262" r:id="rId11"/>
+    <p:sldId id="275" r:id="rId12"/>
+    <p:sldId id="263" r:id="rId13"/>
+    <p:sldId id="264" r:id="rId14"/>
+    <p:sldId id="265" r:id="rId15"/>
+    <p:sldId id="266" r:id="rId16"/>
+    <p:sldId id="281" r:id="rId17"/>
+    <p:sldId id="282" r:id="rId18"/>
   </p:sldIdLst>
   <p:sldSz cx="12192000" cy="6858000"/>
   <p:notesSz cx="6858000" cy="9144000"/>
@@ -122,6 +128,768 @@
 </p:presentation>
 </file>
 
+<file path=ppt/ink/ink1.xml><?xml version="1.0" encoding="utf-8"?>
+<inkml:ink xmlns:inkml="http://www.w3.org/2003/InkML">
+  <inkml:definitions>
+    <inkml:context xml:id="ctx0">
+      <inkml:inkSource xml:id="inkSrc0">
+        <inkml:traceFormat>
+          <inkml:channel name="X" type="integer" min="-2.14748E9" max="2.14748E9" units="cm"/>
+          <inkml:channel name="Y" type="integer" min="-2.14748E9" max="2.14748E9" units="cm"/>
+        </inkml:traceFormat>
+        <inkml:channelProperties>
+          <inkml:channelProperty channel="X" name="resolution" value="1000" units="1/cm"/>
+          <inkml:channelProperty channel="Y" name="resolution" value="1000" units="1/cm"/>
+        </inkml:channelProperties>
+      </inkml:inkSource>
+      <inkml:timestamp xml:id="ts0" timeString="2023-05-05T17:32:23.260"/>
+    </inkml:context>
+    <inkml:brush xml:id="br0">
+      <inkml:brushProperty name="width" value="0.3" units="cm"/>
+      <inkml:brushProperty name="height" value="0.6" units="cm"/>
+      <inkml:brushProperty name="color" value="#C0E494"/>
+      <inkml:brushProperty name="tip" value="rectangle"/>
+      <inkml:brushProperty name="rasterOp" value="maskPen"/>
+      <inkml:brushProperty name="ignorePressure" value="1"/>
+    </inkml:brush>
+  </inkml:definitions>
+  <inkml:trace contextRef="#ctx0" brushRef="#br0">1 0,'2059'0,"-2011"0</inkml:trace>
+</inkml:ink>
+</file>
+
+<file path=ppt/ink/ink10.xml><?xml version="1.0" encoding="utf-8"?>
+<inkml:ink xmlns:inkml="http://www.w3.org/2003/InkML">
+  <inkml:definitions>
+    <inkml:context xml:id="ctx0">
+      <inkml:inkSource xml:id="inkSrc0">
+        <inkml:traceFormat>
+          <inkml:channel name="X" type="integer" min="-2.14748E9" max="2.14748E9" units="cm"/>
+          <inkml:channel name="Y" type="integer" min="-2.14748E9" max="2.14748E9" units="cm"/>
+          <inkml:channel name="F" type="integer" max="32767" units="dev"/>
+        </inkml:traceFormat>
+        <inkml:channelProperties>
+          <inkml:channelProperty channel="X" name="resolution" value="1000" units="1/cm"/>
+          <inkml:channelProperty channel="Y" name="resolution" value="1000" units="1/cm"/>
+          <inkml:channelProperty channel="F" name="resolution" value="0" units="1/dev"/>
+        </inkml:channelProperties>
+      </inkml:inkSource>
+      <inkml:timestamp xml:id="ts0" timeString="2023-05-05T17:30:13.136"/>
+    </inkml:context>
+    <inkml:brush xml:id="br0">
+      <inkml:brushProperty name="width" value="0.35" units="cm"/>
+      <inkml:brushProperty name="height" value="0.35" units="cm"/>
+      <inkml:brushProperty name="color" value="#FFFFFF"/>
+    </inkml:brush>
+  </inkml:definitions>
+  <inkml:trace contextRef="#ctx0" brushRef="#br0">0 185 24575,'1'-2'0,"-1"0"0,1 1 0,-1-1 0,1 1 0,0-1 0,0 1 0,-1 0 0,1-1 0,0 1 0,0 0 0,1-1 0,-1 1 0,0 0 0,0 0 0,0 0 0,1 0 0,-1 0 0,1 0 0,-1 1 0,0-1 0,1 0 0,0 1 0,-1-1 0,1 1 0,1-1 0,52-12 0,-41 11 0,417-79 0,-332 61 0,1 3 0,1 5 0,166 1 0,-98 11 0,80 4 0,-241-3 0,0 0 0,0 1 0,1-1 0,-1 2 0,0-1 0,0 1 0,8 4 0,-15-6 0,0-1 0,1 1 0,-1 0 0,0-1 0,0 1 0,1 0 0,-1 0 0,0 0 0,0 0 0,0 0 0,0 0 0,0 0 0,0 0 0,-1 1 0,1-1 0,0 0 0,-1 0 0,1 1 0,0-1 0,-1 1 0,0-1 0,1 0 0,-1 1 0,0-1 0,0 1 0,1-1 0,-1 1 0,0-1 0,-1 1 0,1-1 0,0 0 0,0 1 0,-1-1 0,1 1 0,-1-1 0,1 0 0,-1 1 0,1-1 0,-1 0 0,0 1 0,0-1 0,1 0 0,-1 0 0,0 0 0,0 0 0,0 0 0,-1 0 0,0 1 0,-8 8 0,0-1 0,-1 0 0,0-1 0,-1 0 0,0 0 0,0-1 0,-21 8 0,-98 30 0,109-38 0,-120 29 0,-247 30 0,319-57 0,243-25 0,206-9 0,-195 17 0,-4-13 0,30-1 0,170 22 0,-165 1 0,-175-3 0,-1-2 0,54-12 0,-46 7 0,51-3 0,-21 9 0,-47 4 0,-1-2 0,0-1 0,0-2 0,32-7 0,-55 9 15,0 0 0,0 1 0,0 0 0,0 0 0,1 0 0,-1 1 0,8 1 0,-11-1-80,-1 0 1,0 1-1,0 0 1,1-1-1,-1 1 1,0 0-1,0 0 0,0 0 1,0 1-1,0-1 1,-1 0-1,1 1 1,0-1-1,-1 1 0,1-1 1,0 1-1,-1 0 1,0 0-1,1 0 1,-1 0-1,0 0 1,1 4-1</inkml:trace>
+</inkml:ink>
+</file>
+
+<file path=ppt/ink/ink11.xml><?xml version="1.0" encoding="utf-8"?>
+<inkml:ink xmlns:inkml="http://www.w3.org/2003/InkML">
+  <inkml:definitions>
+    <inkml:context xml:id="ctx0">
+      <inkml:inkSource xml:id="inkSrc0">
+        <inkml:traceFormat>
+          <inkml:channel name="X" type="integer" min="-2.14748E9" max="2.14748E9" units="cm"/>
+          <inkml:channel name="Y" type="integer" min="-2.14748E9" max="2.14748E9" units="cm"/>
+          <inkml:channel name="F" type="integer" max="32767" units="dev"/>
+        </inkml:traceFormat>
+        <inkml:channelProperties>
+          <inkml:channelProperty channel="X" name="resolution" value="1000" units="1/cm"/>
+          <inkml:channelProperty channel="Y" name="resolution" value="1000" units="1/cm"/>
+          <inkml:channelProperty channel="F" name="resolution" value="0" units="1/dev"/>
+        </inkml:channelProperties>
+      </inkml:inkSource>
+      <inkml:timestamp xml:id="ts0" timeString="2023-05-05T17:30:21.005"/>
+    </inkml:context>
+    <inkml:brush xml:id="br0">
+      <inkml:brushProperty name="width" value="0.35" units="cm"/>
+      <inkml:brushProperty name="height" value="0.35" units="cm"/>
+      <inkml:brushProperty name="color" value="#FFFFFF"/>
+    </inkml:brush>
+  </inkml:definitions>
+  <inkml:trace contextRef="#ctx0" brushRef="#br0">0 187 24575,'56'0'0,"238"-6"0,-229 1 0,0-2 0,95-25 0,-107 19 0,1 3 0,86-5 0,110 11 0,30 5 0,-424-4 0,-180 7 0,294 2 0,1 1 0,0 1 0,0 2 0,0 1 0,-44 23 0,64-30 0,0 1 0,0-1 0,0 1 0,1 1 0,0 0 0,0 0 0,-13 13 0,20-18 0,1 0 0,-1 0 0,1-1 0,-1 1 0,1 0 0,-1 0 0,1 0 0,0-1 0,-1 1 0,1 0 0,0 0 0,0 0 0,0 0 0,-1 0 0,1 0 0,0 0 0,0 0 0,0-1 0,0 1 0,1 0 0,-1 0 0,0 0 0,0 0 0,1 0 0,-1 0 0,0-1 0,1 1 0,-1 0 0,1 0 0,-1 0 0,1-1 0,-1 1 0,1 0 0,-1-1 0,1 1 0,0 0 0,-1-1 0,1 1 0,0-1 0,0 1 0,0-1 0,-1 1 0,1-1 0,1 1 0,42 12 0,-8-11 0,1-1 0,-1-1 0,0-3 0,72-13 0,-2 1 0,-35 8 0,13-1 0,89-19 0,-143 20 0,79-22 0,-74 20 0,-1 1 0,1 1 0,39-1 0,32-6 0,-37 2 0,-32 7 0,-1-2 0,0-1 0,61-22 0,-61 14 0,60-15 0,-87 28 0,1 0 0,0 1 0,0 1 0,0 0 0,0 0 0,1 1 0,-1 0 0,0 1 0,0 0 0,0 0 0,15 5 0,-23-5 0,1-1 0,-1 1 0,0 0 0,1 0 0,-1 0 0,0 0 0,0 0 0,0 0 0,0 0 0,0 1 0,0-1 0,0 1 0,0 0 0,0-1 0,-1 1 0,1 0 0,-1 0 0,1 0 0,-1 0 0,0 0 0,0 0 0,0 1 0,0-1 0,0 0 0,-1 1 0,1-1 0,0 0 0,-1 1 0,0-1 0,0 1 0,0-1 0,0 0 0,0 1 0,0-1 0,0 1 0,-1-1 0,1 0 0,-1 1 0,0-1 0,0 0 0,0 1 0,0-1 0,-2 3 0,-2 4 0,-1 0 0,0-1 0,-1 1 0,0-2 0,0 1 0,0-1 0,-1 0 0,-16 11 0,-9 1 0,0-2 0,-1-1 0,-45 14 0,-35 16 0,101-36 0,27-8 0,37-8 0,-47 6 0,388-71 0,-330 56 0,-1-2 0,-1-4 0,89-42 0,-146 61 0,0 1 0,0 0 0,0-1 0,0 1 0,0 0 0,0 1 0,0-1 0,0 0 0,1 1 0,-1 0 0,0-1 0,0 1 0,0 1 0,1-1 0,-1 0 0,0 1 0,0-1 0,0 1 0,0 0 0,4 2 0,-4-1 0,0 0 0,-1 1 0,1-1 0,-1 1 0,1 0 0,-1 0 0,0 0 0,0 0 0,0 0 0,0 0 0,-1 0 0,1 1 0,-1-1 0,0 0 0,0 1 0,0-1 0,-1 1 0,1 4 0,1 6 0,-1-5 0,0 0 0,1 0 0,0 0 0,1-1 0,5 15 0,-7-22 0,-1 0 0,1 1 0,0-1 0,0 0 0,0 0 0,0 0 0,0 0 0,0 0 0,0 0 0,0 0 0,0 0 0,1 0 0,-1 0 0,0 0 0,1-1 0,-1 1 0,0 0 0,1-1 0,-1 0 0,1 1 0,-1-1 0,1 0 0,-1 1 0,1-1 0,-1 0 0,1 0 0,-1 0 0,1-1 0,-1 1 0,0 0 0,1 0 0,-1-1 0,1 1 0,-1-1 0,1 1 0,-1-1 0,0 0 0,1 1 0,-1-1 0,0 0 0,2-2 0,16-11 0,0-2 0,-2 0 0,1-1 0,-2-1 0,19-25 0,-25 30 0,-29 53-1365</inkml:trace>
+</inkml:ink>
+</file>
+
+<file path=ppt/ink/ink12.xml><?xml version="1.0" encoding="utf-8"?>
+<inkml:ink xmlns:inkml="http://www.w3.org/2003/InkML">
+  <inkml:definitions>
+    <inkml:context xml:id="ctx0">
+      <inkml:inkSource xml:id="inkSrc0">
+        <inkml:traceFormat>
+          <inkml:channel name="X" type="integer" min="-2.14748E9" max="2.14748E9" units="cm"/>
+          <inkml:channel name="Y" type="integer" min="-2.14748E9" max="2.14748E9" units="cm"/>
+        </inkml:traceFormat>
+        <inkml:channelProperties>
+          <inkml:channelProperty channel="X" name="resolution" value="1000" units="1/cm"/>
+          <inkml:channelProperty channel="Y" name="resolution" value="1000" units="1/cm"/>
+        </inkml:channelProperties>
+      </inkml:inkSource>
+      <inkml:timestamp xml:id="ts0" timeString="2023-05-05T17:32:46.311"/>
+    </inkml:context>
+    <inkml:brush xml:id="br0">
+      <inkml:brushProperty name="width" value="0.3" units="cm"/>
+      <inkml:brushProperty name="height" value="0.6" units="cm"/>
+      <inkml:brushProperty name="color" value="#C0E494"/>
+      <inkml:brushProperty name="tip" value="rectangle"/>
+      <inkml:brushProperty name="rasterOp" value="maskPen"/>
+      <inkml:brushProperty name="ignorePressure" value="1"/>
+    </inkml:brush>
+  </inkml:definitions>
+  <inkml:trace contextRef="#ctx0" brushRef="#br0">1 0,'2731'0,"-2682"0</inkml:trace>
+</inkml:ink>
+</file>
+
+<file path=ppt/ink/ink13.xml><?xml version="1.0" encoding="utf-8"?>
+<inkml:ink xmlns:inkml="http://www.w3.org/2003/InkML">
+  <inkml:definitions>
+    <inkml:context xml:id="ctx0">
+      <inkml:inkSource xml:id="inkSrc0">
+        <inkml:traceFormat>
+          <inkml:channel name="X" type="integer" min="-2.14748E9" max="2.14748E9" units="cm"/>
+          <inkml:channel name="Y" type="integer" min="-2.14748E9" max="2.14748E9" units="cm"/>
+          <inkml:channel name="F" type="integer" max="32767" units="dev"/>
+        </inkml:traceFormat>
+        <inkml:channelProperties>
+          <inkml:channelProperty channel="X" name="resolution" value="1000" units="1/cm"/>
+          <inkml:channelProperty channel="Y" name="resolution" value="1000" units="1/cm"/>
+          <inkml:channelProperty channel="F" name="resolution" value="0" units="1/dev"/>
+        </inkml:channelProperties>
+      </inkml:inkSource>
+      <inkml:timestamp xml:id="ts0" timeString="2023-05-05T17:30:31.252"/>
+    </inkml:context>
+    <inkml:brush xml:id="br0">
+      <inkml:brushProperty name="width" value="0.35" units="cm"/>
+      <inkml:brushProperty name="height" value="0.35" units="cm"/>
+      <inkml:brushProperty name="color" value="#FFFFFF"/>
+    </inkml:brush>
+  </inkml:definitions>
+  <inkml:trace contextRef="#ctx0" brushRef="#br0">2 638 24575,'-1'-19'0,"1"-27"0,1 0 0,11-64 0,-9 95 0,0 0 0,2 0 0,0 1 0,0-1 0,1 1 0,1 0 0,0 1 0,1-1 0,1 1 0,0 1 0,12-13 0,0 1 0,-5 5 0,34-30 0,-46 46 0,0-1 0,0 1 0,0 0 0,0 1 0,1-1 0,-1 1 0,1 0 0,0 0 0,-1 0 0,1 0 0,0 1 0,0 0 0,0 0 0,9 0 0,-11 1 0,0 1 0,-1-1 0,1 1 0,-1 0 0,1 0 0,-1 0 0,0 1 0,1-1 0,-1 0 0,0 1 0,0 0 0,0-1 0,0 1 0,0 0 0,0 0 0,-1 0 0,1 0 0,-1 0 0,1 1 0,-1-1 0,0 0 0,0 1 0,0-1 0,0 1 0,0-1 0,0 1 0,-1-1 0,1 5 0,2 10 0,0 0 0,-2 0 0,0 20 0,-1-29 0,0 0 0,0-1 0,1 1 0,0-1 0,0 1 0,1-1 0,0 0 0,0 1 0,0-1 0,1 0 0,0-1 0,7 12 0,-7-15 0,-1 0 0,0 0 0,1-1 0,0 1 0,0-1 0,0 0 0,0 0 0,0 0 0,0 0 0,0 0 0,1-1 0,-1 1 0,0-1 0,1 0 0,0 0 0,-1 0 0,1-1 0,-1 1 0,1-1 0,0 0 0,-1 0 0,1 0 0,0 0 0,-1-1 0,1 0 0,4-1 0,3-1 0,-1-1 0,1 0 0,-1-1 0,0 0 0,-1 0 0,0-1 0,1 0 0,-2-1 0,1 0 0,-1-1 0,0 0 0,10-13 0,10-14 0,39-66 0,-57 86 0,9-17 0,-10 15 0,1 1 0,19-24 0,-29 40 0,1-1 0,-1 0 0,1 0 0,0 1 0,-1-1 0,1 0 0,-1 1 0,1-1 0,0 1 0,0-1 0,-1 1 0,1-1 0,0 1 0,0 0 0,0-1 0,-1 1 0,1 0 0,0-1 0,0 1 0,0 0 0,0 0 0,0 0 0,0 0 0,0 0 0,0 0 0,0 1 0,-1-1 0,1 1 0,0 0 0,-1-1 0,1 1 0,0 0 0,-1-1 0,1 1 0,-1 0 0,1-1 0,-1 1 0,0 0 0,1 0 0,-1 0 0,0-1 0,0 1 0,1 0 0,-1 1 0,3 46 0,-7 17 0,-3-1 0,-2 0 0,-4 0 0,-2-1 0,-3-1 0,-45 105 0,16-71 0,43-84 0,12-16 0,14-19 0,84-141 0,-52 76 0,-49 79 0,2 0 0,-1 1 0,1 0 0,1 0 0,-1 0 0,1 1 0,0 1 0,1-1 0,0 1 0,0 1 0,0-1 0,1 2 0,-1-1 0,1 1 0,0 1 0,1 0 0,-1 0 0,0 1 0,1 0 0,0 1 0,11 0 0,-18 1 0,-1 0 0,1 0 0,-1 0 0,1 1 0,-1 0 0,1-1 0,-1 1 0,0 0 0,1 1 0,-1-1 0,0 1 0,0-1 0,0 1 0,0 0 0,0 0 0,-1 0 0,1 1 0,4 4 0,-4-2 0,1-1 0,-1 2 0,-1-1 0,1 0 0,-1 0 0,0 1 0,0-1 0,0 1 0,-1 0 0,1 7 0,0 10 0,-1-1 0,-1 1 0,-1 0 0,-7 37 0,4-40 0,2-9 0,0-1 0,1 1 0,0 0 0,1 21 0,0-32 0,0 1 0,0 0 0,0-1 0,0 1 0,0-1 0,0 1 0,0-1 0,0 1 0,0 0 0,0-1 0,1 1 0,-1-1 0,0 1 0,0-1 0,1 1 0,-1-1 0,0 1 0,1-1 0,-1 1 0,0-1 0,1 0 0,-1 1 0,1-1 0,-1 1 0,1-1 0,-1 0 0,1 0 0,-1 1 0,1-1 0,-1 0 0,1 0 0,-1 1 0,1-1 0,0 0 0,-1 0 0,1 0 0,-1 0 0,2 0 0,23-11 0,-21 9 0,58-38 0,-2-3 0,-2-3 0,54-55 0,-53 48 0,0 0 0,146-118 0,-182 158 0,-38 34 0,15-21 0,-346 502 0,331-478 0,6-12 0,1 0 0,0 0 0,1 1 0,0 0 0,1 0 0,1 1 0,0 0 0,-5 28 0,9-41 0,1 0 0,0 0 0,0 0 0,0 0 0,0 0 0,0 0 0,1 0 0,-1-1 0,0 1 0,0 0 0,1 0 0,-1 0 0,0 0 0,1 0 0,-1 0 0,1 0 0,-1 0 0,1-1 0,0 1 0,-1 0 0,1 0 0,0-1 0,-1 1 0,1 0 0,0-1 0,0 1 0,0-1 0,0 1 0,-1-1 0,1 1 0,0-1 0,0 0 0,0 1 0,0-1 0,0 0 0,0 0 0,0 0 0,0 0 0,0 0 0,0 0 0,0 0 0,2 0 0,9-1 0,0-1 0,0 0 0,0-1 0,0 0 0,-1-1 0,14-6 0,85-42 0,-78 37 0,126-63-30,1207-557-876,-1356 631 906,43-18 0,1 2 0,0 2 0,72-13 0,-118 30 0,0 0 0,0 0 0,0 1 0,0 0 0,0 0 0,0 0 0,-1 1 0,9 2 0,-14-2 0,1-1 0,-1 1 0,1-1 0,-1 1 0,0 0 0,1 0 0,-1 0 0,0 0 0,0 0 0,0 0 0,0 0 0,0 0 0,0 0 0,0 1 0,0-1 0,0 0 0,0 0 0,-1 1 0,1-1 0,0 1 0,-1-1 0,1 1 0,-1-1 0,0 1 0,0-1 0,1 1 0,-1-1 0,0 1 0,0-1 0,0 1 0,-1-1 0,1 1 0,0-1 0,0 1 0,-1-1 0,1 1 0,-1-1 0,-1 3 0,-15 38 187,-3-2 1,0 0-1,-3-1 0,-46 59 0,62-87-187,-9 11 0,-34 37 0,47-55 0,0-1 0,0 0 0,-1 0 0,1 0 0,-1 0 0,0 0 0,1-1 0,-1 1 0,-1-1 0,1 0 0,0-1 0,0 1 0,-1-1 0,1 1 0,-1-1 0,1 0 0,-1-1 0,-7 1 0,10-2 0,0 1 0,0-1 0,0 0 0,0 1 0,0-1 0,0 0 0,0 0 0,0-1 0,0 1 0,0 0 0,1-1 0,-1 1 0,1-1 0,-1 1 0,1-1 0,-1 0 0,1 1 0,0-1 0,0 0 0,0 0 0,0 0 0,0 0 0,0 0 0,1 0 0,-1-2 0,-2-9 0,0 0 0,1 0 0,0-17 0,-5-21 0,5 46 0,0 0 0,-1 1 0,0 0 0,1 0 0,-2-1 0,1 2 0,0-1 0,-1 0 0,0 1 0,0-1 0,0 1 0,0 0 0,0 1 0,-1-1 0,1 1 0,-1 0 0,0 0 0,1 0 0,-1 0 0,0 1 0,-8-1 0,-17-4 0,0 2 0,-1 1 0,1 1 0,-47 3 0,-129 22 0,108-10 0,-130 19 0,-85 8 0,294-38 0,-47 2 0,61-4 0,1 0 0,0-1 0,0 1 0,0-1 0,0 0 0,0 0 0,0 0 0,0-1 0,0 1 0,1-1 0,-6-3 0,8 4 0,0 0 0,0 1 0,1-1 0,-1 0 0,1 0 0,-1 0 0,1 0 0,-1 0 0,1 0 0,0 0 0,-1 0 0,1 0 0,0 0 0,0 0 0,0 0 0,0 0 0,0-1 0,0 1 0,0 0 0,0 0 0,0 0 0,0 0 0,0 0 0,1 0 0,-1 0 0,0 0 0,1 0 0,-1 0 0,1 0 0,-1 0 0,1 0 0,0 1 0,-1-1 0,1 0 0,0 0 0,0 0 0,-1 1 0,1-1 0,2-1 0,35-30 0,-37 31 0,51-32 0,1 2 0,1 2 0,74-28 0,-102 48 0,1 1 0,-1 1 0,1 2 0,0 0 0,35-1 0,-8 4 0,90 9 0,-137-6 0,0-1 0,0 1 0,0 1 0,0-1 0,0 1 0,0 0 0,0 1 0,0 0 0,-1 0 0,1 0 0,-1 1 0,0 0 0,0 0 0,0 1 0,9 9 0,-9-7 0,-1 1 0,-1-1 0,0 1 0,0 0 0,0 0 0,-1 1 0,0-1 0,0 1 0,-1 0 0,-1-1 0,1 1 0,-1 13 0,-1 85 0,-1-75 0,3 48 0,-1-75 0,-1 0 0,1-1 0,0 1 0,0-1 0,1 1 0,0-1 0,-1 1 0,1-1 0,1 0 0,-1 1 0,1-1 0,-1 0 0,1-1 0,0 1 0,0-1 0,1 1 0,-1-1 0,1 0 0,0 0 0,0 0 0,0-1 0,0 1 0,0-1 0,0 0 0,1 0 0,-1-1 0,1 1 0,-1-1 0,1 0 0,6 1 0,8 0 0,-1-1 0,1-1 0,0-1 0,0 0 0,-1-1 0,27-6 0,97-29 0,179-71 0,-10 3 0,-307 104 0,53-11 0,-57 12 0,1 0 0,-1 0 0,1 0 0,-1 0 0,1 0 0,0 0 0,-1 0 0,1 0 0,-1 0 0,1 0 0,-1 1 0,1-1 0,0 0 0,-1 0 0,1 1 0,-1-1 0,1 0 0,-1 1 0,0-1 0,1 0 0,-1 1 0,1-1 0,-1 0 0,1 1 0,-1-1 0,0 1 0,0-1 0,1 1 0,-1 1 0,0-1 0,0 1 0,0-1 0,-1 1 0,1-1 0,-1 1 0,1-1 0,-1 1 0,1-1 0,-1 1 0,0-1 0,1 0 0,-1 1 0,0-1 0,0 0 0,-1 2 0,-70 76 0,3-4 0,47-46 0,12-14 0,0-1 0,-1-1 0,0 0 0,-1 0 0,0-2 0,-1 1 0,-1-1 0,-17 11 0,-37 12 0,-1-2 0,-2-3 0,-1-4 0,0-3 0,-135 24 0,-1062 72 0,1242-119 0,38-4 0,43-6 0,80-12 0,42-4 0,291-86 0,-193 17 0,432-126 0,-649 210 0,-37 9 0,-1 0 0,0-1 0,0-1 0,-1-1 0,0-1 0,0 0 0,0-1 0,-1-1 0,26-17 0,34-42 0,-22 19 0,108-74 0,-156 118 0,0 1 0,0 1 0,0-1 0,1 1 0,-1 1 0,1-1 0,0 1 0,14-2 0,-19 4 0,-1 0 0,1 0 0,0 0 0,-1 0 0,1 0 0,0 1 0,-1-1 0,1 1 0,0 0 0,-1 0 0,1 0 0,-1 0 0,1 0 0,-1 1 0,0-1 0,0 1 0,1-1 0,-1 1 0,0 0 0,0 0 0,-1 0 0,1 0 0,0 0 0,-1 0 0,1 0 0,-1 1 0,0-1 0,1 1 0,0 2 0,2 8 0,0 1 0,-1-1 0,0 1 0,-1-1 0,0 1 0,-1 0 0,-1 0 0,-2 19 0,0-12 0,-1 1 0,-1 0 0,-1-1 0,-12 33 0,-3-10 0,-2 0 0,-50 73 0,23-39 0,44-69 0,0 0 0,1 1 0,1-1 0,-4 14 0,7-22 0,-1 0 0,1 1 0,0-1 0,0 0 0,-1 0 0,1 1 0,0-1 0,0 0 0,0 1 0,1-1 0,-1 0 0,0 1 0,0-1 0,1 0 0,-1 0 0,1 1 0,0 1 0,0-3 0,0 1 0,0-1 0,0 1 0,0-1 0,0 0 0,0 0 0,0 0 0,0 1 0,0-1 0,0 0 0,0 0 0,0 0 0,1 0 0,-1-1 0,0 1 0,0 0 0,0 0 0,0-1 0,0 1 0,0 0 0,0-1 0,0 1 0,-1-1 0,1 1 0,0-1 0,0 0 0,1 0 0,37-25 0,-1-2 0,-2-1 0,0-2 0,46-53 0,-61 62 0,291-335 0,-297 338 0,-12 14 0,1 0 0,0-1 0,0 1 0,0 1 0,1-1 0,-1 0 0,1 1 0,0 0 0,9-4 0,-14 7 0,0 1 0,0 0 0,0 0 0,1 0 0,-1 0 0,0 0 0,0 0 0,1 0 0,-1 0 0,0 0 0,1-1 0,-1 1 0,0 0 0,0 0 0,1 1 0,-1-1 0,0 0 0,0 0 0,1 0 0,-1 0 0,0 0 0,0 0 0,1 0 0,-1 0 0,0 0 0,0 0 0,1 1 0,-1-1 0,0 0 0,0 0 0,0 0 0,1 1 0,-1-1 0,0 0 0,0 0 0,0 0 0,0 1 0,0-1 0,1 0 0,-1 0 0,0 1 0,0-1 0,0 0 0,0 0 0,0 1 0,0-1 0,0 0 0,-1 21 0,-10 21 0,9-36 0,-147 408 0,180-513 0,-3 32 0,-6 10 0,2 1 0,57-94 0,-80 149 0,-1-1 0,1 0 0,0 1 0,0-1 0,0 1 0,0-1 0,0 1 0,0-1 0,1 1 0,-1 0 0,0 0 0,1-1 0,-1 1 0,1 0 0,-1 0 0,1 1 0,0-1 0,-1 0 0,1 0 0,0 1 0,0-1 0,-1 1 0,1-1 0,0 1 0,0 0 0,2 0 0,-2 1 0,0 1 0,-1-1 0,1 1 0,-1-1 0,1 1 0,-1 0 0,0-1 0,0 1 0,1 0 0,-1 0 0,0 0 0,-1 0 0,1 0 0,0 0 0,-1 0 0,1 0 0,-1 1 0,1-1 0,-1 0 0,0 4 0,4 46 0,-7 102 0,2 16 0,1-168 0,7 40 0,-7-42 0,0 1 0,0 0 0,0 0 0,1 0 0,-1 0 0,0-1 0,1 1 0,-1 0 0,0 0 0,1-1 0,-1 1 0,1 0 0,-1-1 0,1 1 0,-1 0 0,1-1 0,0 1 0,-1-1 0,1 1 0,0-1 0,-1 1 0,1-1 0,0 1 0,0-1 0,-1 0 0,1 1 0,0-1 0,0 0 0,0 0 0,0 0 0,-1 0 0,1 1 0,0-1 0,0 0 0,0 0 0,0-1 0,0 1 0,-1 0 0,1 0 0,0 0 0,0-1 0,0 1 0,-1 0 0,2-1 0,12-8 0,-1 0 0,0-1 0,-1 0 0,0-1 0,-1-1 0,0 0 0,15-21 0,0-3 0,32-62 0,-36 52 0,24-74 0,-38 98 0,-1 8 0,-3 15 0,0 26 0,-6 48 0,-23 95 0,-2 18 0,27-188 0,0 0 0,0 0 0,0 0 0,0-1 0,0 1 0,0 0 0,0 0 0,0 0 0,0 0 0,0 0 0,0 0 0,0-1 0,0 1 0,0 0 0,0 0 0,0 0 0,1 0 0,-1 0 0,0 0 0,0 0 0,0 0 0,0-1 0,0 1 0,0 0 0,0 0 0,0 0 0,0 0 0,1 0 0,-1 0 0,0 0 0,0 0 0,0 0 0,0 0 0,0 0 0,0 0 0,0 0 0,1 0 0,-1 0 0,0 0 0,0 0 0,0 0 0,0 0 0,0 0 0,0 0 0,1 0 0,-1 0 0,0 0 0,0 0 0,0 0 0,0 0 0,0 0 0,0 0 0,0 0 0,1 0 0,-1 0 0,0 0 0,0 1 0,0-1 0,0 0 0,0 0 0,0 0 0,0 0 0,0 0 0,0 0 0,0 1 0,14-19 0,12-26 0,-8 4 0,36-69 0,-49 99 0,2 1 0,-1-1 0,1 1 0,0 0 0,1 1 0,0 0 0,17-14 0,-24 21 0,1 0 0,-1 0 0,1 0 0,-1 0 0,1 0 0,0 0 0,-1 0 0,1 1 0,0-1 0,-1 1 0,1-1 0,0 1 0,0-1 0,0 1 0,-1 0 0,1 0 0,0 0 0,0 0 0,0 0 0,-1 1 0,1-1 0,0 0 0,0 1 0,-1 0 0,1-1 0,0 1 0,-1 0 0,1 0 0,0 0 0,-1 0 0,1 0 0,-1 0 0,0 0 0,1 0 0,-1 0 0,0 1 0,0-1 0,0 1 0,0-1 0,0 1 0,0-1 0,0 1 0,0 0 0,-1-1 0,1 1 0,0 2 0,3 8 0,0 0 0,-1 0 0,0 1 0,-1-1 0,1 17 0,-3-12 0,0 0 0,-1 1 0,-1-1 0,-1 0 0,0 0 0,-2 0 0,0 0 0,0-1 0,-2 1 0,0-1 0,0-1 0,-2 0 0,0 0 0,-1 0 0,0-1 0,-1-1 0,-1 0 0,0 0 0,0-1 0,-2-1 0,-19 14 0,-27 12-1365,-2-3-5461</inkml:trace>
+</inkml:ink>
+</file>
+
+<file path=ppt/ink/ink14.xml><?xml version="1.0" encoding="utf-8"?>
+<inkml:ink xmlns:inkml="http://www.w3.org/2003/InkML">
+  <inkml:definitions>
+    <inkml:context xml:id="ctx0">
+      <inkml:inkSource xml:id="inkSrc0">
+        <inkml:traceFormat>
+          <inkml:channel name="X" type="integer" min="-2.14748E9" max="2.14748E9" units="cm"/>
+          <inkml:channel name="Y" type="integer" min="-2.14748E9" max="2.14748E9" units="cm"/>
+          <inkml:channel name="F" type="integer" max="32767" units="dev"/>
+        </inkml:traceFormat>
+        <inkml:channelProperties>
+          <inkml:channelProperty channel="X" name="resolution" value="1000" units="1/cm"/>
+          <inkml:channelProperty channel="Y" name="resolution" value="1000" units="1/cm"/>
+          <inkml:channelProperty channel="F" name="resolution" value="0" units="1/dev"/>
+        </inkml:channelProperties>
+      </inkml:inkSource>
+      <inkml:timestamp xml:id="ts0" timeString="2023-05-05T17:30:43.113"/>
+    </inkml:context>
+    <inkml:brush xml:id="br0">
+      <inkml:brushProperty name="width" value="0.35" units="cm"/>
+      <inkml:brushProperty name="height" value="0.35" units="cm"/>
+      <inkml:brushProperty name="color" value="#FFFFFF"/>
+    </inkml:brush>
+  </inkml:definitions>
+  <inkml:trace contextRef="#ctx0" brushRef="#br0">1 781 24575,'15'-1'0,"1"1"0,-1 1 0,1 0 0,-1 1 0,23 6 0,-32-5 0,0-1 0,-1 1 0,0 0 0,1 0 0,-1 0 0,0 1 0,-1 0 0,1 0 0,-1 0 0,1 1 0,-1-1 0,-1 1 0,1 0 0,-1 0 0,1 0 0,4 12 0,-1 4 0,0 0 0,-1 0 0,-1 1 0,-1 0 0,-1 1 0,-1-1 0,-1 0 0,-3 30 0,4 33 0,-2-82 0,0-1 0,0 0 0,0 1 0,0-1 0,0 1 0,1-1 0,-1 1 0,1-1 0,0 0 0,0 1 0,0-1 0,0 0 0,0 0 0,2 3 0,-2-5 0,-1 0 0,1 0 0,0 0 0,-1 1 0,1-1 0,-1 0 0,1-1 0,0 1 0,-1 0 0,1 0 0,0 0 0,-1 0 0,1 0 0,-1 0 0,1-1 0,-1 1 0,1 0 0,0-1 0,-1 1 0,1 0 0,-1-1 0,1 1 0,-1-1 0,0 1 0,1 0 0,-1-1 0,1 1 0,-1-1 0,0 1 0,1-1 0,-1 0 0,1 0 0,6-12 0,1 0 0,-2 0 0,7-17 0,4-20 0,-2 0 0,-2-2 0,-2 0 0,6-86 0,-18 145 0,-1 0 0,1 1 0,-2-1 0,1 0 0,-1 0 0,0 0 0,-1 0 0,-4 6 0,-42 60 0,16-25 0,28-38 0,-5 8 0,0 0 0,-1-1 0,0 0 0,-2-1 0,0 0 0,-1-1 0,-33 26 0,48-41 0,0 0 0,0 0 0,0 0 0,0 0 0,0 0 0,0 0 0,0 1 0,0-1 0,-1 0 0,1 0 0,0 0 0,0 0 0,0 0 0,0 0 0,0 0 0,0 0 0,0 0 0,-1 0 0,1 0 0,0 0 0,0 0 0,0 0 0,0 0 0,0 0 0,0 0 0,-1 0 0,1 0 0,0 0 0,0 0 0,0 0 0,0 0 0,0 0 0,0 0 0,-1 0 0,1 0 0,0 0 0,0 0 0,0 0 0,0 0 0,0 0 0,0-1 0,0 1 0,-1 0 0,1 0 0,0 0 0,0 0 0,0 0 0,0 0 0,0 0 0,0-1 0,0 1 0,0 0 0,0 0 0,0 0 0,0 0 0,0 0 0,0 0 0,0-1 0,0 1 0,0 0 0,2-14 0,11-16 0,5-1 0,1 1 0,1 1 0,39-42 0,82-73 0,-139 142 0,45-43 0,2 3 0,1 1 0,91-54 0,-134 91 0,0 0 0,1 1 0,0 0 0,-1 0 0,1 1 0,0 0 0,1 0 0,-1 1 0,0 0 0,0 1 0,1-1 0,15 3 0,-19-1 0,-1-1 0,1 2 0,0-1 0,0 0 0,-1 1 0,1 0 0,0 0 0,-1 0 0,0 1 0,0 0 0,1-1 0,-2 1 0,1 1 0,0-1 0,-1 1 0,1-1 0,-1 1 0,0 0 0,0 0 0,-1 0 0,1 1 0,2 6 0,2 7 0,-1 0 0,-1 0 0,-1 0 0,-1 1 0,0 0 0,0 27 0,-12 114 0,4-109 0,3 59 0,1-108 0,1-1 0,0 0 0,0 1 0,0-1 0,0 0 0,0 1 0,0-1 0,1 0 0,-1 0 0,0 1 0,1-1 0,-1 0 0,1 0 0,-1 1 0,1-1 0,0 0 0,-1 0 0,1 0 0,0 0 0,0 0 0,0 0 0,0 0 0,0 0 0,0 0 0,0-1 0,0 1 0,2 1 0,-1-2 0,1 0 0,0 0 0,0 0 0,-1 0 0,1 0 0,0-1 0,0 0 0,-1 1 0,1-1 0,0 0 0,-1 0 0,4-2 0,31-16 0,-2-2 0,0-1 0,-1-2 0,51-46 0,-38 31 0,195-171 0,-216 189 0,-25 21 0,-1 0 0,0 0 0,0 0 0,0 0 0,1 0 0,-1 0 0,0 0 0,0 0 0,0 0 0,0 1 0,0-1 0,1 0 0,-1 0 0,0 0 0,0 0 0,0 0 0,0 0 0,0 0 0,0 1 0,1-1 0,-1 0 0,0 0 0,0 0 0,0 0 0,0 1 0,0-1 0,0 0 0,0 0 0,0 0 0,0 0 0,0 1 0,0-1 0,0 0 0,0 0 0,0 0 0,0 0 0,0 1 0,0-1 0,0 0 0,0 0 0,0 0 0,0 1 0,0-1 0,0 0 0,0 0 0,0 0 0,0 0 0,-1 0 0,1 1 0,0-1 0,0 0 0,0 0 0,0 0 0,0 0 0,0 0 0,-1 0 0,1 1 0,0-1 0,0 0 0,0 0 0,0 0 0,-1 0 0,1 0 0,0 0 0,0 0 0,-33 47 0,-32 24 0,-88 76 0,137-132 0,9-9 0,0 0 0,-1 0 0,0-1 0,-1 0 0,1 0 0,-1 0 0,0-1 0,-12 3 0,-2-1 0,-1-1 0,-25 2 0,32-3 0,1 1 0,-1 0 0,1 1 0,0 1 0,0 0 0,-19 12 0,-36 16 0,53-27 0,-1-1 0,0-1 0,0-1 0,0-1 0,-36 3 0,51-6 0,0-1 0,0 0 0,0 0 0,0 0 0,0-1 0,0 0 0,0 1 0,0-1 0,0-1 0,0 1 0,0-1 0,0 1 0,1-1 0,-1 0 0,1 0 0,-1-1 0,1 1 0,0-1 0,0 1 0,0-1 0,0 0 0,1 0 0,-1 0 0,1-1 0,-1 1 0,1-1 0,0 1 0,1-1 0,-1 0 0,1 0 0,-1 1 0,1-1 0,0 0 0,0-6 0,-1 1 0,1-1 0,0 0 0,0 1 0,1-1 0,0 0 0,1 0 0,0 1 0,1-1 0,0 0 0,0 1 0,7-17 0,-2 12 0,1 1 0,0 0 0,0 0 0,2 0 0,-1 1 0,21-19 0,9-8 0,1 2 0,87-61 0,-107 85 0,0 1 0,0 1 0,2 1 0,-1 2 0,1-1 0,0 2 0,1 1 0,-1 1 0,38-3 0,-44 6 0,0 2 0,0 0 0,0 1 0,0 0 0,0 1 0,0 1 0,-1 1 0,26 8 0,-31-7 0,0 0 0,0 1 0,0 0 0,0 0 0,-1 1 0,0 0 0,-1 1 0,0 0 0,0 0 0,0 0 0,-1 1 0,11 19 0,-8-11 0,-2 0 0,0 1 0,0 0 0,-2 0 0,0 1 0,-2 0 0,4 22 0,-2 16 0,-1 60 0,1 9 0,-6-126 0,-1 0 0,1 1 0,0-1 0,0 1 0,0-1 0,0 1 0,0-1 0,0 1 0,0-1 0,0 1 0,0-1 0,0 0 0,0 1 0,0-1 0,0 1 0,0-1 0,0 1 0,0-1 0,0 1 0,1-1 0,-1 0 0,0 1 0,0-1 0,0 1 0,1-1 0,-1 0 0,0 1 0,1-1 0,-1 0 0,0 1 0,1-1 0,-1 0 0,1 1 0,-1-1 0,0 0 0,1 0 0,-1 0 0,1 1 0,-1-1 0,0 0 0,1 0 0,-1 0 0,1 0 0,-1 0 0,1 0 0,-1 0 0,1 0 0,-1 0 0,1 0 0,-1 0 0,1 0 0,-1 0 0,0 0 0,1-1 0,-1 1 0,1 0 0,-1 0 0,1-1 0,24-24 0,-23 24 0,231-301 0,-203 267 0,-4 1 0,2 1 0,2 2 0,0 1 0,2 1 0,39-26 0,-70 54 0,0 0 0,0 1 0,-1-1 0,1 0 0,0 1 0,0-1 0,0 1 0,1-1 0,-1 1 0,0-1 0,0 1 0,0 0 0,0 0 0,0-1 0,0 1 0,0 0 0,1 0 0,-1 0 0,0 0 0,0 1 0,0-1 0,0 0 0,2 1 0,-3-1 0,1 1 0,-1 0 0,1 0 0,0 0 0,-1 0 0,0-1 0,1 1 0,-1 0 0,0 0 0,1 0 0,-1 0 0,0 0 0,0 0 0,0 0 0,0 0 0,0 0 0,0 0 0,0 0 0,0 0 0,0 1 0,-16 55 0,16-55 0,-85 258 0,80-224 0,5-36 0,0 0 0,0 0 0,0 1 0,0-1 0,0 0 0,0 1 0,0-1 0,0 0 0,0 0 0,1 1 0,-1-1 0,0 0 0,0 1 0,0-1 0,0 0 0,0 0 0,0 0 0,1 1 0,-1-1 0,0 0 0,0 0 0,0 1 0,1-1 0,-1 0 0,0 0 0,0 0 0,0 0 0,1 1 0,-1-1 0,0 0 0,0 0 0,1 0 0,-1 0 0,0 0 0,1 0 0,-1 0 0,1 0 0,12-5 0,20-19 0,-25 17 0,133-95 0,5 6 0,252-123 0,-396 217 0,15-7 0,0 1 0,0 0 0,1 1 0,0 1 0,0 0 0,1 2 0,23-3 0,-39 6 0,-1 1 0,1 1 0,0-1 0,-1 0 0,1 1 0,0-1 0,-1 1 0,1 0 0,-1 0 0,1 0 0,-1 0 0,1 0 0,-1 1 0,1-1 0,-1 1 0,0-1 0,0 1 0,0 0 0,0 0 0,0 0 0,-1 0 0,1 0 0,0 0 0,-1 1 0,0-1 0,1 1 0,-1-1 0,0 1 0,0-1 0,0 1 0,-1-1 0,1 1 0,-1 0 0,1-1 0,-1 1 0,0 0 0,0 3 0,0 9 0,0 1 0,-1-1 0,-1 1 0,0-1 0,-6 19 0,-2-1 0,-2-1 0,-1-1 0,-2 0 0,-1-1 0,-1 0 0,-2-1 0,-1-1 0,-1-1 0,-1-1 0,-34 31 0,51-52 0,0 0 0,0 0 0,0 0 0,0-1 0,-1 0 0,0 0 0,1-1 0,-1 0 0,-1 0 0,-11 5 0,17-8 0,0 0 0,1 0 0,-1 1 0,1-1 0,-1 0 0,0 0 0,1 0 0,-1 0 0,0 0 0,1 0 0,-1 0 0,1 0 0,-1 0 0,0 0 0,1 0 0,-1 0 0,1-1 0,-1 1 0,0 0 0,1 0 0,-1-1 0,1 1 0,-1 0 0,1-1 0,-1 1 0,1 0 0,-1-1 0,1 1 0,-1-1 0,0 0 0,7-18 0,27-21 0,48-40 0,3 3 0,4 3 0,129-82 0,-157 123 0,-59 33 0,-1-1 0,1 0 0,0 1 0,-1 0 0,1-1 0,0 1 0,0-1 0,-1 1 0,1 0 0,0 0 0,0-1 0,0 1 0,0 0 0,-1 0 0,1 0 0,0 0 0,0 0 0,0 0 0,0 0 0,0 0 0,-1 0 0,1 0 0,0 1 0,0-1 0,0 0 0,-1 1 0,1-1 0,1 1 0,-2 1 0,0 0 0,-1 0 0,1 0 0,-1 0 0,0-1 0,1 1 0,-1 0 0,0 0 0,0-1 0,0 1 0,0-1 0,-1 1 0,1-1 0,0 1 0,-2 1 0,-42 46 0,-3-2 0,-99 76 0,-132 74 0,215-154 0,-103 72 0,-252 165 0,399-268 0,3 0 0,0-1 0,-2 0 0,1-2 0,-1 0 0,-1-1 0,-36 10 0,54-17 0,1-1 0,-1 1 0,0-1 0,0 0 0,0 1 0,0-1 0,1 0 0,-1 0 0,0-1 0,0 1 0,0 0 0,1-1 0,-1 1 0,0-1 0,0 1 0,1-1 0,-1 0 0,0 0 0,1 1 0,-1-1 0,1 0 0,-1-1 0,1 1 0,-1 0 0,1 0 0,0-1 0,0 1 0,0-1 0,0 1 0,0-1 0,0 1 0,0-1 0,0 1 0,0-1 0,1 0 0,-1 0 0,1 1 0,-1-1 0,1 0 0,0 0 0,0 0 0,0 1 0,0-1 0,0-4 0,1-7 0,0 0 0,1 0 0,0 0 0,7-22 0,-9 35 0,13-39 0,2 1 0,1 1 0,1 0 0,3 1 0,23-33 0,131-161 0,-162 216 0,48-62 0,3 4 0,4 2 0,2 3 0,83-61 0,-127 110 0,2 1 0,0 1 0,58-24 0,-77 36 0,-1 1 0,1 1 0,0-1 0,0 1 0,0 1 0,0-1 0,0 1 0,0 1 0,1-1 0,-1 1 0,0 1 0,0 0 0,0 0 0,0 0 0,0 1 0,0 1 0,0-1 0,0 1 0,-1 0 0,11 7 0,-13-6 0,1 1 0,-1 0 0,0 1 0,-1 0 0,1-1 0,-1 1 0,-1 1 0,1-1 0,-1 0 0,0 1 0,0 0 0,-1 0 0,0 0 0,0 0 0,0 0 0,0 14 0,1 13 0,-2 0 0,-5 47 0,2-37 0,2-41 0,0 14 0,-1-1 0,0 1 0,-1-1 0,0 0 0,-2 0 0,-8 27 0,4-31 0,4-15 0,3 1 0,1 0 0,0 0 0,0 0 0,0 0 0,1 0 0,-1 0 0,1 0 0,-1 1 0,1-1 0,-1 0 0,1 0 0,1-2 0,15-23 0,0 1 0,2 1 0,1 0 0,34-31 0,100-78 0,-147 128 0,75-54 0,-73 55 0,0-1 0,1 2 0,-1-1 0,1 1 0,0 1 0,0 0 0,14-3 0,-21 6 0,-1 0 0,0-1 0,1 1 0,-1 0 0,1 0 0,-1 0 0,0 1 0,1-1 0,-1 1 0,0-1 0,1 1 0,-1 0 0,0 0 0,0 0 0,0 0 0,0 0 0,0 0 0,0 0 0,0 1 0,0-1 0,0 1 0,2 2 0,-2-1 0,1 1 0,-1 0 0,1 1 0,-1-1 0,0 0 0,-1 1 0,1-1 0,-1 1 0,0 0 0,1 6 0,0 10 0,-1-1 0,-1 0 0,0 0 0,-5 24 0,2-29 0,0 1 0,0 0 0,-2-1 0,0 1 0,-1-1 0,0-1 0,-1 1 0,-1-1 0,0 0 0,-1-1 0,-1 0 0,0 0 0,-19 18 0,22-24 0,-15 16 0,18-17 0,10-9 0,26-23 0,-21 17 0,-1 0 0,1 1 0,0 0 0,14-6 0,-10 9 0,-12 11 0,-20 26 0,-34 30 0,-108 104 0,19-24 0,-10 48 0,45-53 0,102-133 0,0 0 0,0 0 0,-1 1 0,1-2 0,-1 1 0,0 0 0,0-1 0,-1 0 0,1 0 0,-1 0 0,1 0 0,-1-1 0,-6 2 0,11-4 0,0 0 0,-1 1 0,1-1 0,-1 0 0,1 0 0,0 0 0,-1 0 0,1 0 0,-1 0 0,1-1 0,0 1 0,-1 0 0,1 0 0,0 0 0,-1 0 0,1 0 0,-1 0 0,1-1 0,0 1 0,0 0 0,-1 0 0,1-1 0,0 1 0,-1 0 0,1 0 0,0-1 0,0 1 0,-1 0 0,1-1 0,0 1 0,0 0 0,0-1 0,-1 1 0,1 0 0,0-1 0,0 1 0,0-1 0,0 1 0,0 0 0,0-1 0,0 1 0,0-1 0,0 1 0,0 0 0,0-1 0,0 1 0,0 0 0,0-1 0,8-22 0,5 1 0,1 1 0,0 1 0,1 0 0,25-25 0,83-71 0,-68 67 0,-25 20 0,131-114 0,-131 119 0,2 1 0,1 1 0,49-24 0,-73 41 0,0 1 0,0 1 0,1-1 0,-1 1 0,1 1 0,0 0 0,11-1 0,-19 3 0,1 0 0,-1 0 0,1 0 0,0 1 0,-1-1 0,1 0 0,-1 1 0,1 0 0,-1 0 0,1 0 0,-1 0 0,1 0 0,-1 0 0,0 0 0,0 1 0,0-1 0,0 1 0,0 0 0,0 0 0,0-1 0,0 1 0,-1 0 0,1 1 0,-1-1 0,1 0 0,-1 0 0,0 1 0,0-1 0,0 0 0,0 1 0,1 3 0,2 15 0,-1 1 0,-1-1 0,0 1 0,-2 0 0,-3 32 0,1 16 0,1-66 0,1 0 0,0-1 0,0 1 0,0 0 0,1-1 0,-1 1 0,1 0 0,0-1 0,0 1 0,0-1 0,0 1 0,1-1 0,-1 0 0,1 0 0,0 1 0,0-1 0,0 0 0,0-1 0,1 1 0,-1 0 0,5 3 0,-3-5 0,0 1 0,0-1 0,0 0 0,0 0 0,0-1 0,1 1 0,-1-1 0,0 0 0,1 0 0,-1 0 0,0-1 0,0 1 0,0-1 0,1 0 0,-1-1 0,0 1 0,0-1 0,6-3 0,22-9 0,-2-1 0,0-2 0,-1-1 0,31-25 0,101-95 0,-158 135 0,217-202 0,-288 263 0,-3-3 0,-2-3 0,-2-3 0,-3-3 0,-103 43 0,157-79 0,-1-1 0,0-2 0,-48 9 0,66-14 0,-1-1 0,0-1 0,0 1 0,0-1 0,0 0 0,1-1 0,-1 0 0,0 0 0,0 0 0,1-1 0,-1-1 0,1 1 0,-1-1 0,1 0 0,0-1 0,-12-7 0,15 6 0,0 0 0,-1 0 0,2 0 0,-1-1 0,1 1 0,-1-1 0,1 0 0,1 0 0,-1 0 0,1 0 0,0 0 0,1 0 0,-1-1 0,1 1 0,1-1 0,-1-6 0,0-13 0,2 0 0,5-44 0,7 4 0,2 1 0,3 1 0,3 1 0,3 0 0,51-96 0,-61 132 0,2 0 0,1 1 0,1 1 0,1 0 0,1 1 0,1 2 0,1 0 0,1 1 0,1 1 0,27-17 0,-44 33 0,-1 1 0,1-1 0,0 1 0,0 0 0,1 1 0,-1-1 0,0 1 0,1 1 0,-1 0 0,12-1 0,-16 2 0,0 0 0,0 0 0,0 0 0,0 1 0,0-1 0,0 1 0,-1 0 0,1-1 0,0 1 0,0 1 0,0-1 0,-1 0 0,1 1 0,-1-1 0,1 1 0,-1 0 0,0 0 0,1 0 0,-1 0 0,0 0 0,0 1 0,-1-1 0,1 0 0,0 1 0,-1-1 0,1 1 0,-1 0 0,0 0 0,1 3 0,1 5 0,-1 0 0,-1 0 0,1 0 0,-2 1 0,0-1 0,0 1 0,-1-1 0,0 0 0,-1 1 0,-5 15 0,-6 19 0,-22 50 0,24-69 0,-132 315 0,134-321 0,-2 0 0,-21 33 0,30-50 0,0 0 0,-1 0 0,1-1 0,-1 1 0,0-1 0,0 0 0,-1 0 0,1 0 0,0 0 0,-1-1 0,0 1 0,0-1 0,0 0 0,0 0 0,0 0 0,0-1 0,0 1 0,0-1 0,-1 0 0,1 0 0,-6 0 0,8-2 0,0 1 0,0 0 0,0-1 0,0 1 0,0-1 0,0 0 0,0 1 0,1-1 0,-1 0 0,0 0 0,1 0 0,-1 0 0,0-1 0,1 1 0,-1 0 0,1-1 0,0 1 0,-1-1 0,1 1 0,-1-3 0,-1 0 0,1-1 0,0 0 0,0 0 0,0 0 0,1 0 0,-1 0 0,0-9 0,1 2 0,0 0 0,1 0 0,0-1 0,1 1 0,0 0 0,3-13 0,5-2 0,1 0 0,1 0 0,1 1 0,1 1 0,2 0 0,0 1 0,22-26 0,11-8 0,82-76 0,-61 69 0,2 3 0,4 3 0,1 4 0,118-64 0,-183 113 0,0 1 0,1 0 0,0 0 0,0 2 0,0-1 0,16-1 0,-24 4 0,-1 1 0,1 0 0,0-1 0,-1 2 0,1-1 0,0 0 0,0 1 0,-1-1 0,1 1 0,-1 0 0,1 1 0,-1-1 0,1 0 0,-1 1 0,0 0 0,0 0 0,0 0 0,0 0 0,0 0 0,0 1 0,0-1 0,-1 1 0,1 0 0,-1 0 0,0 0 0,2 3 0,3 9 0,-1 1 0,-1 0 0,-1 0 0,0 0 0,-1 1 0,-1-1 0,0 1 0,-1-1 0,-2 25 0,1-7 0,0 16 0,-3 0 0,-1 0 0,-3-1 0,-2 1 0,-2-2 0,-3 1 0,-1-2 0,-25 53 0,20-65 0,19-35 0,1 1 0,0-1 0,0 0 0,0 0 0,0 1 0,0-1 0,0 0 0,0 1 0,0-1 0,-1 0 0,1 0 0,0 1 0,0-1 0,0 0 0,0 0 0,-1 1 0,1-1 0,0 0 0,0 0 0,-1 0 0,1 1 0,0-1 0,0 0 0,-1 0 0,1 0 0,0 0 0,-1 0 0,1 0 0,0 0 0,-1 0 0,1 0 0,0 0 0,0 1 0,-1-2 0,1 1 0,0 0 0,-1 0 0,1 0 0,0 0 0,-1 0 0,1 0 0,0 0 0,0 0 0,-1 0 0,1 0 0,0-1 0,-1 1 0,1 0 0,0 0 0,0 0 0,0-1 0,-1 1 0,1 0 0,0-20 0,8-4 0,0 0 0,2 1 0,23-43 0,-5 13 0,72-143 0,22-46 0,-94 175 0,-15 34 0,2-1 0,1 2 0,34-53 0,-49 84 0,-1 1 0,0 0 0,0-1 0,0 1 0,0 0 0,1-1 0,-1 1 0,0 0 0,0-1 0,1 1 0,-1 0 0,0 0 0,1-1 0,-1 1 0,0 0 0,1 0 0,-1 0 0,0-1 0,1 1 0,-1 0 0,0 0 0,1 0 0,-1 0 0,0 0 0,1 0 0,-1 0 0,1 0 0,-1 0 0,0 0 0,1 0 0,-1 0 0,0 0 0,1 0 0,-1 0 0,1 0 0,6 15 0,-4 27 0,-3-40 0,-1 46 0,-1 0 0,-3 0 0,-17 68 0,-47 141 0,50-194 0,-93 274 0,89-294 0,23-42 0,0-1 0,-1 1 0,1-1 0,0 1 0,-1-1 0,1 1 0,0-1 0,-1 0 0,1 1 0,-1-1 0,1 1 0,-1-1 0,1 0 0,-1 0 0,1 1 0,-1-1 0,1 0 0,-1 0 0,1 0 0,-1 1 0,1-1 0,-1 0 0,0 0 0,1 0 0,-2 0 0,2-1 0,-1 0 0,0 0 0,0 0 0,1 0 0,-1 0 0,1 0 0,-1 0 0,1 0 0,-1 0 0,1 0 0,0 0 0,-1 0 0,1 0 0,0 0 0,0-1 0,0 1 0,0 0 0,0 0 0,0-1 0,1-12 0,1 1 0,0-1 0,1 1 0,0 0 0,2 0 0,-1 1 0,1-1 0,1 1 0,0 0 0,10-14 0,-5 6 0,25-46 0,4 2 0,60-76 0,-70 110 0,-29 30 0,-1-1 0,0 1 0,0 0 0,0 0 0,1-1 0,-1 1 0,0 0 0,0 0 0,0 0 0,1 0 0,-1-1 0,0 1 0,0 0 0,1 0 0,-1 0 0,0 0 0,1 0 0,-1 0 0,0 0 0,0 0 0,1 0 0,-1 0 0,0 0 0,1 0 0,-1 0 0,0 0 0,1 0 0,-1 0 0,0 0 0,0 0 0,1 0 0,-1 0 0,0 0 0,0 1 0,1-1 0,-1 0 0,0 0 0,0 0 0,1 0 0,-1 1 0,0-1 0,0 0 0,0 0 0,1 1 0,-1-1 0,1 20 0,-13 32 0,10-47 0,-34 114 0,-5-1 0,-68 135 0,104-244 0,0 1 0,-1-1 0,0 0 0,0 0 0,-1-1 0,0 0 0,-1 0 0,0-1 0,0 0 0,-15 10 0,-2-3 0,1-1 0,-47 17 0,41-18 0,-76 36 0,65-27 0,-83 27 0,122-47 0,1-1 0,0 1 0,-1-1 0,1 1 0,-1-1 0,1 1 0,-1-1 0,1 0 0,-1 0 0,1 0 0,-1 0 0,1 0 0,-1 0 0,1 0 0,-1-1 0,1 1 0,-1 0 0,1-1 0,-1 1 0,1-1 0,0 0 0,-1 1 0,1-1 0,0 0 0,-1 0 0,1 0 0,-2-1 0,3 0 0,-1 0 0,1-1 0,-1 1 0,1 0 0,0 0 0,-1 0 0,1 0 0,0 0 0,1 0 0,-1-1 0,0 1 0,1 0 0,-1 0 0,1 0 0,-1 0 0,1 0 0,0 0 0,0 0 0,0 0 0,0 1 0,2-3 0,19-31 0,2 2 0,2 0 0,1 2 0,50-46 0,-48 48 0,133-121 0,6 7 0,198-128 0,-310 224 0,-44 35 0,1 1 0,1 0 0,16-10 0,-29 20 0,0 1 0,0-1 0,1 1 0,-1-1 0,0 1 0,0-1 0,0 1 0,1-1 0,-1 1 0,0 0 0,0 0 0,1 0 0,-1 0 0,0 0 0,0 0 0,1 0 0,-1 0 0,0 0 0,0 1 0,1-1 0,-1 0 0,0 1 0,0-1 0,0 1 0,0-1 0,1 1 0,-1 0 0,0 0 0,0-1 0,0 1 0,0 0 0,-1 0 0,1 0 0,0 0 0,0 0 0,0 0 0,-1 0 0,1 0 0,-1 0 0,1 0 0,-1 1 0,1-1 0,-1 0 0,1 0 0,-1 1 0,0-1 0,0 2 0,2 6 0,0 0 0,-1 0 0,0 0 0,0 0 0,-2 10 0,-2 22 0,-3-1 0,-1-1 0,-2 1 0,-22 58 0,-73 150 0,68-167 0,13-28 0,-37 62 0,48-103 0,6-19 0,7-30 0,4 16 0,1 1 0,0 0 0,2 1 0,0-1 0,13-21 0,63-94 0,-49 81 0,-11 17 0,38-57 0,-55 85 0,0 0 0,1 1 0,0 0 0,1 0 0,0 1 0,0 0 0,13-8 0,-21 14 0,0 1 0,0-1 0,0 0 0,1 1 0,-1-1 0,0 1 0,1-1 0,-1 1 0,0 0 0,1-1 0,-1 1 0,1 0 0,-1 0 0,0 0 0,1 0 0,-1 0 0,1 0 0,-1 0 0,0 1 0,1-1 0,-1 1 0,0-1 0,1 1 0,-1-1 0,0 1 0,0 0 0,2 1 0,0 0 0,-1 1 0,0-1 0,0 1 0,0 0 0,0 0 0,-1 0 0,1 0 0,-1 0 0,0 0 0,0 0 0,1 5 0,2 12 0,0 0 0,-2 0 0,0 21 0,-2-35 0,1 30 0,-2 0 0,-2 0 0,-1 0 0,-2 0 0,-1-1 0,-2 0 0,-1 0 0,-19 43 0,28-77 0,1 1 0,-1 0 0,1-1 0,-1 1 0,0-1 0,0 1 0,0-1 0,0 1 0,0-1 0,0 0 0,0 1 0,0-1 0,0 0 0,-1 0 0,1 0 0,-1 0 0,-1 1 0,2-2 0,1 0 0,-1-1 0,0 1 0,1 0 0,-1-1 0,1 1 0,-1-1 0,1 0 0,-1 1 0,1-1 0,-1 1 0,1-1 0,0 0 0,-1 1 0,1-1 0,0 0 0,-1 1 0,1-1 0,0 0 0,0 1 0,0-1 0,0 0 0,-1 0 0,1 1 0,0-1 0,1-1 0,-3-8 0,2-1 0,0 1 0,0-1 0,2-13 0,6-9 0,2 0 0,1 1 0,1 0 0,32-57 0,84-112 0,-126 197 0,27-33 0,-14 28 0,-15 10 0,1-1 0,-1 0 0,0 0 0,1 1 0,-1-1 0,1 0 0,-1 1 0,1-1 0,-1 1 0,0-1 0,1 0 0,-1 1 0,0-1 0,1 1 0,-1-1 0,0 1 0,0-1 0,1 1 0,-1-1 0,0 1 0,0-1 0,0 1 0,0-1 0,0 1 0,0-1 0,0 1 0,0 0 0,0-1 0,0 1 0,0 0 0,-1 10 0,-1-1 0,1 1 0,-2-1 0,0 1 0,0-1 0,-1 0 0,0 0 0,0 0 0,-10 13 0,-1 9 0,-26 53 0,12-28 0,4 1 0,-26 81 0,41-103 0,-1-1 0,-3 0 0,-1-1 0,-21 37 0,35-70 0,1 0 0,0 0 0,-1 0 0,1 0 0,0-1 0,-1 1 0,1 0 0,-1 0 0,1-1 0,-1 1 0,1 0 0,-1-1 0,0 1 0,1 0 0,-1-1 0,0 1 0,0-1 0,1 1 0,-1-1 0,0 0 0,0 1 0,0-1 0,0 0 0,1 1 0,-1-1 0,0 0 0,0 0 0,-1 0 0,1-1 0,0 1 0,1-1 0,-1 0 0,0 0 0,0 0 0,1 0 0,-1 0 0,1 0 0,-1-1 0,1 1 0,-1 0 0,1 0 0,0 0 0,-1 0 0,1-1 0,0-1 0,-2-59 0,3 54 0,0-1 0,1 1 0,0-1 0,0 1 0,1-1 0,0 1 0,5-8 0,-7 12 0,1 1 0,0 0 0,0 0 0,0 0 0,0 0 0,1 0 0,-1 0 0,1 1 0,-1-1 0,1 1 0,0 0 0,0 0 0,0 0 0,0 0 0,1 0 0,-1 1 0,0-1 0,1 1 0,4-1 0,-6 1 0,-1 1 0,1 0 0,0 0 0,-1 0 0,1 0 0,-1 0 0,1 1 0,-1-1 0,1 0 0,-1 1 0,1-1 0,-1 1 0,0-1 0,1 1 0,-1 0 0,1 0 0,-1-1 0,0 1 0,0 0 0,0 0 0,0 0 0,2 2 0,-1 1 0,1-1 0,-1 1 0,0-1 0,0 1 0,0 0 0,-1 0 0,1 0 0,0 5 0,2 9 0,-2 0 0,2 35 0,-4-47 0,1 27 0,-2 0 0,-1 0 0,-1 0 0,-2-1 0,-16 61 0,18-81 0,5-12 0,13-26 0,25-52 0,-39 74 0,55-99 0,-32 62 0,-2-1 0,25-68 0,-37 83 0,26-48 0,-8 20 0,-28 54 1,0 0 0,1 1 0,-1-1 0,0 1 0,0-1 0,0 0 0,0 1 0,1-1 0,-1 0 0,0 1-1,0-1 1,0 0 0,0 1 0,-1-1 0,1 0 0,0 1 0,0-1 0,0 0 0,0 1 0,-1-1 0,1 1 0,0-1 0,-1 0 0,1 1-1,0-1 1,-1 1 0,1-1 0,-1 1 0,1-1 0,-1 1 0,1-1 0,-1 1 0,1 0 0,-1-1 0,0 1 0,1 0 0,-1-1 0,1 1-1,-1 0 1,0 0 0,1 0 0,-2-1 0,-35-5-292,21 4-823</inkml:trace>
+</inkml:ink>
+</file>
+
+<file path=ppt/ink/ink15.xml><?xml version="1.0" encoding="utf-8"?>
+<inkml:ink xmlns:inkml="http://www.w3.org/2003/InkML">
+  <inkml:definitions>
+    <inkml:context xml:id="ctx0">
+      <inkml:inkSource xml:id="inkSrc0">
+        <inkml:traceFormat>
+          <inkml:channel name="X" type="integer" min="-2.14748E9" max="2.14748E9" units="cm"/>
+          <inkml:channel name="Y" type="integer" min="-2.14748E9" max="2.14748E9" units="cm"/>
+        </inkml:traceFormat>
+        <inkml:channelProperties>
+          <inkml:channelProperty channel="X" name="resolution" value="1000" units="1/cm"/>
+          <inkml:channelProperty channel="Y" name="resolution" value="1000" units="1/cm"/>
+        </inkml:channelProperties>
+      </inkml:inkSource>
+      <inkml:timestamp xml:id="ts0" timeString="2023-05-05T17:32:56.132"/>
+    </inkml:context>
+    <inkml:brush xml:id="br0">
+      <inkml:brushProperty name="width" value="0.3" units="cm"/>
+      <inkml:brushProperty name="height" value="0.6" units="cm"/>
+      <inkml:brushProperty name="color" value="#C0E494"/>
+      <inkml:brushProperty name="tip" value="rectangle"/>
+      <inkml:brushProperty name="rasterOp" value="maskPen"/>
+      <inkml:brushProperty name="ignorePressure" value="1"/>
+    </inkml:brush>
+  </inkml:definitions>
+  <inkml:trace contextRef="#ctx0" brushRef="#br0">1 0,'2812'0,"-2774"0</inkml:trace>
+</inkml:ink>
+</file>
+
+<file path=ppt/ink/ink16.xml><?xml version="1.0" encoding="utf-8"?>
+<inkml:ink xmlns:inkml="http://www.w3.org/2003/InkML">
+  <inkml:definitions>
+    <inkml:context xml:id="ctx0">
+      <inkml:inkSource xml:id="inkSrc0">
+        <inkml:traceFormat>
+          <inkml:channel name="X" type="integer" min="-2.14748E9" max="2.14748E9" units="cm"/>
+          <inkml:channel name="Y" type="integer" min="-2.14748E9" max="2.14748E9" units="cm"/>
+          <inkml:channel name="F" type="integer" max="32767" units="dev"/>
+        </inkml:traceFormat>
+        <inkml:channelProperties>
+          <inkml:channelProperty channel="X" name="resolution" value="1000" units="1/cm"/>
+          <inkml:channelProperty channel="Y" name="resolution" value="1000" units="1/cm"/>
+          <inkml:channelProperty channel="F" name="resolution" value="0" units="1/dev"/>
+        </inkml:channelProperties>
+      </inkml:inkSource>
+      <inkml:timestamp xml:id="ts0" timeString="2023-05-05T17:30:53.510"/>
+    </inkml:context>
+    <inkml:brush xml:id="br0">
+      <inkml:brushProperty name="width" value="0.35" units="cm"/>
+      <inkml:brushProperty name="height" value="0.35" units="cm"/>
+      <inkml:brushProperty name="color" value="#FFFFFF"/>
+    </inkml:brush>
+  </inkml:definitions>
+  <inkml:trace contextRef="#ctx0" brushRef="#br0">1 182 24575,'78'3'0,"-50"-1"0,-1-1 0,1-1 0,0-1 0,-1-1 0,0-2 0,43-11 0,-32 1 0,7-3 0,86-20 0,-115 34 0,0 1 0,1 0 0,-1 2 0,1-1 0,-1 2 0,1 0 0,-1 1 0,1 1 0,18 6 0,5 1 0,0-1 0,0-3 0,68 4 0,127-12 0,-95-1 0,-63 4 0,-21 0 0,0-1 0,0-4 0,67-12 0,-58 4 0,1 3 0,75-1 0,136 12 0,-101 1 0,-87-2 0,-30 1 0,-1-3 0,1-2 0,84-15 0,-53 4 0,0 3 0,1 5 0,140 7 0,-96 1 0,-106-3 0,-1-2 0,0-1 0,35-10 0,-39 7 0,1 2 0,0 1 0,0 1 0,41 0 0,-61 3 0,-1 1 0,0 0 0,0 0 0,0 0 0,1 0 0,-1 0 0,-1 1 0,1 0 0,0 0 0,0 0 0,0 0 0,-1 1 0,0-1 0,1 1 0,-1 0 0,0 0 0,0 0 0,0 0 0,-1 1 0,1-1 0,-1 1 0,0 0 0,0 0 0,0-1 0,-1 1 0,1 0 0,-1 1 0,0-1 0,0 0 0,0 0 0,0 0 0,-1 1 0,0-1 0,0 7 0,0-3 0,0 1 0,-1-1 0,0 0 0,0 1 0,0-1 0,-1 0 0,0 0 0,-1 0 0,0 0 0,0-1 0,-1 1 0,0-1 0,0 0 0,-1 0 0,0 0 0,0 0 0,-8 7 0,4-7 0,0-1 0,0 1 0,-1-2 0,1 1 0,-2-1 0,1-1 0,0 0 0,-18 4 0,0-2 0,0-2 0,-29 0 0,16-1 0,-68 16 0,76-12 0,-59 6 0,-18-13 0,73-1 0,0 1 0,1 2 0,-1 1 0,-49 12 0,-156 32 0,14-4 0,182-33 0,0-3 0,-87 3 0,40-5 0,60-1 0,-45 12 0,48-9 0,-58 6 0,-430-9 0,265-7 0,108 1 0,-162 5 0,185 18 0,92-14 0,0-2 0,0 0 0,0-2 0,-49-1 0,70-3 0,0 0 0,0-1 0,1 0 0,-1 0 0,1-1 0,-1 0 0,1 0 0,0-1 0,0 0 0,0-1 0,1 1 0,-1-1 0,1-1 0,0 0 0,1 0 0,0 0 0,0 0 0,0-1 0,0 0 0,-4-9 0,-16-24 30,3-1 0,1-1 0,-18-51 0,31 64-278,0-1 1,2 0-1,1 0 1,1 0-1,-1-57 1</inkml:trace>
+</inkml:ink>
+</file>
+
+<file path=ppt/ink/ink17.xml><?xml version="1.0" encoding="utf-8"?>
+<inkml:ink xmlns:inkml="http://www.w3.org/2003/InkML">
+  <inkml:definitions>
+    <inkml:context xml:id="ctx0">
+      <inkml:inkSource xml:id="inkSrc0">
+        <inkml:traceFormat>
+          <inkml:channel name="X" type="integer" min="-2.14748E9" max="2.14748E9" units="cm"/>
+          <inkml:channel name="Y" type="integer" min="-2.14748E9" max="2.14748E9" units="cm"/>
+          <inkml:channel name="F" type="integer" max="32767" units="dev"/>
+        </inkml:traceFormat>
+        <inkml:channelProperties>
+          <inkml:channelProperty channel="X" name="resolution" value="1000" units="1/cm"/>
+          <inkml:channelProperty channel="Y" name="resolution" value="1000" units="1/cm"/>
+          <inkml:channelProperty channel="F" name="resolution" value="0" units="1/dev"/>
+        </inkml:channelProperties>
+      </inkml:inkSource>
+      <inkml:timestamp xml:id="ts0" timeString="2023-05-05T17:31:08.630"/>
+    </inkml:context>
+    <inkml:brush xml:id="br0">
+      <inkml:brushProperty name="width" value="0.35" units="cm"/>
+      <inkml:brushProperty name="height" value="0.35" units="cm"/>
+      <inkml:brushProperty name="color" value="#FFFFFF"/>
+    </inkml:brush>
+  </inkml:definitions>
+  <inkml:trace contextRef="#ctx0" brushRef="#br0">1 473 24575,'9'-1'0,"-1"0"0,1 0 0,0 0 0,-1-1 0,1-1 0,-1 1 0,1-1 0,9-6 0,65-40 0,-11 5 0,-51 34 0,14-8 0,64-23 0,-98 40 0,0 1 0,0-1 0,1 1 0,-1-1 0,0 1 0,0 0 0,0 0 0,0-1 0,0 1 0,0 0 0,0 0 0,0 0 0,0 0 0,1 0 0,-1 1 0,0-1 0,0 0 0,0 0 0,0 1 0,1 0 0,-2-1 0,0 1 0,1 0 0,-1-1 0,0 1 0,0 0 0,0-1 0,0 1 0,0 0 0,0-1 0,0 1 0,0 0 0,-1-1 0,1 1 0,0 0 0,0-1 0,0 1 0,-1 0 0,1-1 0,0 1 0,-1-1 0,1 1 0,0-1 0,-2 2 0,-39 47 0,28-35 0,4 2 0,0 0 0,1 0 0,1 1 0,0-1 0,2 2 0,-5 19 0,-2 5 0,-11 51 0,21-86 0,1-1 0,0 1 0,1 0 0,0 0 0,0-1 0,0 1 0,1 0 0,0 0 0,0-1 0,1 1 0,3 10 0,-4-15 0,0-1 0,0 1 0,0-1 0,1 0 0,-1 1 0,0-1 0,0 0 0,1 0 0,-1 0 0,0 0 0,1 0 0,-1 0 0,1 0 0,0-1 0,-1 1 0,1 0 0,0-1 0,-1 0 0,1 1 0,0-1 0,-1 0 0,1 0 0,0 0 0,0 0 0,-1 0 0,1 0 0,2-1 0,50-15 0,-50 15 0,97-37 0,-32 13 0,-2-2 0,109-61 0,-88 24 0,-69 48 0,0 1 0,1 1 0,1 1 0,0 1 0,44-18 0,-36 19 0,67-20 0,-90 30 0,1-1 0,-1 1 0,1 0 0,0 1 0,0-1 0,-1 1 0,1 1 0,0-1 0,0 1 0,-1 0 0,11 4 0,-13-3 0,-1 0 0,1 1 0,-1-1 0,1 1 0,-1 0 0,0 0 0,0 1 0,0-1 0,-1 0 0,1 1 0,-1 0 0,0-1 0,0 1 0,0 0 0,-1 0 0,1 0 0,-1 0 0,0 1 0,1 6 0,2 12 0,-1 0 0,0 32 0,-3-43 0,0 31 0,-3 0 0,-11 58 0,13-95 0,1-5 0,-2 40 0,10-29 0,-6-12 0,-1 0 0,0 0 0,0 0 0,1 0 0,-1 0 0,0 0 0,0-1 0,0 1 0,1 0 0,-1 0 0,0-1 0,0 1 0,0-1 0,0 1 0,2-2 0,169-102 0,189-149 0,-226 154 0,-104 82 0,-31 17 0,0 0 0,0 0 0,0 0 0,1 0 0,-1 0 0,0 0 0,0 0 0,1 0 0,-1 0 0,0 0 0,0 0 0,0 0 0,1 0 0,-1 0 0,0 1 0,0-1 0,0 0 0,0 0 0,1 0 0,-1 0 0,0 0 0,0 1 0,0-1 0,0 0 0,0 0 0,1 0 0,-1 1 0,0-1 0,0 0 0,0 0 0,0 0 0,0 1 0,0-1 0,0 0 0,0 0 0,0 1 0,0-1 0,0 0 0,0 0 0,0 1 0,0-1 0,0 0 0,0 0 0,0 0 0,0 1 0,0-1 0,0 0 0,-1 0 0,1 0 0,0 1 0,0-1 0,0 0 0,0 0 0,0 0 0,-1 0 0,1 1 0,-31 47 0,-68 71 0,-170 160 0,268-278 0,-8 8 0,0 0 0,-1-1 0,0 0 0,0-1 0,-1 0 0,0-1 0,-22 10 0,32-16 0,0 0 0,1 0 0,-1 1 0,1-1 0,-1 0 0,0 0 0,1 0 0,-1 0 0,0 0 0,1 1 0,-1-1 0,1 0 0,-1-1 0,0 1 0,1 0 0,-1 0 0,0 0 0,1 0 0,-1 0 0,1-1 0,-1 1 0,0 0 0,1-1 0,-1 1 0,1 0 0,-1-1 0,1 1 0,-1 0 0,1-1 0,-1 0 0,3-19 0,22-24 0,23-17 0,2 2 0,3 2 0,3 2 0,1 3 0,94-65 0,-124 102 0,-59 42 0,-18 5 0,-2-2 0,-72 30 0,-123 37 0,147-59 0,-333 131 0,380-151 0,49-19 0,11-5 0,12-10 0,67-32 0,176-74 0,-228 107 0,43-28 0,-50 27 0,1 0 0,39-14 0,26 0 0,156-28 0,11-3 0,254-145 0,-375 144 0,-134 61 0,0-1 0,1 0 0,-1 1 0,0 0 0,0 0 0,0 0 0,1 1 0,-1-1 0,1 1 0,6 0 0,-9 1 0,0-1 0,0 1 0,-1-1 0,1 1 0,0 0 0,-1 0 0,1 0 0,-1 0 0,1 0 0,-1 0 0,1 0 0,-1 0 0,1 0 0,-1 1 0,0-1 0,0 0 0,0 1 0,0-1 0,0 1 0,0 0 0,0-1 0,0 1 0,-1 0 0,1-1 0,-1 1 0,1 0 0,-1 0 0,1 0 0,-1 2 0,0 6 0,1 1 0,-2-1 0,1 0 0,-2 1 0,1-1 0,-1 0 0,-1 0 0,0 0 0,0 0 0,-1 0 0,-9 16 0,-10 15 0,-36 50 0,38-60 0,-225 323 0,239-344 0,-14 24 0,20-33 0,0 0 0,0 1 0,1-1 0,-1 0 0,0 1 0,1-1 0,-1 0 0,1 1 0,0-1 0,0 1 0,-1-1 0,1 1 0,0-1 0,0 0 0,0 1 0,0-1 0,1 4 0,0-5 0,-1 0 0,1 0 0,-1 0 0,1 1 0,-1-1 0,1 0 0,-1 0 0,1 0 0,-1 0 0,1 0 0,0 0 0,-1 0 0,1 0 0,-1 0 0,1 0 0,-1-1 0,1 1 0,-1 0 0,1 0 0,-1 0 0,1-1 0,-1 1 0,1 0 0,-1 0 0,1-1 0,-1 1 0,1-1 0,-1 1 0,0 0 0,1-1 0,128-93 0,-5 3 0,542-290 0,-649 371 0,-27 15 0,-37 20 0,-455 272 0,193-108 0,225-138 0,-99 52 0,235-143 0,-22 15 0,84-58 0,4 6 0,227-112 0,-326 180 0,-1 1 0,1 0 0,0 2 0,21-5 0,-36 10 0,1 0 0,0 1 0,0-1 0,0 1 0,0 0 0,0 0 0,0 1 0,-1 0 0,1 0 0,5 1 0,-8-1 0,0 0 0,1 0 0,-1 0 0,0 1 0,0-1 0,0 1 0,0-1 0,0 1 0,0 0 0,0 0 0,-1 0 0,1 0 0,-1 0 0,1 0 0,-1 0 0,0 0 0,0 1 0,0-1 0,0 0 0,1 4 0,-1 0 0,0-1 0,-1 1 0,1 0 0,-1-1 0,-1 1 0,1-1 0,-1 1 0,0 0 0,0-1 0,0 1 0,-1-1 0,0 0 0,0 1 0,0-1 0,-1 0 0,0 0 0,0-1 0,0 1 0,-5 5 0,-7 8 0,-1 0 0,0-1 0,-24 18 0,37-32 0,-81 60 0,78-59 0,-1 0 0,1 0 0,-1-1 0,0 0 0,0 0 0,-1 0 0,1-1 0,-1 0 0,1-1 0,-1 0 0,-9 1 0,15-3 0,0 1 0,-1 0 0,1 0 0,0-1 0,0 1 0,-1-1 0,1 0 0,0 0 0,0 0 0,0 0 0,0 0 0,0 0 0,0 0 0,0-1 0,0 1 0,1-1 0,-1 0 0,0 1 0,1-1 0,-2-2 0,-20-46 0,22 44 0,-1 0 0,-1 0 0,1 0 0,-1 1 0,0-1 0,0 1 0,-7-9 0,9 13 0,-1-1 0,0 1 0,0 0 0,0 0 0,0 0 0,0 0 0,0 0 0,0 0 0,0 0 0,-1 1 0,1-1 0,0 1 0,0-1 0,-1 1 0,1 0 0,0 0 0,0 0 0,-1 0 0,1 0 0,0 1 0,-1-1 0,1 1 0,0-1 0,0 1 0,0 0 0,-3 1 0,-6 3 0,0 0 0,0 1 0,1 0 0,0 1 0,0 0 0,0 1 0,1 0 0,-9 9 0,-63 78 0,73-85 0,-4 5 0,-43 61 0,51-71 0,1 1 0,0 0 0,0-1 0,1 1 0,0 0 0,0 1 0,0-1 0,1 0 0,0 0 0,0 1 0,0 9 0,1-14 0,0-1 0,0 1 0,0-1 0,0 0 0,1 1 0,-1-1 0,1 1 0,-1-1 0,1 0 0,-1 1 0,1-1 0,0 0 0,-1 0 0,1 1 0,0-1 0,0 0 0,0 0 0,0 0 0,0 0 0,0 0 0,0 0 0,0 0 0,1-1 0,-1 1 0,0 0 0,0-1 0,1 1 0,-1-1 0,0 1 0,1-1 0,-1 1 0,1-1 0,-1 0 0,0 0 0,1 0 0,-1 0 0,1 0 0,-1 0 0,1 0 0,-1 0 0,0-1 0,1 1 0,-1 0 0,1-1 0,1 0 0,6-2 0,0 0 0,-1-1 0,1 0 0,-1 0 0,14-9 0,6-10 0,-16 13 0,0 1 0,0 0 0,1 1 0,0 0 0,16-7 0,-26 14 0,-1 0 0,1 0 0,0 0 0,-1 0 0,1 1 0,-1-1 0,1 1 0,0 0 0,-1 0 0,1 0 0,0 0 0,0 0 0,-1 1 0,1-1 0,-1 1 0,1 0 0,0 0 0,-1 0 0,0 0 0,1 0 0,-1 0 0,1 0 0,-1 1 0,0 0 0,0-1 0,0 1 0,0 0 0,0 0 0,0 0 0,-1 0 0,1 0 0,-1 0 0,1 1 0,-1-1 0,2 4 0,9 22 0,-1 0 0,-1 1 0,-2 0 0,0 1 0,-3 0 0,0 0 0,-2 0 0,-1 0 0,-3 57 0,0-83 0,1 0 0,-1 0 0,1 0 0,-1 0 0,-1 0 0,1-1 0,0 1 0,-1 0 0,0 0 0,0-1 0,0 1 0,0-1 0,-1 0 0,1 0 0,-1 1 0,-5 4 0,7-8 0,-1 1 0,1 0 0,0 0 0,0-1 0,-1 1 0,1-1 0,0 1 0,-1-1 0,1 0 0,-1 1 0,1-1 0,0 0 0,-1 0 0,1 0 0,-1 0 0,1 0 0,-1 0 0,1 0 0,-3-1 0,2-1 0,-1 1 0,1 0 0,-1-1 0,1 1 0,0-1 0,0 0 0,-1 1 0,1-1 0,0 0 0,1 0 0,-1-1 0,0 1 0,-2-4 0,-2-5 0,0 0 0,1 0 0,1 0 0,0-1 0,0 1 0,1-1 0,-3-17 0,-4-93 0,3 22 0,-5 24 0,4 33 0,2-1 0,-1-60 0,7 91 0,1 0 0,0 0 0,1 0 0,0 0 0,1 0 0,1 1 0,0-1 0,0 1 0,1 0 0,1 0 0,0 1 0,11-17 0,43-45 0,2 3 0,4 2 0,141-112 0,-174 157 0,2 2 0,0 1 0,66-26 0,-28 13 0,-47 20 0,-10 5 0,0 0 0,0 0 0,0 1 0,1 2 0,0-1 0,0 2 0,0 0 0,24-2 0,-38 6 0,0 1 0,0-1 0,0 1 0,-1-1 0,1 1 0,0 0 0,0 0 0,0 0 0,-1 0 0,1 1 0,-1-1 0,1 1 0,-1 0 0,1-1 0,-1 1 0,0 0 0,0 0 0,0 1 0,0-1 0,0 0 0,0 1 0,-1-1 0,1 1 0,-1-1 0,0 1 0,0 0 0,1 2 0,2 9 0,0-1 0,-1 1 0,-1 0 0,2 18 0,-3-23 0,4 41 0,-2 0 0,-3 1 0,-1-1 0,-3 0 0,-2 0 0,-2-1 0,-2 1 0,-2-2 0,-3 0 0,-1 0 0,-3-2 0,-1 0 0,-3-1 0,-35 52 0,-12 10 0,39-56 0,-3-1 0,-60 68 0,90-114 0,0 1 0,-1-1 0,1 0 0,-1 0 0,0 0 0,-1-1 0,1 1 0,-1-1 0,1-1 0,-1 1 0,0-1 0,0 0 0,0 0 0,-11 1 0,12-3 0,-1 0 0,1 0 0,-1-1 0,1 0 0,0 0 0,-1 0 0,1-1 0,0 1 0,0-1 0,0-1 0,0 1 0,0-1 0,1 0 0,-1 0 0,1 0 0,-7-7 0,-4-2 0,1-2 0,1 1 0,0-2 0,1 0 0,0 0 0,2-1 0,-10-18 0,16 26 0,1 1 0,0-1 0,0 0 0,0-1 0,1 1 0,1 0 0,-1-1 0,1 1 0,1-1 0,-1 1 0,2-1 0,-1 0 0,1 1 0,0-1 0,1 1 0,0 0 0,6-17 0,9-11 0,1 0 0,2 1 0,41-54 0,87-90 0,-93 116 0,-37 41 0,13-14 0,60-57 0,-81 85 0,-1 0 0,2 0 0,-1 1 0,1 0 0,0 1 0,0 1 0,0 0 0,1 0 0,0 1 0,0 0 0,20-3 0,-27 7 0,0 0 0,1 0 0,-1 0 0,0 1 0,0 0 0,1 0 0,-1 0 0,0 0 0,0 1 0,0 0 0,0 0 0,-1 1 0,1-1 0,-1 1 0,1 0 0,-1 0 0,5 4 0,6 7 0,-1 1 0,0 0 0,12 19 0,-11-14 0,-3-4 0,-2-1 0,1 2 0,-2-1 0,0 1 0,-2 1 0,1 0 0,-2 0 0,5 21 0,-5-7 0,-1 0 0,-2 0 0,-1 59 0,-2-136 0,-1 10 0,1-1 0,2 1 0,12-63 0,-7 72 0,2 0 0,0 1 0,2 0 0,0 0 0,2 1 0,1 1 0,0 0 0,34-38 0,-46 58 0,0 1 0,0-1 0,0 1 0,1 0 0,-1 0 0,0 0 0,1 1 0,0-1 0,-1 0 0,1 1 0,0 0 0,0 0 0,0 0 0,5-2 0,-7 4 0,1-1 0,-1 0 0,1 1 0,-1-1 0,0 1 0,1-1 0,-1 1 0,0-1 0,1 1 0,-1 0 0,0 0 0,0 0 0,0-1 0,0 1 0,0 0 0,0 1 0,0-1 0,0 0 0,0 0 0,0 0 0,-1 0 0,1 1 0,0-1 0,-1 0 0,1 1 0,-1-1 0,1 1 0,-1-1 0,0 0 0,0 1 0,1-1 0,-1 3 0,5 35 0,-1 1 0,-2 0 0,-2 0 0,-9 72 0,7-100 0,-1 1 0,-1 0 0,0-1 0,0 0 0,-1 1 0,-1-2 0,0 1 0,0-1 0,-1 0 0,-1 0 0,0-1 0,0 0 0,-1 0 0,0-1 0,-17 13 0,4-5 0,-1 0 0,-1-2 0,-1-1 0,0-1 0,0-1 0,-33 11 0,-5-4 0,0-4 0,0-1 0,-1-4 0,-90 3 0,-270-15 0,176-4 0,222 6 0,0 0 0,-1-2 0,1 0 0,1-2 0,-1-1 0,1-1 0,-1-1 0,2-2 0,-1 0 0,1-2 0,1 0 0,-34-22 0,-12-9-33,50 33-157,1-1 0,0-1-1,1-1 1,0 0 0,1-2-1,-24-24 1</inkml:trace>
+</inkml:ink>
+</file>
+
+<file path=ppt/ink/ink18.xml><?xml version="1.0" encoding="utf-8"?>
+<inkml:ink xmlns:inkml="http://www.w3.org/2003/InkML">
+  <inkml:definitions>
+    <inkml:context xml:id="ctx0">
+      <inkml:inkSource xml:id="inkSrc0">
+        <inkml:traceFormat>
+          <inkml:channel name="X" type="integer" min="-2.14748E9" max="2.14748E9" units="cm"/>
+          <inkml:channel name="Y" type="integer" min="-2.14748E9" max="2.14748E9" units="cm"/>
+          <inkml:channel name="F" type="integer" max="32767" units="dev"/>
+        </inkml:traceFormat>
+        <inkml:channelProperties>
+          <inkml:channelProperty channel="X" name="resolution" value="1000" units="1/cm"/>
+          <inkml:channelProperty channel="Y" name="resolution" value="1000" units="1/cm"/>
+          <inkml:channelProperty channel="F" name="resolution" value="0" units="1/dev"/>
+        </inkml:channelProperties>
+      </inkml:inkSource>
+      <inkml:timestamp xml:id="ts0" timeString="2023-05-05T17:31:15.863"/>
+    </inkml:context>
+    <inkml:brush xml:id="br0">
+      <inkml:brushProperty name="width" value="0.35" units="cm"/>
+      <inkml:brushProperty name="height" value="0.35" units="cm"/>
+      <inkml:brushProperty name="color" value="#FFFFFF"/>
+    </inkml:brush>
+  </inkml:definitions>
+  <inkml:trace contextRef="#ctx0" brushRef="#br0">0 535 24575,'2'-10'0,"0"0"0,1 1 0,0-1 0,0 1 0,1 0 0,1 0 0,-1 0 0,1 1 0,0 0 0,1 0 0,0 0 0,10-10 0,3-6 0,102-121 0,-61 77 0,-57 64 0,0 0 0,1 0 0,-1 0 0,1 1 0,0-1 0,1 1 0,7-5 0,-11 8 0,-1 0 0,1-1 0,-1 1 0,1 0 0,-1 0 0,1 0 0,-1 0 0,1 0 0,-1 0 0,1 0 0,0 0 0,-1 0 0,1 0 0,-1 0 0,1 0 0,-1 0 0,1 0 0,-1 1 0,1-1 0,-1 0 0,1 0 0,-1 1 0,1-1 0,-1 0 0,1 1 0,-1-1 0,1 1 0,0 0 0,0 1 0,0 0 0,0 0 0,0 0 0,0-1 0,-1 1 0,1 0 0,-1 0 0,1 0 0,-1 0 0,1 4 0,-1 13 0,-1-1 0,0 1 0,-2 0 0,0-1 0,-1 0 0,0 0 0,-8 19 0,4-13 0,1 0 0,-5 44 0,11-67 0,1-1 0,0 1 0,0 0 0,0-1 0,-1 1 0,1 0 0,0 0 0,0-1 0,0 1 0,0 0 0,0-1 0,1 1 0,-1 0 0,0 0 0,0-1 0,0 1 0,1 0 0,-1-1 0,0 1 0,1-1 0,-1 1 0,0 0 0,1-1 0,-1 1 0,1-1 0,-1 1 0,1-1 0,-1 1 0,1-1 0,-1 1 0,1-1 0,-1 0 0,1 1 0,0-1 0,-1 0 0,1 1 0,0-1 0,-1 0 0,1 0 0,0 0 0,-1 0 0,1 0 0,0 0 0,0 0 0,-1 0 0,1 0 0,0 0 0,-1 0 0,1 0 0,0 0 0,-1 0 0,1-1 0,0 1 0,-1 0 0,1 0 0,1-1 0,46-26 0,-35 20 0,97-60 0,125-70 0,-226 132 0,-1 0 0,1 1 0,0 0 0,1 1 0,-1 0 0,19-3 0,-26 6 0,0 0 0,0 0 0,0 0 0,0 0 0,0 0 0,0 0 0,0 1 0,0-1 0,0 1 0,0 0 0,-1-1 0,1 1 0,0 0 0,0 0 0,0 0 0,-1 0 0,1 1 0,-1-1 0,1 0 0,-1 1 0,1-1 0,-1 1 0,0-1 0,0 1 0,1 0 0,-1-1 0,0 1 0,-1 0 0,1 0 0,0 0 0,0 0 0,-1-1 0,1 1 0,-1 0 0,0 0 0,0 0 0,1 3 0,0 6 0,-1 0 0,1 0 0,-2 1 0,1-1 0,-2 0 0,1 0 0,-2 0 0,1-1 0,-1 1 0,-7 14 0,-5 8 0,-36 56 0,29-51 0,17-26 0,7-9 0,18-16 0,-2-5 0,-1 0 0,15-22 0,30-33 0,146-102 0,-168 144 0,-35 26 0,1 1 0,-1-1 0,1 1 0,0 0 0,0 0 0,0 0 0,0 1 0,1 0 0,-1 0 0,9-1 0,-15 3 0,1 1 0,-1 0 0,1 0 0,0 0 0,-1 0 0,1 0 0,0 0 0,-1 0 0,1 0 0,-1 0 0,1 0 0,0 0 0,-1 0 0,1 1 0,-1-1 0,1 0 0,0 0 0,-1 1 0,1-1 0,-1 0 0,1 1 0,-1-1 0,1 1 0,-1-1 0,1 0 0,-1 1 0,0-1 0,1 1 0,-1-1 0,1 2 0,0 21 0,-20 32 0,15-46 0,-122 277 0,126-285 0,-1 0 0,0 0 0,1 1 0,-1-1 0,0 0 0,1 1 0,0-1 0,-1 0 0,1 1 0,0-1 0,0 0 0,0 1 0,0-1 0,0 1 0,0-1 0,0 0 0,0 1 0,0-1 0,1 3 0,1-4 0,-1 0 0,0 1 0,0-1 0,0 0 0,1 0 0,-1 0 0,0 0 0,0 0 0,0 0 0,1 0 0,-1 0 0,0-1 0,0 1 0,0 0 0,1-1 0,-1 1 0,0-1 0,0 1 0,0-1 0,0 0 0,0 1 0,0-1 0,1-1 0,24-16 0,-1-1 0,0-1 0,-2-2 0,40-45 0,-38 38 0,2 2 0,0 1 0,37-27 0,-58 49 0,1 0 0,-1 0 0,1 0 0,0 1 0,13-4 0,-19 6 0,1 1 0,-1 0 0,1-1 0,0 1 0,0 0 0,-1 0 0,1 0 0,0 0 0,-1 0 0,1 0 0,0 0 0,-1 1 0,1-1 0,0 1 0,-1-1 0,1 1 0,-1 0 0,1-1 0,-1 1 0,1 0 0,-1 0 0,1 0 0,-1 0 0,0 0 0,0 1 0,1-1 0,-1 0 0,0 1 0,0-1 0,1 2 0,8 20 0,-10-20 0,1-1 0,-1 1 0,1-1 0,0 1 0,0-1 0,0 1 0,0-1 0,0 1 0,1-1 0,-1 0 0,1 0 0,0 0 0,-1 0 0,1 0 0,0 0 0,0 0 0,0-1 0,1 1 0,-1 0 0,0-1 0,0 0 0,1 0 0,-1 0 0,1 0 0,-1 0 0,1 0 0,5 0 0,-1-1 0,-1-1 0,1 0 0,0-1 0,0 1 0,0-2 0,-1 1 0,1-1 0,-1 1 0,0-2 0,6-3 0,64-47 0,-42 28 0,13-9 0,-21 14 0,1 2 0,1 1 0,0 1 0,35-15 0,-58 30 0,-1 1 0,1-1 0,0 1 0,0 0 0,-1 1 0,1-1 0,0 1 0,0 0 0,6 0 0,-10 1 0,0-1 0,0 0 0,0 0 0,0 0 0,0 1 0,0-1 0,0 0 0,0 1 0,0-1 0,0 1 0,0 0 0,0-1 0,0 1 0,0 0 0,0-1 0,0 1 0,-1 0 0,1 0 0,0 0 0,-1-1 0,1 1 0,0 0 0,-1 0 0,1 0 0,-1 0 0,0 0 0,1 0 0,-1 1 0,0-1 0,1 0 0,-1 0 0,0 0 0,0 0 0,0 0 0,0 0 0,0 0 0,0 0 0,-1 1 0,1-1 0,0 0 0,0 0 0,-1 0 0,1 0 0,-1 1 0,-6 13 0,0-1 0,0 1 0,-2-2 0,1 1 0,-20 21 0,19-23 0,-214 237 0,154-177 0,41-45 0,-1-2 0,-1-1 0,-2-1 0,-58 32 0,70-44 0,16-8 0,0 0 0,0 0 0,0 0 0,0 0 0,0 1 0,1-1 0,-6 8 0,9-11 0,0 0 0,0 0 0,0 0 0,-1 1 0,1-1 0,0 0 0,0 0 0,0 0 0,0 1 0,0-1 0,0 0 0,-1 0 0,1 1 0,0-1 0,0 0 0,0 0 0,0 1 0,0-1 0,0 0 0,0 0 0,0 1 0,0-1 0,0 0 0,0 0 0,0 1 0,0-1 0,1 0 0,-1 0 0,0 1 0,0-1 0,0 0 0,0 0 0,0 1 0,0-1 0,1 0 0,-1 0 0,0 0 0,0 0 0,0 1 0,0-1 0,1 0 0,-1 0 0,0 0 0,0 0 0,1 0 0,-1 1 0,0-1 0,30-5 0,51-26 0,-1-4 0,125-75 0,-151 79 0,-27 16 0,74-40 0,-3-5 0,97-77 0,-153 103 0,60-37 0,-101 70 0,0 0 0,0 0 0,1 0 0,-1 0 0,0 0 0,0 0 0,1 1 0,-1-1 0,0 1 0,1-1 0,-1 1 0,1-1 0,-1 1 0,1 0 0,-1 0 0,0-1 0,1 1 0,-1 0 0,1 1 0,-1-1 0,1 0 0,-1 0 0,1 0 0,-1 1 0,1-1 0,-1 1 0,0-1 0,1 1 0,-1 0 0,0 0 0,0-1 0,1 1 0,-1 0 0,0 0 0,0 0 0,0 0 0,0 0 0,0 0 0,0 1 0,0-1 0,-1 0 0,1 0 0,0 1 0,0 2 0,1 2 0,0 0 0,-1 0 0,0 0 0,-1 0 0,1 0 0,-1 1 0,0-1 0,-1 0 0,1 0 0,-1 0 0,-2 8 0,-6 15 0,-1 0 0,0-1 0,-3 0 0,-18 32 0,-74 103 0,49-79 0,-10 19 0,-139 197 0,196-289 0,-32 36 0,39-45 0,1-1 0,-1 1 0,1-1 0,-1 1 0,0-1 0,1 0 0,-1 0 0,0 0 0,0 0 0,0 0 0,0 0 0,0-1 0,0 1 0,0-1 0,0 1 0,0-1 0,0 0 0,0 1 0,0-1 0,0 0 0,0-1 0,-4 1 0,5-1 0,0 1 0,0-1 0,0 0 0,1 1 0,-1-1 0,0 0 0,0 1 0,0-1 0,1 0 0,-1 0 0,0 0 0,1 0 0,-1 0 0,1 0 0,-1 0 0,1 0 0,-1 0 0,1 0 0,0 0 0,-1 0 0,1 0 0,0 0 0,0-1 0,0 1 0,0 0 0,0 0 0,0 0 0,0 0 0,0 0 0,0 0 0,1-2 0,13-38 0,3 8 0,1 2 0,2 0 0,0 1 0,41-44 0,112-97 0,-66 69 0,218-245 0,-322 345 0,7-10 0,0 1 0,1 1 0,1 0 0,0 0 0,0 1 0,19-9 0,-30 17 0,0 1 0,0-1 0,1 1 0,-1-1 0,0 1 0,1 0 0,-1 0 0,0 0 0,1-1 0,-1 1 0,0 0 0,1 1 0,-1-1 0,0 0 0,1 0 0,-1 1 0,0-1 0,0 0 0,1 1 0,-1 0 0,0-1 0,0 1 0,0 0 0,0-1 0,0 1 0,1 0 0,-1 0 0,-1 0 0,1 0 0,0 0 0,0 0 0,0 0 0,0 0 0,-1 0 0,1 0 0,-1 1 0,1-1 0,-1 0 0,1 0 0,-1 1 0,0-1 0,1 2 0,2 8 0,-1 1 0,0-1 0,1 22 0,-2-25 0,0 39 0,-2 0 0,-2-1 0,-2 1 0,-21 89 0,25-133 0,0 0 0,1-1 0,-1 1 0,1 0 0,-1 0 0,1 0 0,0-1 0,0 1 0,0 0 0,0 0 0,1 3 0,0-6 0,-1 0 0,0 0 0,1 1 0,-1-1 0,0 0 0,1 0 0,-1 0 0,1 1 0,-1-1 0,0 0 0,1 0 0,-1 0 0,1 0 0,-1 0 0,1 0 0,-1 0 0,0 0 0,1 0 0,-1 0 0,1 0 0,-1 0 0,1-1 0,-1 1 0,0 0 0,1 0 0,-1 0 0,1 0 0,-1-1 0,0 1 0,1 0 0,-1 0 0,0-1 0,1 1 0,-1 0 0,0-1 0,0 1 0,1 0 0,-1-1 0,0 0 0,51-59 0,-44 51 0,31-40 0,335-413 0,-364 451 0,-6 7 0,1 0 0,-1-1 0,1 1 0,-1 0 0,1 1 0,0-1 0,1 1 0,-1 0 0,1 0 0,-1 0 0,1 0 0,0 1 0,0 0 0,10-3 0,-14 5 0,0 0 0,0 1 0,0-1 0,1 1 0,-1-1 0,0 1 0,0-1 0,0 1 0,0 0 0,0-1 0,0 1 0,0 0 0,0 0 0,0 0 0,-1 0 0,1 0 0,0 0 0,0 0 0,-1 0 0,1 0 0,-1 0 0,1 0 0,-1 0 0,1 0 0,-1 0 0,0 1 0,1-1 0,-1 0 0,0 0 0,0 1 0,0-1 0,0 0 0,0 0 0,0 1 0,0-1 0,-1 2 0,-6 47 0,-44 129 0,59-200 0,1 0 0,1 0 0,1 1 0,1 0 0,17-23 0,2-4 0,-25 38 0,-3 2 0,1-1 0,1 1 0,-1 1 0,1-1 0,0 1 0,1-1 0,0 2 0,0-1 0,11-9 0,-16 15 0,0 0 0,0 0 0,-1 0 0,1 0 0,0-1 0,0 1 0,0 0 0,-1 0 0,1 0 0,0 0 0,0 1 0,0-1 0,-1 0 0,1 0 0,0 0 0,0 1 0,-1-1 0,1 0 0,0 1 0,-1-1 0,1 1 0,0-1 0,-1 1 0,1-1 0,0 1 0,-1-1 0,1 1 0,-1-1 0,1 1 0,-1 0 0,0-1 0,1 1 0,-1 0 0,0-1 0,1 1 0,-1 0 0,0 0 0,1 1 0,5 34 0,-6-11 0,-1 1 0,-1 0 0,-1-1 0,-1 1 0,-9 26 0,-45 127 0,32-108 0,-21 78 0,24-68 0,-40 89 0,80-201 0,33-42 0,9-13 0,172-253 0,-223 328 0,1-2 0,39-48 0,-45 58 0,-1 1 0,0 0 0,1-1 0,0 1 0,-1 0 0,1 0 0,0 0 0,0 1 0,0-1 0,0 1 0,0 0 0,0-1 0,0 1 0,1 1 0,-1-1 0,0 0 0,1 1 0,4-1 0,-6 2 0,0 0 0,0-1 0,0 1 0,0 0 0,0 0 0,-1 0 0,1 0 0,0 0 0,0 0 0,-1 1 0,1-1 0,-1 1 0,1-1 0,-1 1 0,0-1 0,1 1 0,-1 0 0,0 0 0,0 0 0,0-1 0,0 1 0,-1 0 0,1 0 0,0 0 0,-1 0 0,0 1 0,1-1 0,-1 3 0,2 61 0,-2-64 0,-4 40 0,-2 0 0,-2-1 0,-2 0 0,-1-1 0,-22 51 0,24-79 0,6-22 0,6-27 0,-1 25 0,1 0 0,1 0 0,0 0 0,0 1 0,1-1 0,1 1 0,0 1 0,0-1 0,1 1 0,1 0 0,-1 0 0,2 1 0,9-9 0,-18 17 0,1 1 0,-1-1 0,1 0 0,-1 1 0,1-1 0,0 1 0,-1-1 0,1 1 0,0-1 0,0 1 0,-1-1 0,1 1 0,0 0 0,0-1 0,0 1 0,-1 0 0,1 0 0,0 0 0,0-1 0,0 1 0,0 0 0,-1 0 0,1 0 0,0 0 0,0 0 0,0 1 0,0-1 0,0 0 0,-1 0 0,1 1 0,0-1 0,0 0 0,-1 1 0,1-1 0,0 1 0,0-1 0,-1 1 0,1-1 0,0 1 0,-1-1 0,1 1 0,-1 0 0,1-1 0,-1 1 0,1 0 0,-1-1 0,1 1 0,-1 0 0,0 0 0,1-1 0,-1 1 0,0 0 0,1 1 0,0 3 0,0 0 0,0-1 0,-1 1 0,1 0 0,-1 0 0,0 0 0,-1-1 0,0 8 0,-14 25 0,15-36 0,0-1 0,-1 0 0,1 0 0,0 1 0,0-1 0,0 0 0,-1 0 0,1 1 0,0-1 0,0 0 0,-1 0 0,1 0 0,0 1 0,0-1 0,-1 0 0,1 0 0,0 0 0,-1 0 0,1 0 0,0 0 0,-1 1 0,1-1 0,0 0 0,0 0 0,-1 0 0,1 0 0,0 0 0,-1 0 0,1 0 0,0 0 0,-1-1 0,1 1 0,0 0 0,-1 0 0,1 0 0,-9-22 0,6 5 0,1 0 0,1-1 0,0 1 0,2-1 0,4-29 0,22-87 0,-20 105 0,-2 64 110,-3 30-1585</inkml:trace>
+</inkml:ink>
+</file>
+
+<file path=ppt/ink/ink19.xml><?xml version="1.0" encoding="utf-8"?>
+<inkml:ink xmlns:inkml="http://www.w3.org/2003/InkML">
+  <inkml:definitions>
+    <inkml:context xml:id="ctx0">
+      <inkml:inkSource xml:id="inkSrc0">
+        <inkml:traceFormat>
+          <inkml:channel name="X" type="integer" min="-2.14748E9" max="2.14748E9" units="cm"/>
+          <inkml:channel name="Y" type="integer" min="-2.14748E9" max="2.14748E9" units="cm"/>
+        </inkml:traceFormat>
+        <inkml:channelProperties>
+          <inkml:channelProperty channel="X" name="resolution" value="1000" units="1/cm"/>
+          <inkml:channelProperty channel="Y" name="resolution" value="1000" units="1/cm"/>
+        </inkml:channelProperties>
+      </inkml:inkSource>
+      <inkml:timestamp xml:id="ts0" timeString="2023-05-05T17:33:04.057"/>
+    </inkml:context>
+    <inkml:brush xml:id="br0">
+      <inkml:brushProperty name="width" value="0.3" units="cm"/>
+      <inkml:brushProperty name="height" value="0.6" units="cm"/>
+      <inkml:brushProperty name="color" value="#C0E494"/>
+      <inkml:brushProperty name="tip" value="rectangle"/>
+      <inkml:brushProperty name="rasterOp" value="maskPen"/>
+      <inkml:brushProperty name="ignorePressure" value="1"/>
+    </inkml:brush>
+  </inkml:definitions>
+  <inkml:trace contextRef="#ctx0" brushRef="#br0">0 1,'1726'0,"-1682"0</inkml:trace>
+</inkml:ink>
+</file>
+
+<file path=ppt/ink/ink2.xml><?xml version="1.0" encoding="utf-8"?>
+<inkml:ink xmlns:inkml="http://www.w3.org/2003/InkML">
+  <inkml:definitions>
+    <inkml:context xml:id="ctx0">
+      <inkml:inkSource xml:id="inkSrc0">
+        <inkml:traceFormat>
+          <inkml:channel name="X" type="integer" min="-2.14748E9" max="2.14748E9" units="cm"/>
+          <inkml:channel name="Y" type="integer" min="-2.14748E9" max="2.14748E9" units="cm"/>
+          <inkml:channel name="F" type="integer" max="32767" units="dev"/>
+        </inkml:traceFormat>
+        <inkml:channelProperties>
+          <inkml:channelProperty channel="X" name="resolution" value="1000" units="1/cm"/>
+          <inkml:channelProperty channel="Y" name="resolution" value="1000" units="1/cm"/>
+          <inkml:channelProperty channel="F" name="resolution" value="0" units="1/dev"/>
+        </inkml:channelProperties>
+      </inkml:inkSource>
+      <inkml:timestamp xml:id="ts0" timeString="2023-05-05T17:29:24.914"/>
+    </inkml:context>
+    <inkml:brush xml:id="br0">
+      <inkml:brushProperty name="width" value="0.35" units="cm"/>
+      <inkml:brushProperty name="height" value="0.35" units="cm"/>
+      <inkml:brushProperty name="color" value="#FFFFFF"/>
+    </inkml:brush>
+  </inkml:definitions>
+  <inkml:trace contextRef="#ctx0" brushRef="#br0">1 1 24575</inkml:trace>
+</inkml:ink>
+</file>
+
+<file path=ppt/ink/ink20.xml><?xml version="1.0" encoding="utf-8"?>
+<inkml:ink xmlns:inkml="http://www.w3.org/2003/InkML">
+  <inkml:definitions>
+    <inkml:context xml:id="ctx0">
+      <inkml:inkSource xml:id="inkSrc0">
+        <inkml:traceFormat>
+          <inkml:channel name="X" type="integer" min="-2.14748E9" max="2.14748E9" units="cm"/>
+          <inkml:channel name="Y" type="integer" min="-2.14748E9" max="2.14748E9" units="cm"/>
+          <inkml:channel name="F" type="integer" max="32767" units="dev"/>
+        </inkml:traceFormat>
+        <inkml:channelProperties>
+          <inkml:channelProperty channel="X" name="resolution" value="1000" units="1/cm"/>
+          <inkml:channelProperty channel="Y" name="resolution" value="1000" units="1/cm"/>
+          <inkml:channelProperty channel="F" name="resolution" value="0" units="1/dev"/>
+        </inkml:channelProperties>
+      </inkml:inkSource>
+      <inkml:timestamp xml:id="ts0" timeString="2023-05-05T17:31:23.599"/>
+    </inkml:context>
+    <inkml:brush xml:id="br0">
+      <inkml:brushProperty name="width" value="0.35" units="cm"/>
+      <inkml:brushProperty name="height" value="0.35" units="cm"/>
+      <inkml:brushProperty name="color" value="#FFFFFF"/>
+    </inkml:brush>
+  </inkml:definitions>
+  <inkml:trace contextRef="#ctx0" brushRef="#br0">1 86 24575,'0'2'0,"0"0"0,1-1 0,-1 1 0,1 0 0,-1 0 0,1 0 0,0-1 0,-1 1 0,1 0 0,0-1 0,0 1 0,0-1 0,1 1 0,-1-1 0,0 1 0,1-1 0,-1 0 0,0 0 0,1 0 0,-1 0 0,1 0 0,0 0 0,-1 0 0,4 1 0,49 14 0,-47-14 0,65 12 0,2-4 0,74 2 0,155-8 0,-247-4 0,384-4 0,-391 1 0,-1-3 0,78-17 0,-80 13 0,39-11 0,-57 13 0,0 1 0,1 1 0,31-1 0,-10 3 0,97-20 0,-108 17 0,1 2 0,60 1 0,-63 3 0,0-1 0,-1-1 0,47-11 0,-62 8 0,1 1 0,0 1 0,1 0 0,-1 2 0,42 1 0,-59 1 0,0 1 0,0-1 0,0 1 0,-1 0 0,1 1 0,0-1 0,-1 1 0,1 0 0,-1 0 0,1 0 0,-1 0 0,0 1 0,0 0 0,0 0 0,0 0 0,0 0 0,-1 1 0,0 0 0,1-1 0,-1 1 0,0 0 0,-1 0 0,1 1 0,-1-1 0,0 1 0,0-1 0,0 1 0,-1-1 0,0 1 0,0 0 0,0 0 0,0 7 0,0-6 0,-2 0 0,1 0 0,-1-1 0,1 1 0,-2 0 0,1 0 0,-1-1 0,0 1 0,0-1 0,0 1 0,-1-1 0,0 0 0,0 0 0,0 0 0,0 0 0,-1-1 0,0 1 0,0-1 0,0 0 0,-1 0 0,1-1 0,-1 1 0,0-1 0,-6 4 0,-16 8 0,0-1 0,-1-1 0,-38 12 0,60-22 0,-284 85 0,249-81 0,0-2 0,-1-1 0,1-3 0,-43-3 0,-14 0 0,365-18 0,-82 4 0,-133 13 0,-1-3 0,-1-1 0,1-3 0,-1-2 0,63-24 0,-99 32 0,1-1 0,-1 2 0,1 0 0,17-1 0,-19 2 0,1 0 0,0 0 0,-1-1 0,20-8 0,-27 8 0,0-1 0,-1 0 0,0 0 0,0-1 0,0 1 0,0-1 0,-1 0 0,0 0 0,0-1 0,0 1 0,-1-1 0,1 0 0,3-9 0,24-34 0,-31 48 0,1 0 0,-1 1 0,1-1 0,-1 0 0,1 1 0,-1-1 0,1 0 0,-1 1 0,1-1 0,0 1 0,0-1 0,-1 1 0,1-1 0,0 1 0,0-1 0,-1 1 0,1 0 0,0 0 0,0-1 0,0 1 0,0 0 0,-1 0 0,1 0 0,0 0 0,0 0 0,0 0 0,0 0 0,0 0 0,-1 0 0,1 0 0,0 1 0,0-1 0,0 0 0,1 1 0,17 26 0,-18-25 0,1 1 0,-1 0 0,1 0 0,0-1 0,0 1 0,0-1 0,0 0 0,0 1 0,3 1 0,-4-4 0,0 0 0,1-1 0,-1 1 0,0-1 0,0 1 0,1-1 0,-1 1 0,0-1 0,0 1 0,0-1 0,0 0 0,0 0 0,0 0 0,0 0 0,0 0 0,0 1 0,0-2 0,0 1 0,0 0 0,-1 0 0,1 0 0,-1 0 0,1 0 0,0-3 0,19-18 0,-11 23 0,0 17 0,-8-11-124,0 0 0,-1 1 0,0-1 0,0 1 0,0-1 0,-1 0-1,0 0 1,0 1 0,-1-1 0,-3 9 0</inkml:trace>
+</inkml:ink>
+</file>
+
+<file path=ppt/ink/ink21.xml><?xml version="1.0" encoding="utf-8"?>
+<inkml:ink xmlns:inkml="http://www.w3.org/2003/InkML">
+  <inkml:definitions>
+    <inkml:context xml:id="ctx0">
+      <inkml:inkSource xml:id="inkSrc0">
+        <inkml:traceFormat>
+          <inkml:channel name="X" type="integer" min="-2.14748E9" max="2.14748E9" units="cm"/>
+          <inkml:channel name="Y" type="integer" min="-2.14748E9" max="2.14748E9" units="cm"/>
+          <inkml:channel name="F" type="integer" max="32767" units="dev"/>
+        </inkml:traceFormat>
+        <inkml:channelProperties>
+          <inkml:channelProperty channel="X" name="resolution" value="1000" units="1/cm"/>
+          <inkml:channelProperty channel="Y" name="resolution" value="1000" units="1/cm"/>
+          <inkml:channelProperty channel="F" name="resolution" value="0" units="1/dev"/>
+        </inkml:channelProperties>
+      </inkml:inkSource>
+      <inkml:timestamp xml:id="ts0" timeString="2023-05-05T17:31:30.513"/>
+    </inkml:context>
+    <inkml:brush xml:id="br0">
+      <inkml:brushProperty name="width" value="0.35" units="cm"/>
+      <inkml:brushProperty name="height" value="0.35" units="cm"/>
+      <inkml:brushProperty name="color" value="#FFFFFF"/>
+    </inkml:brush>
+  </inkml:definitions>
+  <inkml:trace contextRef="#ctx0" brushRef="#br0">0 277 24575,'5'-1'0,"0"0"0,0-1 0,0 0 0,-1 0 0,1 0 0,0 0 0,6-5 0,5-2 0,-8 5 0,0 0 0,0 1 0,-1-1 0,1 0 0,-1-1 0,0 0 0,9-8 0,-12 5 0,-9 9 0,2 2 0,13-2 0,17-5 0,0-2 0,0-1 0,0-1 0,-1-1 0,29-14 0,28-10 0,-42 18 0,1 2 0,0 2 0,1 2 0,1 1 0,45-1 0,-85 9 0,70-3 0,94 8 0,-164-5 0,0 1 0,-1-1 0,1 1 0,0 0 0,-1 0 0,1 0 0,0 1 0,-1-1 0,0 1 0,1 0 0,-1 0 0,0 0 0,0 0 0,0 0 0,3 4 0,-5-4 0,0-1 0,0 1 0,-1-1 0,1 1 0,0 0 0,-1-1 0,1 1 0,-1 0 0,0-1 0,0 1 0,1 0 0,-1 0 0,0-1 0,-1 1 0,1 0 0,0 0 0,0-1 0,-1 1 0,1 0 0,-1 0 0,1-1 0,-1 1 0,0-1 0,0 1 0,0-1 0,0 1 0,0-1 0,0 1 0,0-1 0,0 0 0,0 1 0,-1-1 0,1 0 0,-3 1 0,-9 9 0,0-2 0,-1 1 0,0-2 0,-1 0 0,0-1 0,0 0 0,-1-1 0,1-1 0,-1-1 0,-20 4 0,14-3 0,1 0 0,0 2 0,0 1 0,-32 16 0,52-24 0,1 0 0,0 0 0,0 0 0,0 0 0,0 0 0,0 0 0,0 0 0,-1 0 0,1 0 0,0 1 0,0-1 0,0 0 0,0 0 0,0 0 0,-1 0 0,1 0 0,0 0 0,0 0 0,0 0 0,0 0 0,0 0 0,0 0 0,0 0 0,0 1 0,-1-1 0,1 0 0,0 0 0,0 0 0,0 0 0,0 0 0,0 0 0,0 1 0,0-1 0,0 0 0,0 0 0,0 0 0,0 0 0,0 0 0,0 0 0,0 1 0,0-1 0,0 0 0,0 0 0,0 0 0,0 0 0,0 0 0,0 1 0,0-1 0,0 0 0,0 0 0,0 0 0,0 0 0,0 0 0,0 0 0,0 1 0,1-1 0,-1 0 0,0 0 0,0 0 0,0 0 0,0 0 0,0 0 0,1 0 0,13 2 0,22-4 0,361-45 0,-87 12 0,-254 25 0,-1-3 0,88-32 0,-83 24 0,92-19 0,-62 18 0,-67 15 0,0 0 0,1 2 0,0 1 0,27-1 0,-51 4 0,1 1 0,0 0 0,0 0 0,0 0 0,0 0 0,0 0 0,-1 1 0,1-1 0,0 0 0,0 0 0,0 0 0,0 1 0,-1-1 0,1 0 0,0 1 0,0-1 0,-1 1 0,1-1 0,0 1 0,1 1 0,-5 11 0,-28 18 0,-3-8 0,0-2 0,-2-2 0,0-1 0,-65 23 0,-165 37 0,154-48 0,59-13 0,39-11 0,0-1 0,-1 0 0,1-2 0,-1 1 0,0-2 0,-20 2 0,35-4 0,0 0 0,-1 0 0,1 0 0,0 0 0,0 0 0,0 0 0,-1 0 0,1 0 0,0 0 0,0 0 0,0 0 0,-1 0 0,1 0 0,0 0 0,0 0 0,0 0 0,-1 0 0,1 0 0,0 0 0,0 0 0,0 0 0,-1 0 0,1-1 0,0 1 0,0 0 0,0 0 0,-1 0 0,1 0 0,0 0 0,0-1 0,0 1 0,0 0 0,0 0 0,-1 0 0,1 0 0,0-1 0,0 1 0,0 0 0,0 0 0,0 0 0,0-1 0,0 1 0,0 0 0,0 0 0,0-1 0,0 1 0,0 0 0,9-10 0,18-7 0,339-131 0,-196 85 0,49-11 0,-187 68 0,-1 0 0,1 3 0,0 0 0,0 3 0,56 4 0,-84-3 0,0-1 0,0 0 0,0 1 0,0 0 0,-1 0 0,1 0 0,0 1 0,-1-1 0,1 1 0,-1 0 0,1 0 0,-1 0 0,0 0 0,0 1 0,0-1 0,0 1 0,0 0 0,0 0 0,-1 0 0,1 0 0,1 4 0,-2-3 0,-1 0 0,0 0 0,1 0 0,-1 0 0,-1 0 0,1 0 0,-1 0 0,1 1 0,-1-1 0,-1 0 0,1 0 0,0 1 0,-1-1 0,0 0 0,0 0 0,0 0 0,-1 0 0,1 0 0,-4 5 0,-4 8 0,-2 1 0,0-2 0,-1 0 0,-1 0 0,0-1 0,-1-1 0,-16 13 0,-7 3 0,-73 47 0,90-64 0,30-18 0,36-22 0,62-38 0,194-109 0,-297 172 0,0 0 0,-1 0 0,1 0 0,0 0 0,0 1 0,0-1 0,0 1 0,0 1 0,0-1 0,10 1 0,-13 0 0,0 1 0,0-1 0,0 1 0,0 0 0,0 0 0,0 0 0,0 0 0,0 0 0,0 0 0,0 0 0,-1 1 0,1-1 0,-1 1 0,1-1 0,-1 1 0,1 0 0,-1-1 0,0 1 0,0 0 0,0 0 0,0 0 0,0 0 0,0 0 0,0 0 0,-1 0 0,1 0 0,0 4 0,4 29 0,-1 0 0,-2 0 0,-1 0 0,-7 61 0,14-118 0,0 0 0,1 1 0,1 0 0,0 1 0,16-21 0,-25 40 2,0 0 0,-1 0 0,1 0 0,0 1 1,-1-1-1,1 0 0,0 1 0,0-1 0,-1 0 0,1 1 0,0-1 0,0 1 0,0-1 0,0 1 0,0 0 0,0-1 0,0 1 0,0 0 0,0 0 0,0 0 1,0 0-1,0 0 0,0 0 0,0 0 0,0 0 0,0 0 0,0 0 0,0 0 0,0 0 0,0 1 0,0-1 0,0 1 0,0-1 0,0 0 0,-1 1 0,1-1 0,0 1 1,0 0-1,0-1 0,-1 1 0,1 0 0,0-1 0,0 1 0,-1 0 0,1 0 0,-1 0 0,1 0 0,-1 0 0,1-1 0,-1 1 0,0 0 0,1 2 0,2 5-296,0 0-1,0 0 0,-1 0 0,3 15 0</inkml:trace>
+</inkml:ink>
+</file>
+
+<file path=ppt/ink/ink22.xml><?xml version="1.0" encoding="utf-8"?>
+<inkml:ink xmlns:inkml="http://www.w3.org/2003/InkML">
+  <inkml:definitions>
+    <inkml:context xml:id="ctx0">
+      <inkml:inkSource xml:id="inkSrc0">
+        <inkml:traceFormat>
+          <inkml:channel name="X" type="integer" min="-2.14748E9" max="2.14748E9" units="cm"/>
+          <inkml:channel name="Y" type="integer" min="-2.14748E9" max="2.14748E9" units="cm"/>
+          <inkml:channel name="F" type="integer" max="32767" units="dev"/>
+        </inkml:traceFormat>
+        <inkml:channelProperties>
+          <inkml:channelProperty channel="X" name="resolution" value="1000" units="1/cm"/>
+          <inkml:channelProperty channel="Y" name="resolution" value="1000" units="1/cm"/>
+          <inkml:channelProperty channel="F" name="resolution" value="0" units="1/dev"/>
+        </inkml:channelProperties>
+      </inkml:inkSource>
+      <inkml:timestamp xml:id="ts0" timeString="2023-05-05T17:31:39.006"/>
+    </inkml:context>
+    <inkml:brush xml:id="br0">
+      <inkml:brushProperty name="width" value="0.35" units="cm"/>
+      <inkml:brushProperty name="height" value="0.35" units="cm"/>
+      <inkml:brushProperty name="color" value="#FFFFFF"/>
+    </inkml:brush>
+  </inkml:definitions>
+  <inkml:trace contextRef="#ctx0" brushRef="#br0">1 89 24575,'45'1'0,"-29"0"0,0 0 0,1-1 0,-1-1 0,1 0 0,-1-2 0,0 0 0,27-8 0,-28 4 0,1 1 0,-1 0 0,1 2 0,0 0 0,0 0 0,0 2 0,0 0 0,1 0 0,-1 2 0,21 1 0,139 22 0,112 7 0,429-28 0,-335-5 0,-325 0 0,95-17 0,-90 10 0,69-3 0,-95 11 0,1-3 0,37-9 0,-44 7 0,1 1 0,-1 2 0,47-1 0,-69 7 8,1-1-1,-1 1 0,1 1 1,-1 0-1,0 0 1,0 1-1,0-1 1,0 2-1,-1-1 0,13 11 1,-9-7-32,1-1 1,1 1 0,13 5-1,-22-12-66,0 1 0,1-1 0,-1 0-1,0 0 1,1 0 0,-1-1 0,1 0 0,-1 0-1,0 0 1,1 0 0,-1 0 0,1-1-1,-1 0 1,5-1 0</inkml:trace>
+</inkml:ink>
+</file>
+
+<file path=ppt/ink/ink23.xml><?xml version="1.0" encoding="utf-8"?>
+<inkml:ink xmlns:inkml="http://www.w3.org/2003/InkML">
+  <inkml:definitions>
+    <inkml:context xml:id="ctx0">
+      <inkml:inkSource xml:id="inkSrc0">
+        <inkml:traceFormat>
+          <inkml:channel name="X" type="integer" min="-2.14748E9" max="2.14748E9" units="cm"/>
+          <inkml:channel name="Y" type="integer" min="-2.14748E9" max="2.14748E9" units="cm"/>
+          <inkml:channel name="F" type="integer" max="32767" units="dev"/>
+        </inkml:traceFormat>
+        <inkml:channelProperties>
+          <inkml:channelProperty channel="X" name="resolution" value="1000" units="1/cm"/>
+          <inkml:channelProperty channel="Y" name="resolution" value="1000" units="1/cm"/>
+          <inkml:channelProperty channel="F" name="resolution" value="0" units="1/dev"/>
+        </inkml:channelProperties>
+      </inkml:inkSource>
+      <inkml:timestamp xml:id="ts0" timeString="2023-05-05T17:31:45.996"/>
+    </inkml:context>
+    <inkml:brush xml:id="br0">
+      <inkml:brushProperty name="width" value="0.35" units="cm"/>
+      <inkml:brushProperty name="height" value="0.35" units="cm"/>
+      <inkml:brushProperty name="color" value="#FFFFFF"/>
+    </inkml:brush>
+  </inkml:definitions>
+  <inkml:trace contextRef="#ctx0" brushRef="#br0">1 276 24575,'44'-3'0,"63"-10"0,-21 2 0,117-20 0,-119 16 0,127-6 0,-157 16 0,-1-2 0,0-3 0,81-25 0,-83 21 0,5-2 0,-14 3 0,0 2 0,0 2 0,68-5 0,60-8 0,-115 12 0,75-2 0,-100 10 0,-13 1 0,0 0 0,0 2 0,-1-1 0,1 2 0,21 4 0,-33-4 0,-1-1 0,0 0 0,0 1 0,0 0 0,0 0 0,-1 0 0,1 1 0,0-1 0,-1 1 0,0 0 0,0 0 0,0 0 0,0 0 0,0 0 0,0 1 0,-1 0 0,1-1 0,-1 1 0,0 0 0,-1 0 0,1 0 0,-1 0 0,1 0 0,-1 0 0,1 7 0,0 0 0,0 1 0,-1-1 0,-1 1 0,1-1 0,-2 1 0,-2 16 0,3-24 0,-1 0 0,0 0 0,0 0 0,-1 0 0,1 0 0,-1-1 0,0 1 0,0-1 0,0 1 0,0-1 0,0 0 0,-1 1 0,0-1 0,0-1 0,0 1 0,0 0 0,0-1 0,0 1 0,0-1 0,-1 0 0,1 0 0,-7 2 0,-8 2 0,0-2 0,0 0 0,-1-1 0,1 0 0,-22-1 0,-102-5 0,82 1 0,-196-21 0,247 22 0,0 1 0,1-1 0,-1 2 0,0-1 0,0 1 0,0 0 0,0 1 0,1 0 0,-1 1 0,1-1 0,-1 2 0,1-1 0,-12 8 0,-5 5 0,1 1 0,-37 32 0,40-31 0,18-16 0,1 0 0,-1 1 0,0-1 0,1 1 0,-1 0 0,1 0 0,0 0 0,0 0 0,0 0 0,-2 5 0,4-7 0,0 0 0,0 0 0,0 0 0,0 1 0,0-1 0,0 0 0,0 0 0,1 0 0,-1 0 0,0 0 0,1 0 0,-1 0 0,1 0 0,-1 0 0,1 0 0,0 0 0,-1 0 0,1-1 0,0 1 0,0 0 0,-1 0 0,1 0 0,0-1 0,0 1 0,0-1 0,0 1 0,0-1 0,0 1 0,0-1 0,0 1 0,0-1 0,0 0 0,0 1 0,0-1 0,0 0 0,0 0 0,2 0 0,14 4 0,0 0 0,0-1 0,0-1 0,0-1 0,1-1 0,21-1 0,109-21 0,-51 7 0,160-28 0,-205 34 0,51 0 0,-52 6 0,55-12 0,-15 2 0,0 4 0,1 4 0,118 8 0,107-5 0,-270-8 0,-30 2 0,-17 7 0,0 1 0,0 0 0,0-1 0,0 1 0,0 0 0,0 0 0,0-1 0,0 1 0,0 0 0,0-1 0,0 1 0,0 0 0,0-1 0,0 1 0,0 0 0,-1-1 0,1 1 0,0 0 0,0 0 0,0-1 0,0 1 0,-1 0 0,1 0 0,0-1 0,0 1 0,-1 0 0,1 0 0,0 0 0,0-1 0,-1 1 0,1 0 0,0 0 0,-1 0 0,1 0 0,0 0 0,-1 0 0,1 0 0,0 0 0,0 0 0,-1 0 0,1 0 0,0 0 0,-1 0 0,1 0 0,0 0 0,-1 0 0,-32-7 0,0 1 0,-1 2 0,0 1 0,-53 3 0,-22-2 0,103 2 0,-1-1 0,0 0 0,0-1 0,0 1 0,1-2 0,-1 1 0,1 0 0,-1-1 0,1-1 0,0 1 0,0-1 0,-8-6 0,12 8 0,0 0 0,0 0 0,0 0 0,1 0 0,-1 0 0,1 0 0,-1-1 0,1 1 0,0 0 0,0-1 0,0 1 0,0-1 0,0 0 0,1 1 0,-1-1 0,1 1 0,-1-1 0,1 0 0,0 1 0,0-1 0,0 0 0,1 1 0,-1-1 0,1 0 0,-1 1 0,1-1 0,0 1 0,0-1 0,0 1 0,0-1 0,0 1 0,1 0 0,-1-1 0,1 1 0,2-2 0,1-3 0,1 2 0,0-1 0,0 0 0,1 1 0,0 0 0,0 1 0,0 0 0,0 0 0,1 0 0,11-4 0,6 0 0,0 0 0,27-4 0,-37 9 0,1 1 0,-1 0 0,1 1 0,-1 1 0,1 0 0,-1 1 0,1 1 0,-1 0 0,1 1 0,-1 1 0,21 7 0,-28-7 0,0 0 0,0 0 0,0 1 0,-1 0 0,1 0 0,-1 1 0,-1 0 0,1 0 0,-1 1 0,0 0 0,0 0 0,-1 0 0,0 1 0,0-1 0,-1 1 0,0 0 0,0 1 0,-1-1 0,0 1 0,0 0 0,1 9 0,-3-14 0,0-1 0,0 1 0,-1 0 0,1 0 0,-1 0 0,0 1 0,0-1 0,0 0 0,0 0 0,-1 0 0,0 0 0,1 0 0,-2-1 0,1 1 0,0 0 0,-1 0 0,0-1 0,1 1 0,-2 0 0,-2 3 0,0-2 0,0-1 0,0 0 0,-1-1 0,1 1 0,-1-1 0,0 0 0,0-1 0,0 1 0,0-1 0,0 0 0,0-1 0,-11 2 0,-38 4 44,-1-2 0,-93-3 0,83-3-792,-93 10-1</inkml:trace>
+</inkml:ink>
+</file>
+
+<file path=ppt/ink/ink24.xml><?xml version="1.0" encoding="utf-8"?>
+<inkml:ink xmlns:inkml="http://www.w3.org/2003/InkML">
+  <inkml:definitions>
+    <inkml:context xml:id="ctx0">
+      <inkml:inkSource xml:id="inkSrc0">
+        <inkml:traceFormat>
+          <inkml:channel name="X" type="integer" min="-2.14748E9" max="2.14748E9" units="cm"/>
+          <inkml:channel name="Y" type="integer" min="-2.14748E9" max="2.14748E9" units="cm"/>
+          <inkml:channel name="F" type="integer" max="32767" units="dev"/>
+        </inkml:traceFormat>
+        <inkml:channelProperties>
+          <inkml:channelProperty channel="X" name="resolution" value="1000" units="1/cm"/>
+          <inkml:channelProperty channel="Y" name="resolution" value="1000" units="1/cm"/>
+          <inkml:channelProperty channel="F" name="resolution" value="0" units="1/dev"/>
+        </inkml:channelProperties>
+      </inkml:inkSource>
+      <inkml:timestamp xml:id="ts0" timeString="2023-05-05T17:31:46.944"/>
+    </inkml:context>
+    <inkml:brush xml:id="br0">
+      <inkml:brushProperty name="width" value="0.35" units="cm"/>
+      <inkml:brushProperty name="height" value="0.35" units="cm"/>
+      <inkml:brushProperty name="color" value="#FFFFFF"/>
+    </inkml:brush>
+  </inkml:definitions>
+  <inkml:trace contextRef="#ctx0" brushRef="#br0">1 1 24575,'0'0'-8191</inkml:trace>
+</inkml:ink>
+</file>
+
+<file path=ppt/ink/ink25.xml><?xml version="1.0" encoding="utf-8"?>
+<inkml:ink xmlns:inkml="http://www.w3.org/2003/InkML">
+  <inkml:definitions>
+    <inkml:context xml:id="ctx0">
+      <inkml:inkSource xml:id="inkSrc0">
+        <inkml:traceFormat>
+          <inkml:channel name="X" type="integer" min="-2.14748E9" max="2.14748E9" units="cm"/>
+          <inkml:channel name="Y" type="integer" min="-2.14748E9" max="2.14748E9" units="cm"/>
+          <inkml:channel name="F" type="integer" max="32767" units="dev"/>
+        </inkml:traceFormat>
+        <inkml:channelProperties>
+          <inkml:channelProperty channel="X" name="resolution" value="1000" units="1/cm"/>
+          <inkml:channelProperty channel="Y" name="resolution" value="1000" units="1/cm"/>
+          <inkml:channelProperty channel="F" name="resolution" value="0" units="1/dev"/>
+        </inkml:channelProperties>
+      </inkml:inkSource>
+      <inkml:timestamp xml:id="ts0" timeString="2023-05-05T17:31:52.359"/>
+    </inkml:context>
+    <inkml:brush xml:id="br0">
+      <inkml:brushProperty name="width" value="0.35" units="cm"/>
+      <inkml:brushProperty name="height" value="0.35" units="cm"/>
+      <inkml:brushProperty name="color" value="#FFFFFF"/>
+    </inkml:brush>
+  </inkml:definitions>
+  <inkml:trace contextRef="#ctx0" brushRef="#br0">1 278 24575,'3'0'0,"1"1"0,-1 0 0,1 0 0,-1 0 0,1 1 0,-1-1 0,0 1 0,5 3 0,19 8 0,-15-10 0,0-1 0,1 0 0,-1 0 0,1-1 0,-1-1 0,1 0 0,-1 0 0,17-4 0,7-4 0,52-16 0,-56 13 0,2 2 0,34-5 0,-65 13 0,1 1 0,0 0 0,-1-1 0,1 1 0,0 1 0,-1-1 0,1 0 0,-1 1 0,1 0 0,-1 0 0,1 0 0,-1 0 0,1 0 0,-1 1 0,0-1 0,0 1 0,0 0 0,0 0 0,0 0 0,0 1 0,0-1 0,-1 1 0,1-1 0,-1 1 0,0 0 0,0 0 0,0 0 0,0 0 0,0 0 0,-1 1 0,1-1 0,-1 0 0,0 1 0,0-1 0,1 7 0,2 12 0,-2 1 0,0-1 0,-1 1 0,-4 37 0,2-33 0,0-16 0,0-1 0,1 0 0,0 0 0,1 0 0,1 11 0,-2-20 0,1 1 0,-1 0 0,0-1 0,1 1 0,-1 0 0,1-1 0,0 1 0,-1-1 0,1 1 0,0-1 0,0 0 0,0 1 0,0-1 0,0 0 0,0 0 0,0 1 0,1-1 0,-1 0 0,0 0 0,1 0 0,-1 0 0,1-1 0,-1 1 0,1 0 0,-1-1 0,1 1 0,-1-1 0,1 1 0,0-1 0,-1 0 0,3 1 0,-3-2 0,0 1 0,0 0 0,0 0 0,0 0 0,0 0 0,0 0 0,0 0 0,0 1 0,1-1 0,-1 0 0,0 1 0,0-1 0,0 0 0,0 1 0,0-1 0,0 1 0,-1-1 0,1 1 0,0 0 0,0-1 0,0 1 0,0 0 0,-1 0 0,1 0 0,0-1 0,-1 1 0,1 0 0,-1 0 0,1 0 0,-1 0 0,1 0 0,-1 0 0,1 0 0,-1 0 0,0 0 0,0 0 0,0 1 0,0-1 0,0 0 0,0 0 0,0 2 0,-1 4 0,-1 0 0,0 0 0,0 0 0,-1 0 0,-4 9 0,3-8 0,3-6 0,-60 123 0,55-114 0,0 0 0,-1 0 0,-1 0 0,0-1 0,-1 0 0,0 0 0,0-1 0,-13 9 0,82-84 0,300-290 0,-328 325 0,-15 13 0,1 0 0,1 2 0,0 0 0,1 1 0,41-23 0,-59 37 0,0 0 0,0 0 0,0 0 0,0 1 0,0-1 0,0 1 0,0-1 0,0 1 0,0 0 0,1 0 0,-1-1 0,0 2 0,0-1 0,0 0 0,0 0 0,0 1 0,0-1 0,0 1 0,0 0 0,0-1 0,0 1 0,3 2 0,-1 0 0,0 1 0,0 0 0,0 0 0,-1 0 0,0 0 0,6 10 0,-7-10 0,0-1 0,0 1 0,1 0 0,-1-1 0,1 1 0,0-1 0,0 0 0,0 0 0,0 0 0,1-1 0,-1 1 0,1-1 0,-1 1 0,1-1 0,0 0 0,5 1 0,-4-2 0,0 0 0,0-1 0,0 1 0,0-1 0,0 0 0,0-1 0,0 1 0,0-1 0,0 0 0,-1 0 0,1-1 0,7-2 0,50-33 0,-51 30 0,0-1 0,0 2 0,20-10 0,-30 16 0,1-1 0,-1 1 0,0-1 0,1 1 0,-1 0 0,1 0 0,-1-1 0,1 1 0,-1 0 0,0 0 0,1 0 0,-1 1 0,1-1 0,-1 0 0,1 0 0,-1 1 0,0-1 0,1 1 0,-1-1 0,0 1 0,0 0 0,1 0 0,-1-1 0,0 1 0,0 0 0,0 0 0,0 0 0,0 0 0,0 0 0,0 0 0,0 1 0,0-1 0,0 0 0,-1 0 0,1 1 0,-1-1 0,2 3 0,1 4 0,-1 1 0,1 0 0,-2 0 0,2 15 0,-2-20 0,2 30 0,-2 1 0,-1-1 0,-1 1 0,-2-1 0,-2 0 0,-1 0 0,-1 0 0,-16 41 0,6-44 0,17-31 0,0 0 0,-1 0 0,1 1 0,0-1 0,-1 0 0,1 0 0,0 0 0,-1 0 0,1 1 0,0-1 0,-1 0 0,1 0 0,0 0 0,-1 0 0,1 0 0,0 0 0,-1 0 0,1 0 0,-1 0 0,1 0 0,0 0 0,-1 0 0,1 0 0,0 0 0,-1 0 0,1-1 0,0 1 0,-1 0 0,1 0 0,0 0 0,-1 0 0,1-1 0,0 1 0,0 0 0,-1 0 0,1-1 0,0 1 0,0 0 0,-1 0 0,1-1 0,-3-4 0,1 0 0,0 0 0,0 0 0,1 0 0,-1-1 0,1 1 0,0 0 0,0-8 0,-10-326 0,11 149 0,0 175 0,-1 0 0,-1 0 0,0 0 0,0 0 0,-2 1 0,0-1 0,0 1 0,-8-15 0,9 23 0,0 1 0,-1-1 0,1 1 0,-1 0 0,0 0 0,-1 1 0,1-1 0,-1 1 0,0 0 0,0 0 0,0 0 0,-1 1 0,1 0 0,-1 0 0,0 0 0,0 1 0,0 0 0,0 0 0,0 0 0,0 1 0,-11-1 0,-8 1 0,1 1 0,-1 1 0,0 1 0,1 1 0,0 1 0,-1 1 0,2 1 0,-1 1 0,1 2 0,-29 13 0,1 4 0,0 2 0,2 2 0,-59 46 0,45-20 0,49-38 0,14-17 0,0-1 0,0 0 0,0 0 0,0 0 0,0 0 0,0 1 0,0-1 0,0 0 0,0 0 0,0 0 0,0 0 0,0 1 0,0-1 0,0 0 0,0 0 0,0 0 0,0 0 0,0 1 0,0-1 0,0 0 0,1 0 0,-1 0 0,0 0 0,0 0 0,0 1 0,0-1 0,0 0 0,0 0 0,0 0 0,1 0 0,-1 0 0,0 0 0,0 0 0,0 1 0,0-1 0,0 0 0,1 0 0,-1 0 0,0 0 0,0 0 0,0 0 0,0 0 0,1 0 0,-1 0 0,0 0 0,0 0 0,0 0 0,0 0 0,1 0 0,34-11 0,6-11 0,0-2 0,41-33 0,14-9 0,-89 62 0,0 0 0,0 1 0,0-1 0,0 1 0,1 1 0,-1-1 0,1 1 0,0 0 0,-1 1 0,12-1 0,-16 2 0,-1 0 0,0 1 0,1-1 0,-1 0 0,0 1 0,1 0 0,-1-1 0,0 1 0,0 0 0,0 0 0,0 0 0,1 0 0,-1 1 0,-1-1 0,1 0 0,0 1 0,0 0 0,0-1 0,-1 1 0,1 0 0,-1 0 0,0 0 0,1 0 0,-1 0 0,0 0 0,0 0 0,0 0 0,0 1 0,-1-1 0,1 0 0,-1 0 0,1 1 0,-1-1 0,0 1 0,0-1 0,0 3 0,0 4 0,0-1 0,-1 0 0,0 0 0,0 1 0,-1-1 0,0 0 0,-1 0 0,1-1 0,-8 14 0,-42 68 0,48-83 0,-54 80 0,-3-2 0,-3-4 0,-115 111 0,170-181 0,-1 0 0,-1-1 0,0-1 0,0 0 0,-1 0 0,0-1 0,0-1 0,-21 9 0,31-15 0,0 1 0,-1-1 0,1 1 0,0-1 0,0 0 0,0 0 0,0 0 0,0 0 0,0 0 0,-1-1 0,1 1 0,0-1 0,0 1 0,0-1 0,0 0 0,0 0 0,0 0 0,0 0 0,1 0 0,-1 0 0,0 0 0,1-1 0,-1 1 0,0 0 0,1-1 0,0 0 0,-1 1 0,1-1 0,0 0 0,0 0 0,0 0 0,0 1 0,0-1 0,0 0 0,0 0 0,1 0 0,-1-1 0,1 1 0,0 0 0,-1-3 0,-1-11 0,0-1 0,1 1 0,1-1 0,2-17 0,-2 24 0,0-4 0,1 0 0,1 0 0,-1 0 0,2 0 0,0 1 0,1-1 0,10-22 0,-14 36 0,0 0 0,0 1 0,0-1 0,0 1 0,0-1 0,0 0 0,0 1 0,1-1 0,-1 1 0,0-1 0,0 0 0,0 1 0,1-1 0,-1 0 0,0 1 0,1-1 0,-1 0 0,0 1 0,1-1 0,-1 0 0,0 0 0,1 1 0,-1-1 0,1 0 0,-1 0 0,0 0 0,1 0 0,-1 0 0,1 1 0,-1-1 0,0 0 0,1 0 0,-1 0 0,1 0 0,-1 0 0,1 0 0,-1 0 0,0-1 0,1 1 0,-1 0 0,1 0 0,-1 0 0,0 0 0,1 0 0,-1-1 0,1 1 0,-1 0 0,0 0 0,1-1 0,-1 1 0,0 0 0,1 0 0,-1-1 0,0 1 0,0 0 0,1-1 0,-1 1 0,0-1 0,0 1 0,0 0 0,1-1 0,-1 1 0,0-1 0,0 1 0,0-1 0,8 39 0,-6-11 0,4 32 0,-5-58 0,-1 0 0,0-1 0,0 1 0,0 0 0,0-1 0,0 1 0,1-1 0,-1 1 0,0 0 0,0-1 0,1 1 0,-1-1 0,1 1 0,-1-1 0,0 1 0,1-1 0,-1 1 0,1-1 0,-1 1 0,1-1 0,-1 0 0,1 1 0,0-1 0,-1 0 0,1 1 0,-1-1 0,1 0 0,0 0 0,-1 1 0,1-1 0,0 0 0,-1 0 0,1 0 0,0 0 0,-1 0 0,1 0 0,0 0 0,0 0 0,27-17 0,24-30 0,-2-1 0,78-99 0,-78 87 0,-34 41-273,-2 0 0,-1 0 0,0-2 0,17-39 0</inkml:trace>
+</inkml:ink>
+</file>
+
+<file path=ppt/ink/ink26.xml><?xml version="1.0" encoding="utf-8"?>
+<inkml:ink xmlns:inkml="http://www.w3.org/2003/InkML">
+  <inkml:definitions>
+    <inkml:context xml:id="ctx0">
+      <inkml:inkSource xml:id="inkSrc0">
+        <inkml:traceFormat>
+          <inkml:channel name="X" type="integer" min="-2.14748E9" max="2.14748E9" units="cm"/>
+          <inkml:channel name="Y" type="integer" min="-2.14748E9" max="2.14748E9" units="cm"/>
+          <inkml:channel name="F" type="integer" max="32767" units="dev"/>
+        </inkml:traceFormat>
+        <inkml:channelProperties>
+          <inkml:channelProperty channel="X" name="resolution" value="1000" units="1/cm"/>
+          <inkml:channelProperty channel="Y" name="resolution" value="1000" units="1/cm"/>
+          <inkml:channelProperty channel="F" name="resolution" value="0" units="1/dev"/>
+        </inkml:channelProperties>
+      </inkml:inkSource>
+      <inkml:timestamp xml:id="ts0" timeString="2023-05-05T17:31:54.727"/>
+    </inkml:context>
+    <inkml:brush xml:id="br0">
+      <inkml:brushProperty name="width" value="0.35" units="cm"/>
+      <inkml:brushProperty name="height" value="0.35" units="cm"/>
+      <inkml:brushProperty name="color" value="#FFFFFF"/>
+    </inkml:brush>
+  </inkml:definitions>
+  <inkml:trace contextRef="#ctx0" brushRef="#br0">1 0 24575,'8'0'0,"18"0"0,12 0 0,7 0 0,12 0 0,4 0 0</inkml:trace>
+</inkml:ink>
+</file>
+
+<file path=ppt/ink/ink27.xml><?xml version="1.0" encoding="utf-8"?>
+<inkml:ink xmlns:inkml="http://www.w3.org/2003/InkML">
+  <inkml:definitions>
+    <inkml:context xml:id="ctx0">
+      <inkml:inkSource xml:id="inkSrc0">
+        <inkml:traceFormat>
+          <inkml:channel name="X" type="integer" min="-2.14748E9" max="2.14748E9" units="cm"/>
+          <inkml:channel name="Y" type="integer" min="-2.14748E9" max="2.14748E9" units="cm"/>
+        </inkml:traceFormat>
+        <inkml:channelProperties>
+          <inkml:channelProperty channel="X" name="resolution" value="1000" units="1/cm"/>
+          <inkml:channelProperty channel="Y" name="resolution" value="1000" units="1/cm"/>
+        </inkml:channelProperties>
+      </inkml:inkSource>
+      <inkml:timestamp xml:id="ts0" timeString="2023-05-05T17:33:10.425"/>
+    </inkml:context>
+    <inkml:brush xml:id="br0">
+      <inkml:brushProperty name="width" value="0.3" units="cm"/>
+      <inkml:brushProperty name="height" value="0.6" units="cm"/>
+      <inkml:brushProperty name="color" value="#C0E494"/>
+      <inkml:brushProperty name="tip" value="rectangle"/>
+      <inkml:brushProperty name="rasterOp" value="maskPen"/>
+      <inkml:brushProperty name="ignorePressure" value="1"/>
+    </inkml:brush>
+  </inkml:definitions>
+  <inkml:trace contextRef="#ctx0" brushRef="#br0">1 1,'2360'0,"-2321"0</inkml:trace>
+</inkml:ink>
+</file>
+
+<file path=ppt/ink/ink3.xml><?xml version="1.0" encoding="utf-8"?>
+<inkml:ink xmlns:inkml="http://www.w3.org/2003/InkML">
+  <inkml:definitions>
+    <inkml:context xml:id="ctx0">
+      <inkml:inkSource xml:id="inkSrc0">
+        <inkml:traceFormat>
+          <inkml:channel name="X" type="integer" min="-2.14748E9" max="2.14748E9" units="cm"/>
+          <inkml:channel name="Y" type="integer" min="-2.14748E9" max="2.14748E9" units="cm"/>
+          <inkml:channel name="F" type="integer" max="32767" units="dev"/>
+        </inkml:traceFormat>
+        <inkml:channelProperties>
+          <inkml:channelProperty channel="X" name="resolution" value="1000" units="1/cm"/>
+          <inkml:channelProperty channel="Y" name="resolution" value="1000" units="1/cm"/>
+          <inkml:channelProperty channel="F" name="resolution" value="0" units="1/dev"/>
+        </inkml:channelProperties>
+      </inkml:inkSource>
+      <inkml:timestamp xml:id="ts0" timeString="2023-05-05T17:29:34.540"/>
+    </inkml:context>
+    <inkml:brush xml:id="br0">
+      <inkml:brushProperty name="width" value="0.35" units="cm"/>
+      <inkml:brushProperty name="height" value="0.35" units="cm"/>
+      <inkml:brushProperty name="color" value="#FFFFFF"/>
+    </inkml:brush>
+  </inkml:definitions>
+  <inkml:trace contextRef="#ctx0" brushRef="#br0">0 387 24575,'2'-55'0,"-1"57"0,1 0 0,1 0 0,-1 0 0,0 0 0,0 0 0,1 0 0,-1-1 0,1 1 0,0-1 0,-1 0 0,1 0 0,0 0 0,0 0 0,3 1 0,43 5 0,-32-7 0,0 0 0,0-2 0,0 0 0,0-1 0,0-1 0,20-7 0,93-41 0,-127 50 0,1 1 0,-1-1 0,1 1 0,-1-1 0,0 0 0,1 0 0,-1-1 0,0 1 0,4-5 0,-7 6 0,1 1 0,-1 0 0,0 0 0,0-1 0,0 1 0,0 0 0,0-1 0,0 1 0,0 0 0,0-1 0,0 1 0,0 0 0,0-1 0,0 1 0,0 0 0,0-1 0,0 1 0,0 0 0,-1 0 0,1-1 0,0 1 0,0 0 0,0-1 0,0 1 0,-1 0 0,1 0 0,0-1 0,0 1 0,0 0 0,-1 0 0,1 0 0,0-1 0,0 1 0,-1 0 0,-22-9 0,-2 2 0,1-1 0,-31-16 0,36 15 0,0 0 0,0 2 0,-1 0 0,-38-6 0,48 11 0,-54-10 0,62 12 0,0 0 0,0-1 0,0 0 0,0 1 0,0-1 0,0 0 0,0 0 0,0 0 0,1 0 0,-1 0 0,0-1 0,1 1 0,-1-1 0,1 1 0,-1-1 0,1 1 0,0-1 0,-1 0 0,1 1 0,0-1 0,0 0 0,1 0 0,-1 0 0,-1-4 0,2 6 0,0 0 0,0 0 0,0-1 0,0 1 0,-1 0 0,1-1 0,0 1 0,0 0 0,0 0 0,0-1 0,0 1 0,1 0 0,-1 0 0,0-1 0,0 1 0,0 0 0,0 0 0,0-1 0,0 1 0,0 0 0,0 0 0,0-1 0,1 1 0,-1 0 0,0 0 0,0 0 0,0-1 0,1 1 0,-1 0 0,0 0 0,0 0 0,0 0 0,1 0 0,-1-1 0,0 1 0,0 0 0,1 0 0,-1 0 0,0 0 0,0 0 0,1 0 0,13 5 0,12 16 0,-10 0 0,-1 0 0,-1 1 0,0 0 0,13 33 0,36 105 0,-48-119 0,-1 5 0,-13-37 0,1 0 0,0 0 0,1 0 0,0 0 0,0 0 0,1-1 0,0 0 0,1 0 0,0 0 0,0 0 0,9 9 0,-13-16 0,0 0 0,0-1 0,0 1 0,1 0 0,-1-1 0,0 0 0,1 1 0,-1-1 0,0 0 0,1 1 0,-1-1 0,0 0 0,1 0 0,-1 0 0,0 0 0,1 0 0,-1-1 0,0 1 0,1 0 0,-1-1 0,0 1 0,1 0 0,-1-1 0,0 0 0,0 1 0,0-1 0,1 0 0,-1 0 0,0 1 0,0-1 0,0 0 0,0 0 0,-1 0 0,1 0 0,1-2 0,32-49 0,-24 35 0,-4 7 0,1 0 0,1 0 0,-1 1 0,1 0 0,1 1 0,0 0 0,0 0 0,1 0 0,19-11 0,-21 15 0,0 1 0,1 0 0,-1 0 0,1 1 0,-1 0 0,1 0 0,0 1 0,0 0 0,0 0 0,0 1 0,-1 1 0,1-1 0,0 1 0,11 3 0,-8 0 0,-1 0 0,0 0 0,0 1 0,0 1 0,-1 0 0,1 0 0,-1 1 0,-1 1 0,1-1 0,15 18 0,32 24 0,-56-47 0,1-1 0,-1 0 0,1 0 0,0 0 0,-1 0 0,1 0 0,0 0 0,0 0 0,0 0 0,0-1 0,-1 1 0,1-1 0,0 1 0,0-1 0,0 0 0,0 0 0,0 0 0,0 0 0,0 0 0,0 0 0,0 0 0,0-1 0,0 1 0,0-1 0,0 0 0,0 1 0,0-1 0,-1 0 0,1 0 0,0 0 0,-1 0 0,1 0 0,0-1 0,-1 1 0,0 0 0,1-1 0,-1 1 0,2-3 0,3-6 0,1 0 0,-2 0 0,1-1 0,-2 0 0,6-14 0,-3 4 0,28-56 0,-20 47 0,-1-1 0,-2 0 0,12-50 0,-23 80 0,0-1 0,-1 1 0,1-1 0,-1 0 0,0 1 0,0-1 0,1 0 0,-1 1 0,0-1 0,0 0 0,-1 1 0,1-1 0,0 0 0,0 1 0,-1-1 0,1 0 0,-1 1 0,0-1 0,1 1 0,-1-1 0,0 1 0,0-1 0,0 1 0,0 0 0,0-1 0,0 1 0,0 0 0,0 0 0,-1 0 0,1 0 0,0 0 0,-1 0 0,1 0 0,-1 0 0,1 1 0,-1-1 0,1 0 0,-1 1 0,0-1 0,1 1 0,-1 0 0,0-1 0,1 1 0,-1 0 0,0 0 0,1 0 0,-1 0 0,0 1 0,-2 0 0,-13 1 0,1 1 0,0 1 0,0 1 0,-18 7 0,14-5 0,1-1 0,8-3 0,0 0 0,0 1 0,0 0 0,1 0 0,-1 2 0,1-1 0,0 1 0,1 0 0,-12 10 0,21-15 0,-1-1 0,1 0 0,0 1 0,-1-1 0,1 0 0,0 1 0,-1-1 0,1 1 0,0-1 0,-1 0 0,1 1 0,0-1 0,0 1 0,0-1 0,-1 1 0,1-1 0,0 1 0,0-1 0,0 1 0,0-1 0,0 1 0,0-1 0,0 1 0,0-1 0,0 1 0,0-1 0,0 1 0,0-1 0,0 1 0,1-1 0,-1 1 0,0-1 0,0 1 0,0-1 0,1 1 0,-1-1 0,1 1 0,22 10 0,38-2 0,-58-9 0,176 7 0,-103-7 0,-1 4 0,77 15 0,-74-9 0,2-3 0,144-6 0,-129-2 0,-90 1 0,40 4 0,-44-4 0,0 1 0,0-1 0,-1 0 0,1 1 0,0-1 0,0 0 0,0 1 0,0-1 0,-1 1 0,1 0 0,0-1 0,0 1 0,-1 0 0,1-1 0,0 1 0,-1 0 0,1 0 0,-1-1 0,1 1 0,-1 0 0,0 0 0,1 0 0,-1 0 0,0 0 0,1 0 0,-1 0 0,0 0 0,0 0 0,0 0 0,0 0 0,0-1 0,0 1 0,0 0 0,0 0 0,0 0 0,0 0 0,-1 0 0,1 0 0,0 0 0,-1 0 0,1 0 0,-1 1 0,-17 36 0,-2 0 0,-30 42 0,4-5 0,41-67 0,-12 21 0,-32 43 0,44-66 0,0 1 0,-1-1 0,1-1 0,-1 1 0,0-1 0,-1 0 0,1 0 0,-1-1 0,0 0 0,0 0 0,0 0 0,-11 2 0,15-5 0,1-1 0,-1 1 0,1-1 0,-1 0 0,1 0 0,-1 0 0,1 0 0,0 0 0,-1-1 0,1 1 0,-1-1 0,1 1 0,-1-1 0,1 0 0,0 0 0,0 0 0,-1-1 0,1 1 0,0 0 0,0-1 0,0 1 0,0-1 0,1 0 0,-1 0 0,0 1 0,1-1 0,-1 0 0,1-1 0,0 1 0,-1 0 0,1 0 0,0 0 0,0-1 0,-1-4 0,-2-8 0,-1 0 0,2 0 0,0-1 0,-1-18 0,4 31 0,-2-64 0,3 54 0,-1 0 0,0 0 0,-1 1 0,0-1 0,-1 0 0,0 0 0,-1 1 0,0-1 0,-1 1 0,-10-21 0,13 31 0,-1 0 0,1 0 0,-1 0 0,0 0 0,0 0 0,1 0 0,-1 0 0,-1 1 0,1-1 0,0 1 0,0-1 0,0 1 0,-1 0 0,1 0 0,-1 0 0,1 0 0,-1 0 0,1 0 0,-1 1 0,1 0 0,-4-1 0,1 1 0,0 1 0,0 0 0,1 0 0,-1 0 0,1 0 0,-1 1 0,1-1 0,-1 1 0,1 0 0,0 1 0,-4 2 0,-6 5 0,1 0 0,0 1 0,1 0 0,1 1 0,-19 24 0,27-32 0,-15 19 0,2 0 0,0 0 0,1 2 0,2 0 0,-18 45 0,31-70 0,0 0 0,0 1 0,0-1 0,0 0 0,-1 0 0,1 1 0,0-1 0,0 0 0,0 1 0,0-1 0,0 0 0,0 0 0,0 1 0,0-1 0,0 0 0,0 1 0,0-1 0,0 0 0,0 0 0,0 1 0,1-1 0,-1 0 0,0 1 0,0-1 0,0 0 0,0 0 0,0 1 0,1-1 0,-1 0 0,0 0 0,0 0 0,0 1 0,1-1 0,-1 0 0,0 0 0,0 0 0,1 0 0,-1 1 0,0-1 0,0 0 0,1 0 0,-1 0 0,0 0 0,1 0 0,-1 0 0,0 0 0,0 0 0,1 0 0,-1 0 0,0 0 0,1 0 0,-1 0 0,0 0 0,0 0 0,1 0 0,-1 0 0,0 0 0,1 0 0,-1 0 0,0-1 0,0 1 0,1 0 0,-1 0 0,0 0 0,0 0 0,1-1 0,-1 1 0,0 0 0,25-15 0,-22 13 0,46-31 0,22-15 0,100-51 0,257-78 0,14 33 0,-369 119 0,-46 15 0,0 1 0,31-6 0,-56 14 0,0 1 0,0 0 0,0-1 0,0 1 0,0 0 0,0 0 0,0 0 0,0 0 0,0 1 0,0-1 0,0 1 0,0-1 0,0 1 0,0-1 0,0 1 0,-1 0 0,1 0 0,0 0 0,0 0 0,-1 0 0,1 1 0,1 1 0,-1 0 0,0-1 0,0 1 0,0 1 0,0-1 0,-1 0 0,1 0 0,-1 1 0,0-1 0,0 0 0,-1 1 0,2 5 0,-1 9 0,-1 0 0,0 0 0,-6 34 0,6-50 0,-6 26 0,-1-1 0,-2 0 0,0 0 0,-2-1 0,-1 0 0,-19 30 0,30-54 0,0 1 0,5-6 0,7-13 0,-6 6 0,-25 29 0,-17 26 0,-43 67 0,5-5 0,70-101 0,0 0 0,0 0 0,0-1 0,-1 0 0,1 1 0,-1-2 0,-1 1 0,1-1 0,-1 0 0,-9 4 0,13-7 0,1 0 0,0 0 0,-1-1 0,1 0 0,-1 1 0,0-1 0,1 0 0,-1 0 0,1 0 0,-1-1 0,1 1 0,-1-1 0,1 1 0,-1-1 0,1 0 0,0 0 0,-1 0 0,1 0 0,0 0 0,0-1 0,-1 1 0,1-1 0,0 1 0,1-1 0,-1 0 0,0 0 0,0 1 0,1-1 0,-1-1 0,1 1 0,-1 0 0,1 0 0,0 0 0,-1-3 0,-4-9 0,0 0 0,0 1 0,2-2 0,0 1 0,0-1 0,-2-25 0,1-93 0,5 125 0,0 0 0,1 0 0,0-1 0,0 1 0,1 0 0,0 0 0,0 0 0,1 0 0,0 1 0,0-1 0,7-10 0,-3 9 0,0 0 0,0 1 0,1 0 0,0 0 0,0 1 0,1 0 0,0 0 0,12-6 0,16-8 0,1 1 0,1 3 0,1 1 0,45-12 0,174-33 0,-147 37 0,524-130 0,-634 153 0,0 0 0,0 0 0,0 1 0,0-1 0,0 1 0,0 0 0,0-1 0,0 1 0,0 0 0,1 0 0,-1 0 0,0 0 0,0 1 0,0-1 0,0 1 0,0-1 0,0 1 0,0 0 0,0-1 0,0 1 0,0 0 0,-1 1 0,1-1 0,0 0 0,0 0 0,-1 1 0,1-1 0,1 3 0,-1 0 0,0 1 0,0-1 0,-1 0 0,0 1 0,0-1 0,0 1 0,0 0 0,-1-1 0,0 1 0,0-1 0,0 1 0,-1 5 0,-1 9 0,-2 0 0,0-1 0,-1 1 0,-1-1 0,0 0 0,-2-1 0,0 0 0,-14 23 0,9-20 0,0 0 0,-1-2 0,-1 1 0,-1-1 0,-1-2 0,-25 21 0,31-28 0,0-2 0,0 0 0,-1 0 0,0-1 0,0 0 0,-25 7 0,31-12 0,0 1 0,0-1 0,-1 0 0,1-1 0,0 1 0,-1-1 0,1 0 0,-1-1 0,1 1 0,0-1 0,0-1 0,-1 1 0,1-1 0,0 0 0,0-1 0,-8-4 0,-71-52 0,65 43 0,-1 1 0,-1 1 0,0 1 0,-24-10 0,38 20 0,0 0 0,-1 0 0,1 1 0,-1 0 0,1 1 0,-1 0 0,0 1 0,1-1 0,-1 2 0,0-1 0,0 1 0,1 0 0,-1 1 0,1 0 0,-17 6 0,35-11 0,15-6 0,0-1 0,-1-2 0,0 0 0,42-30 0,-24 9 0,2 1 0,63-35 0,-83 55 0,0 0 0,1 2 0,1 1 0,-1 1 0,1 2 0,47-7 0,22 6 0,117 8 0,-107 2 0,-97-4 0,0 1 0,0 1 0,0 0 0,0 0 0,0 0 0,0 1 0,0 1 0,-1-1 0,9 5 0,-12-5 0,-1 0 0,1 1 0,-1-1 0,0 1 0,0 0 0,0 0 0,0 0 0,-1 1 0,1-1 0,-1 1 0,0-1 0,0 1 0,0 0 0,0 0 0,-1 0 0,1 0 0,-1 0 0,0 0 0,0 6 0,1 3 0,-1 0 0,0 0 0,-1 0 0,0 0 0,-1 0 0,0 0 0,-1-1 0,-1 1 0,0 0 0,-1-1 0,0 0 0,-1 0 0,0 0 0,-1 0 0,0-1 0,-10 13 0,2-5 0,-2-1 0,0 0 0,-1 0 0,-1-2 0,0 0 0,-1-1 0,-36 20 0,-221 122 0,239-138 0,0-1 0,-1-2 0,-42 11 0,-3 3 0,-147 66-1365,122-48-5461</inkml:trace>
+</inkml:ink>
+</file>
+
+<file path=ppt/ink/ink4.xml><?xml version="1.0" encoding="utf-8"?>
+<inkml:ink xmlns:inkml="http://www.w3.org/2003/InkML">
+  <inkml:definitions>
+    <inkml:context xml:id="ctx0">
+      <inkml:inkSource xml:id="inkSrc0">
+        <inkml:traceFormat>
+          <inkml:channel name="X" type="integer" min="-2.14748E9" max="2.14748E9" units="cm"/>
+          <inkml:channel name="Y" type="integer" min="-2.14748E9" max="2.14748E9" units="cm"/>
+          <inkml:channel name="F" type="integer" max="32767" units="dev"/>
+        </inkml:traceFormat>
+        <inkml:channelProperties>
+          <inkml:channelProperty channel="X" name="resolution" value="1000" units="1/cm"/>
+          <inkml:channelProperty channel="Y" name="resolution" value="1000" units="1/cm"/>
+          <inkml:channelProperty channel="F" name="resolution" value="0" units="1/dev"/>
+        </inkml:channelProperties>
+      </inkml:inkSource>
+      <inkml:timestamp xml:id="ts0" timeString="2023-05-05T17:29:42.023"/>
+    </inkml:context>
+    <inkml:brush xml:id="br0">
+      <inkml:brushProperty name="width" value="0.35" units="cm"/>
+      <inkml:brushProperty name="height" value="0.35" units="cm"/>
+      <inkml:brushProperty name="color" value="#FFFFFF"/>
+    </inkml:brush>
+  </inkml:definitions>
+  <inkml:trace contextRef="#ctx0" brushRef="#br0">1 344 24575,'0'-11'0,"2"0"0,-1 0 0,2 1 0,-1-1 0,1 1 0,1-1 0,0 1 0,0 0 0,9-14 0,9-11 0,29-37 0,-39 56 0,-3 4 0,1 1 0,0 0 0,0 1 0,1 0 0,0 1 0,1 0 0,19-11 0,-29 18 0,1 1 0,-1 0 0,1 0 0,0 0 0,0 0 0,-1 0 0,1 0 0,0 1 0,0-1 0,0 1 0,0 0 0,0 0 0,0 0 0,0 0 0,-1 1 0,1-1 0,6 2 0,-7 0 0,1 0 0,0 0 0,-1 0 0,1 0 0,-1 1 0,0-1 0,0 1 0,0-1 0,0 1 0,0 0 0,0 0 0,-1-1 0,1 1 0,-1 0 0,0 1 0,0-1 0,0 0 0,0 0 0,-1 0 0,1 4 0,4 34 0,-1 0 0,-2 0 0,-2 0 0,-10 74 0,-18-4 0,28-111 0,-1 1 0,1 0 0,0-1 0,0 1 0,0 0 0,-1 0 0,1-1 0,0 1 0,0 0 0,0 0 0,0-1 0,0 1 0,0 0 0,1 0 0,-1-1 0,0 1 0,0 0 0,0-1 0,1 1 0,-1 0 0,0 0 0,1-1 0,-1 1 0,1-1 0,-1 1 0,0 0 0,1-1 0,0 1 0,1 0 0,0-1 0,-1 0 0,1 0 0,0 0 0,0-1 0,0 1 0,-1 0 0,1-1 0,0 1 0,0-1 0,-1 1 0,1-1 0,-1 0 0,3-1 0,110-56 0,126-87 0,78-42 0,-316 187 0,-1-1 0,1 0 0,-1 0 0,1 0 0,-1 1 0,1-1 0,0 1 0,-1-1 0,1 1 0,0 0 0,0-1 0,-1 1 0,1 0 0,0 0 0,3 1 0,-5-1 0,1 1 0,-1-1 0,0 0 0,1 1 0,-1-1 0,1 1 0,-1-1 0,0 1 0,1-1 0,-1 1 0,0-1 0,0 1 0,1 0 0,-1-1 0,0 1 0,0-1 0,0 1 0,0-1 0,0 1 0,0 0 0,0-1 0,0 1 0,0-1 0,0 1 0,0 0 0,0-1 0,0 1 0,-1 0 0,-2 10 0,0-1 0,-1 0 0,-10 16 0,8-14 0,-80 197 0,79-189 0,6-7 0,13-17 0,24-22 0,-30 20 0,25-19 0,50-36 0,-72 55 0,0 0 0,0 1 0,0 1 0,1-1 0,0 2 0,0-1 0,13-2 0,-20 6 0,-1-1 0,0 1 0,0 0 0,1 0 0,-1 0 0,0 0 0,1 0 0,-1 0 0,0 1 0,0-1 0,1 1 0,-1 0 0,0-1 0,0 1 0,0 0 0,0 0 0,0 1 0,0-1 0,0 0 0,3 3 0,-3-1 0,1 0 0,-1 0 0,0 1 0,0-1 0,0 1 0,0-1 0,0 1 0,-1 0 0,0-1 0,0 1 0,1 4 0,1 12 0,-1 0 0,-1-1 0,-3 38 0,1-40 0,1-9 0,-1-1 0,1 1 0,0 0 0,0 0 0,1-1 0,2 13 0,-2-19 0,-1 0 0,0 0 0,1 0 0,-1 0 0,1 0 0,-1 0 0,1 0 0,-1 0 0,1-1 0,-1 1 0,1 0 0,0 0 0,0-1 0,-1 1 0,1 0 0,0-1 0,0 1 0,0-1 0,1 1 0,0 0 0,0-1 0,-1 0 0,1 0 0,0 0 0,-1 0 0,1 0 0,0 0 0,-1-1 0,1 1 0,0-1 0,-1 1 0,1-1 0,-1 1 0,1-1 0,-1 0 0,3-1 0,15-10 0,0-2 0,-1 0 0,21-21 0,35-28 0,-67 58 0,1 0 0,0 0 0,0 1 0,0 0 0,1 0 0,-1 1 0,17-4 0,-23 6 0,0 1 0,-1 0 0,1-1 0,0 1 0,0 0 0,0 0 0,-1 0 0,1 0 0,0 1 0,0-1 0,-1 0 0,1 1 0,0-1 0,-1 1 0,1 0 0,0-1 0,-1 1 0,1 0 0,-1 0 0,1 0 0,-1 0 0,0 0 0,3 3 0,-1 0 0,0 1 0,0 0 0,-1 0 0,1 0 0,-1 0 0,2 6 0,15 28 0,-18-38 0,0 0 0,0 1 0,0-1 0,1 0 0,-1 0 0,0-1 0,1 1 0,-1 0 0,1 0 0,-1-1 0,1 1 0,-1-1 0,1 1 0,-1-1 0,1 1 0,0-1 0,-1 0 0,1 0 0,-1 0 0,1 0 0,0 0 0,-1 0 0,1-1 0,2 0 0,10-3 0,1-2 0,-1 0 0,0 0 0,0-1 0,-1-1 0,0 0 0,0-1 0,-1-1 0,-1 0 0,1 0 0,11-15 0,-7 9 0,1 0 0,1 2 0,34-23 0,-50 35 0,1 1 0,-1-1 0,1 1 0,-1 0 0,1 0 0,0 0 0,0 1 0,0-1 0,-1 0 0,1 1 0,5 0 0,-7 0 0,0 0 0,1 0 0,-1 1 0,0-1 0,1 1 0,-1-1 0,0 1 0,0-1 0,0 1 0,0 0 0,0-1 0,0 1 0,0 0 0,0 0 0,0 0 0,0 0 0,0 0 0,1 1 0,1 5 0,0-1 0,0 1 0,-1 0 0,0 0 0,0 0 0,-1 0 0,2 10 0,-3-10 0,2 0 0,-1 0 0,1 0 0,0 0 0,4 9 0,-6-15 0,1 0 0,0 0 0,0 0 0,0 0 0,0 0 0,0 0 0,0-1 0,0 1 0,0 0 0,0 0 0,0-1 0,0 1 0,0-1 0,1 1 0,-1-1 0,0 0 0,0 1 0,1-1 0,-1 0 0,0 0 0,0 0 0,1 0 0,-1 0 0,0 0 0,1 0 0,-1 0 0,0 0 0,0-1 0,1 1 0,-1 0 0,0-1 0,0 1 0,0-1 0,1 0 0,-1 1 0,0-1 0,0 0 0,0 0 0,0 0 0,0 1 0,0-1 0,1-2 0,44-44 0,-43 43 0,10-12 0,-6 6 0,0 1 0,1 0 0,0 0 0,0 1 0,1 0 0,0 0 0,1 1 0,15-9 0,-24 16 0,0-1 0,0 0 0,1 1 0,-1-1 0,1 1 0,-1 0 0,0-1 0,1 1 0,-1 0 0,1 0 0,-1 0 0,1 0 0,-1 0 0,0 0 0,1 0 0,-1 1 0,1-1 0,-1 0 0,0 1 0,1-1 0,-1 1 0,0-1 0,3 2 0,-2 0 0,-1 0 0,1 0 0,0 0 0,-1 0 0,1 0 0,-1 0 0,0 0 0,0 1 0,0-1 0,0 0 0,0 1 0,1 3 0,1 8 0,-1 0 0,0 0 0,-1 26 0,-1-34 0,-5 189 0,29-225 0,38-38 0,-43 51 0,59-49 0,-73 62 0,0 1 0,0-1 0,0 1 0,0 1 0,0-1 0,1 1 0,-1 0 0,1 0 0,-1 0 0,1 1 0,0 0 0,0 0 0,9 0 0,-13 1 0,0 0 0,0 1 0,-1-1 0,1 1 0,0-1 0,-1 1 0,1 0 0,0 0 0,-1 0 0,1 0 0,-1 0 0,1 0 0,-1 0 0,0 0 0,1 1 0,-1-1 0,0 0 0,0 1 0,0-1 0,1 3 0,14 38 0,-14-36 0,-1 0 0,1 0 0,1-1 0,-1 1 0,1-1 0,3 7 0,-5-11 0,1 0 0,-1 0 0,0 1 0,0-1 0,0 0 0,1 0 0,-1-1 0,0 1 0,1 0 0,-1 0 0,1-1 0,-1 1 0,1-1 0,-1 1 0,1-1 0,0 1 0,-1-1 0,1 0 0,-1 0 0,1 0 0,0 0 0,-1 0 0,1 0 0,-1-1 0,1 1 0,0 0 0,1-2 0,10-2 0,-1 0 0,0-1 0,0-1 0,0 0 0,-1 0 0,21-16 0,59-60 0,-68 59 0,2 1 0,44-32 0,-67 53 0,0-1 0,0 1 0,0 0 0,0-1 0,0 1 0,0 0 0,0 0 0,1 1 0,-1-1 0,0 0 0,0 1 0,1-1 0,-1 1 0,0 0 0,1 0 0,-1 0 0,0 0 0,1 0 0,-1 0 0,0 1 0,1-1 0,-1 1 0,4 1 0,-3 0 0,-1 0 0,0 0 0,0 1 0,0-1 0,0 0 0,-1 1 0,1-1 0,-1 1 0,1-1 0,-1 1 0,0 0 0,0 0 0,0 0 0,0 0 0,0-1 0,-1 1 0,1 6 0,1 25 0,-2-20 0,0 0 0,2 1 0,-1-1 0,8 24 0,-9-36 0,0 0 0,1-1 0,0 1 0,-1 0 0,1-1 0,0 1 0,0 0 0,0-1 0,0 1 0,0-1 0,0 1 0,1-1 0,-1 0 0,0 0 0,1 1 0,-1-1 0,1 0 0,-1 0 0,1 0 0,-1 0 0,1-1 0,0 1 0,0 0 0,-1-1 0,1 1 0,0-1 0,0 0 0,0 1 0,-1-1 0,1 0 0,0 0 0,0 0 0,0-1 0,0 1 0,-1 0 0,1 0 0,0-1 0,0 0 0,-1 1 0,1-1 0,0 0 0,-1 0 0,3-1 0,4-3 0,0 0 0,0-1 0,0-1 0,-1 1 0,0-1 0,0 0 0,-1-1 0,0 0 0,9-15 0,33-37 0,-44 57 0,-1 0 0,1 0 0,-1 0 0,1 1 0,0-1 0,0 1 0,0 0 0,0 0 0,0 0 0,1 1 0,-1-1 0,0 1 0,8-1 0,-7 2 0,0 0 0,0 1 0,0 0 0,1 0 0,-1 0 0,0 0 0,-1 1 0,1 0 0,0 0 0,0 0 0,-1 1 0,9 5 0,-9-5 0,1 0 0,0 0 0,0-1 0,-1 1 0,2-1 0,-1 0 0,0-1 0,0 1 0,0-1 0,1 0 0,9 0 0,-9-1 0,-1-1 0,1-1 0,-1 1 0,1-1 0,-1 0 0,1 0 0,-1 0 0,0-1 0,0 0 0,0 0 0,-1 0 0,6-5 0,26-15 0,-36 22 0,1 1 0,-1 0 0,1 0 0,-1-1 0,0 1 0,1 0 0,-1 0 0,1 0 0,-1 0 0,1-1 0,-1 1 0,1 0 0,0 0 0,-1 0 0,1 0 0,-1 0 0,1 0 0,-1 1 0,1-1 0,-1 0 0,1 0 0,-1 0 0,1 0 0,-1 0 0,1 1 0,-1-1 0,0 0 0,1 0 0,-1 1 0,1-1 0,-1 0 0,0 1 0,1-1 0,-1 1 0,1 0 0,4 21 0,-11 27 0,-3-20 0,7-23 0,-1 1 0,1 0 0,0 0 0,1-1 0,-1 1 0,1 13 0,37-75 0,23-50 0,-13 29 0,-35 56 0,-17 40 0,-3 6 0,-12 30 0,16-45 0,0 0 0,1 0 0,0 1 0,1-1 0,0 1 0,1 0 0,-2 21 0,9-17 0,2-27 0,3-29 0,-1-32-1365</inkml:trace>
+</inkml:ink>
+</file>
+
+<file path=ppt/ink/ink5.xml><?xml version="1.0" encoding="utf-8"?>
+<inkml:ink xmlns:inkml="http://www.w3.org/2003/InkML">
+  <inkml:definitions>
+    <inkml:context xml:id="ctx0">
+      <inkml:inkSource xml:id="inkSrc0">
+        <inkml:traceFormat>
+          <inkml:channel name="X" type="integer" min="-2.14748E9" max="2.14748E9" units="cm"/>
+          <inkml:channel name="Y" type="integer" min="-2.14748E9" max="2.14748E9" units="cm"/>
+          <inkml:channel name="F" type="integer" max="32767" units="dev"/>
+        </inkml:traceFormat>
+        <inkml:channelProperties>
+          <inkml:channelProperty channel="X" name="resolution" value="1000" units="1/cm"/>
+          <inkml:channelProperty channel="Y" name="resolution" value="1000" units="1/cm"/>
+          <inkml:channelProperty channel="F" name="resolution" value="0" units="1/dev"/>
+        </inkml:channelProperties>
+      </inkml:inkSource>
+      <inkml:timestamp xml:id="ts0" timeString="2023-05-05T17:29:43.895"/>
+    </inkml:context>
+    <inkml:brush xml:id="br0">
+      <inkml:brushProperty name="width" value="0.35" units="cm"/>
+      <inkml:brushProperty name="height" value="0.35" units="cm"/>
+      <inkml:brushProperty name="color" value="#FFFFFF"/>
+    </inkml:brush>
+  </inkml:definitions>
+  <inkml:trace contextRef="#ctx0" brushRef="#br0">0 1 24575,'0'0'-8191</inkml:trace>
+</inkml:ink>
+</file>
+
+<file path=ppt/ink/ink6.xml><?xml version="1.0" encoding="utf-8"?>
+<inkml:ink xmlns:inkml="http://www.w3.org/2003/InkML">
+  <inkml:definitions>
+    <inkml:context xml:id="ctx0">
+      <inkml:inkSource xml:id="inkSrc0">
+        <inkml:traceFormat>
+          <inkml:channel name="X" type="integer" min="-2.14748E9" max="2.14748E9" units="cm"/>
+          <inkml:channel name="Y" type="integer" min="-2.14748E9" max="2.14748E9" units="cm"/>
+          <inkml:channel name="F" type="integer" max="32767" units="dev"/>
+        </inkml:traceFormat>
+        <inkml:channelProperties>
+          <inkml:channelProperty channel="X" name="resolution" value="1000" units="1/cm"/>
+          <inkml:channelProperty channel="Y" name="resolution" value="1000" units="1/cm"/>
+          <inkml:channelProperty channel="F" name="resolution" value="0" units="1/dev"/>
+        </inkml:channelProperties>
+      </inkml:inkSource>
+      <inkml:timestamp xml:id="ts0" timeString="2023-05-05T17:29:54.340"/>
+    </inkml:context>
+    <inkml:brush xml:id="br0">
+      <inkml:brushProperty name="width" value="0.35" units="cm"/>
+      <inkml:brushProperty name="height" value="0.35" units="cm"/>
+      <inkml:brushProperty name="color" value="#FFFFFF"/>
+    </inkml:brush>
+  </inkml:definitions>
+  <inkml:trace contextRef="#ctx0" brushRef="#br0">0 450 24575,'6'0'0,"-1"-1"0,1 1 0,-1-1 0,1 0 0,-1-1 0,0 1 0,1-1 0,-1 0 0,0 0 0,0-1 0,0 1 0,-1-1 0,1 0 0,-1-1 0,1 1 0,-1-1 0,7-7 0,1-5 0,0 0 0,-1-1 0,15-29 0,-18 30 0,1 1 0,0 0 0,20-23 0,-29 38 0,0 0 0,0-1 0,0 1 0,1 0 0,-1 0 0,0 0 0,0-1 0,0 1 0,1 0 0,-1 0 0,0 0 0,1-1 0,-1 1 0,0 0 0,1 0 0,-1 0 0,0 0 0,0 0 0,1 0 0,-1 0 0,0 0 0,1 0 0,-1 0 0,0 0 0,1 0 0,-1 0 0,0 0 0,1 0 0,-1 0 0,0 0 0,1 0 0,-1 0 0,0 0 0,0 1 0,1-1 0,-1 0 0,0 0 0,1 0 0,-1 0 0,0 1 0,0-1 0,0 0 0,1 0 0,-1 1 0,0-1 0,0 0 0,0 0 0,1 1 0,-1-1 0,0 0 0,0 1 0,0-1 0,0 0 0,0 1 0,0-1 0,0 0 0,0 1 0,0-1 0,0 1 0,5 25 0,-4-21 0,0-1 0,-1-1 0,1 1 0,1-1 0,-1 0 0,1 1 0,-1-1 0,1 0 0,0 0 0,0 0 0,0 0 0,0-1 0,1 1 0,-1-1 0,1 1 0,5 3 0,-1-2 0,0 1 0,0-1 0,1-1 0,-1 1 0,1-1 0,12 2 0,5 1 0,1-2 0,0-1 0,31 0 0,-35-3 0,-1-2 0,37-7 0,-42 5 0,-1 1 0,1 1 0,0 1 0,0 0 0,22 2 0,-36-1 0,0 0 0,1 1 0,-1-1 0,0 1 0,0 0 0,1 0 0,-1 0 0,0 0 0,0 0 0,0 0 0,0 0 0,0 1 0,0-1 0,-1 1 0,1-1 0,0 1 0,-1 0 0,1 0 0,-1 0 0,0 0 0,0 0 0,2 4 0,0 2 0,0 1 0,-1-1 0,0 1 0,1 17 0,-3-19 0,0 0 0,1 0 0,1 0 0,-1-1 0,1 1 0,0 0 0,5 11 0,-5-16 0,0 0 0,-1 0 0,1 0 0,0 0 0,0-1 0,0 1 0,0-1 0,0 1 0,1-1 0,-1 0 0,0 1 0,1-1 0,-1 0 0,1-1 0,-1 1 0,1 0 0,-1-1 0,1 1 0,-1-1 0,1 0 0,-1 0 0,1 0 0,0 0 0,-1-1 0,1 1 0,3-1 0,10-3 0,0 1 0,0-2 0,21-9 0,-27 9 0,1 1 0,-1 0 0,1 1 0,0 0 0,0 0 0,0 1 0,0 1 0,0 0 0,19 1 0,-25 1 0,-1 1 0,0-1 0,1 1 0,-1 0 0,0 0 0,0 1 0,-1-1 0,1 1 0,0 0 0,-1 0 0,0 0 0,1 0 0,-1 1 0,0-1 0,-1 1 0,3 4 0,-2-3 0,1 0 0,-1-1 0,1 0 0,-1 0 0,1 0 0,0 0 0,1-1 0,-1 1 0,1-1 0,-1 0 0,10 4 0,-8-5 0,0-1 0,0 0 0,0 0 0,0 0 0,0-1 0,1 1 0,-1-2 0,0 1 0,0-1 0,0 1 0,0-2 0,11-2 0,2-3 0,0-1 0,27-16 0,-34 17 0,0 0 0,1 1 0,-1 0 0,1 1 0,0 1 0,19-4 0,1 7 0,-28 1 0,0 1 0,-1-1 0,1-1 0,0 1 0,-1-1 0,1 0 0,-1 0 0,1 0 0,5-2 0,0-1 0,-1 0 0,0-1 0,0 0 0,-1 0 0,1-1 0,-1 0 0,0-1 0,-1 0 0,9-8 0,-16 15 0,0-1 0,0 1 0,0 0 0,0 0 0,1 0 0,-1 0 0,0-1 0,0 1 0,0 0 0,0 0 0,0 0 0,0-1 0,1 1 0,-1 0 0,0 0 0,0-1 0,0 1 0,0 0 0,0 0 0,0-1 0,0 1 0,0 0 0,0 0 0,0 0 0,0-1 0,0 1 0,0 0 0,0 0 0,0-1 0,-1 1 0,1 0 0,0 0 0,0-1 0,0 1 0,0 0 0,0 0 0,0 0 0,-1-1 0,1 1 0,0 0 0,0 0 0,0 0 0,0 0 0,-1 0 0,1-1 0,0 1 0,-18-2 0,-30 9 0,38-5 0,-94 14 0,-126 4 0,226-19 0,0-1 0,0 0 0,0 0 0,0-1 0,0 1 0,0-1 0,0 0 0,0 0 0,0 0 0,0 0 0,-7-4 0,11 4 0,-1 1 0,1 0 0,0-1 0,-1 1 0,1 0 0,0-1 0,-1 1 0,1-1 0,0 1 0,0 0 0,0-1 0,-1 1 0,1-1 0,0 1 0,0-1 0,0 1 0,0-1 0,0 1 0,0-1 0,0 1 0,0-1 0,0 1 0,0-1 0,0 1 0,0 0 0,0-1 0,1 1 0,-1-1 0,0 1 0,0-1 0,0 1 0,1-1 0,23-21 0,5 3 0,1 1 0,1 2 0,1 1 0,0 1 0,45-12 0,-74 25 0,0 0 0,0 0 0,0 1 0,0-1 0,0 1 0,1 0 0,-1 0 0,0 0 0,0 0 0,0 1 0,0-1 0,1 1 0,-1 0 0,0 0 0,0 0 0,0 0 0,0 0 0,-1 1 0,1 0 0,0-1 0,-1 1 0,1 0 0,-1 0 0,1 0 0,-1 0 0,0 1 0,0-1 0,0 1 0,0-1 0,0 1 0,-1 0 0,1 0 0,-1 0 0,0 0 0,0 0 0,0 0 0,1 6 0,3 12 0,-2 0 0,0 1 0,-1 0 0,-3 34 0,2-15 0,-1-37 0,0 0 0,0 0 0,0 0 0,1 1 0,0-1 0,0 0 0,0 0 0,0 0 0,1 0 0,0-1 0,-1 1 0,1 0 0,1 0 0,-1-1 0,0 0 0,1 1 0,0-1 0,5 4 0,-2-3 0,0 0 0,1-1 0,-1 0 0,1 0 0,0-1 0,-1 0 0,1 0 0,1 0 0,-1-1 0,12 1 0,27 1 0,0-3 0,0-1 0,0-2 0,81-17 0,178-61 0,-196 49 0,-109 32 0,9-3 0,1 0 0,-1 0 0,1 1 0,0 0 0,0 1 0,0 0 0,0 0 0,0 1 0,18 2 0,-26-1 0,-1 0 0,1-1 0,-1 1 0,0 0 0,1 0 0,-1 0 0,0 0 0,1 0 0,-1 0 0,0 0 0,0 0 0,0 0 0,0 1 0,0-1 0,-1 0 0,1 1 0,0-1 0,0 1 0,-1-1 0,1 1 0,-1-1 0,1 1 0,-1-1 0,0 1 0,0-1 0,0 1 0,0-1 0,0 1 0,0 0 0,0-1 0,0 1 0,0-1 0,-1 1 0,1-1 0,-1 1 0,0 1 0,-2 8 0,-1 0 0,0 0 0,-9 17 0,10-24 0,-14 27 0,-2-1 0,-1-1 0,-1-1 0,-2-1 0,-32 32 0,52-56 0,-1 0 0,1 0 0,-1 0 0,1 0 0,-1-1 0,0 1 0,0-1 0,0 0 0,-6 2 0,9-4 0,-1 1 0,1-1 0,0 0 0,0 0 0,-1 0 0,1 0 0,0-1 0,0 1 0,-1 0 0,1 0 0,0-1 0,0 1 0,0-1 0,-1 1 0,1-1 0,0 1 0,0-1 0,0 0 0,0 1 0,0-1 0,0 0 0,0 0 0,0 0 0,1 0 0,-1 0 0,0 0 0,0 0 0,1 0 0,-1 0 0,1 0 0,-1 0 0,1 0 0,-1-1 0,1 1 0,0 0 0,-1 0 0,1-3 0,-3-10 0,1-2 0,0 1 0,1 0 0,1-22 0,1 22 0,-1 1 0,-1-1 0,0 1 0,-1 0 0,-6-21 0,7 31 0,-1 0 0,1 0 0,-1 0 0,0 1 0,0-1 0,-1 1 0,1-1 0,-1 1 0,0 0 0,0 0 0,0 0 0,0 0 0,0 1 0,-1-1 0,1 1 0,-1 0 0,1 0 0,-1 0 0,0 1 0,0-1 0,0 1 0,0 0 0,-6-1 0,-9-2 0,-26-7 0,45 11 0,-1-1 0,1 1 0,0 0 0,0 0 0,0 0 0,-1 0 0,1-1 0,0 1 0,0 0 0,0 0 0,-1-1 0,1 1 0,0 0 0,0 0 0,0-1 0,0 1 0,0 0 0,0 0 0,0-1 0,0 1 0,0 0 0,0-1 0,0 1 0,0 0 0,0 0 0,0-1 0,0 1 0,0 0 0,0-1 0,0 1 0,0 0 0,0 0 0,0-1 0,0 1 0,0 0 0,1 0 0,-1-1 0,0 1 0,0 0 0,0 0 0,1-1 0,13-13 0,19-9 0,-32 23 0,54-30 0,22-14 0,-70 39 0,0-1 0,0 1 0,1 0 0,-1 1 0,1-1 0,0 1 0,12-4 0,-18 8 0,-1 0 0,0-1 0,1 1 0,-1 0 0,0 0 0,1 0 0,-1 0 0,0 0 0,1 0 0,-1 0 0,0 1 0,1-1 0,-1 1 0,0-1 0,0 0 0,1 1 0,-1 0 0,0-1 0,2 3 0,-1-1 0,0 0 0,-1 0 0,1 0 0,-1 0 0,0 0 0,1 1 0,-1-1 0,0 0 0,0 1 0,-1-1 0,1 1 0,0-1 0,-1 1 0,1 3 0,1 21 0,-2 1 0,-2 35 0,0-43 0,1 0 0,0 0 0,2-1 0,1 1 0,7 37 0,-9-56 0,0 1 0,1-1 0,-1 1 0,1-1 0,0 0 0,-1 1 0,1-1 0,0 0 0,0 0 0,0 1 0,0-1 0,0 0 0,0 0 0,0 0 0,0 0 0,0 0 0,0 0 0,0-1 0,1 1 0,-1 0 0,0-1 0,1 1 0,-1-1 0,1 1 0,-1-1 0,1 1 0,-1-1 0,1 0 0,-1 0 0,0 0 0,1 0 0,-1 0 0,1 0 0,-1 0 0,3-1 0,3-1 0,-1 0 0,1 0 0,0-1 0,-1 1 0,1-2 0,9-5 0,23-19 0,-1-1 0,65-63 0,57-80 0,-123 127 0,-36 44 0,-1 1 0,1-1 0,-1 1 0,1-1 0,-1 1 0,1-1 0,-1 1 0,1-1 0,-1 1 0,1-1 0,-1 0 0,0 1 0,1-1 0,-1 0 0,0 1 0,1-1 0,-1 0 0,0 1 0,0-1 0,0 0 0,0 0 0,0 1 0,0-1 0,0 0 0,0 0 0,0 1 0,0-1 0,0 0 0,0 1 0,-1-1 0,1 0 0,0 0 0,0 1 0,-1-1 0,1 0 0,-1 1 0,1-1 0,0 1 0,-1-1 0,1 1 0,-1-1 0,1 1 0,-1-1 0,0 1 0,1-1 0,-1 1 0,1-1 0,-1 1 0,0 0 0,1-1 0,-1 1 0,0 0 0,0 0 0,1 0 0,-1-1 0,0 1 0,1 0 0,-1 0 0,0 0 0,0 0 0,1 0 0,-1 0 0,0 1 0,0-1 0,-1 0 0,-61 8 0,55-7 0,-74 18 0,-104 38 0,101-28 0,-95 18 0,167-45 0,-1 1 0,1-2 0,-1 0 0,1-1 0,-22-2 0,31 2 0,1-1 0,-1 1 0,0-1 0,0 0 0,0 0 0,1-1 0,-1 1 0,0-1 0,1 0 0,-1 0 0,1 0 0,0 0 0,0-1 0,0 1 0,0-1 0,0 0 0,0 0 0,1 0 0,0 0 0,-1 0 0,1-1 0,0 1 0,-2-7 0,0 0 0,0-1 0,1 1 0,1-1 0,0 0 0,0 0 0,1 0 0,1 0 0,0 0 0,0 0 0,1 0 0,0 0 0,1 0 0,0 1 0,1-1 0,0 1 0,1-1 0,0 1 0,8-15 0,-4 13 0,1-1 0,0 1 0,0 1 0,1 0 0,1 0 0,0 1 0,0 0 0,1 1 0,0 0 0,1 1 0,0 0 0,0 1 0,15-5 0,-16 6 0,1 2 0,0-1 0,0 2 0,0-1 0,0 2 0,0 0 0,1 0 0,-1 2 0,1-1 0,-1 2 0,1 0 0,-1 0 0,0 1 0,1 1 0,-1 0 0,0 1 0,-1 0 0,1 1 0,-1 1 0,0 0 0,0 0 0,17 13 0,58 42 0,-43-30 0,2-1 0,81 40 0,-121-68 0,0 1 0,1 0 0,-1 0 0,0 0 0,0 1 0,-1 0 0,1 0 0,-1 0 0,0 1 0,0-1 0,0 1 0,-1 1 0,0-1 0,0 1 0,0-1 0,-1 1 0,1 0 0,-1 0 0,-1 1 0,1-1 0,-1 1 0,0-1 0,-1 1 0,0 0 0,0-1 0,0 1 0,-1 0 0,1 0 0,-2 0 0,1 0 0,-1-1 0,0 1 0,-3 10 0,-1 0 0,-1 1 0,0-1 0,-1 0 0,-1 0 0,-1-1 0,0 0 0,-1-1 0,-1 0 0,0 0 0,-1-1 0,-20 18 0,31-31 0,-1 1 0,1-1 0,0 1 0,-1-1 0,1 0 0,0 0 0,-1 1 0,0-1 0,1 0 0,-1 0 0,0-1 0,1 1 0,-1 0 0,0 0 0,0-1 0,0 1 0,0-1 0,0 0 0,1 1 0,-1-1 0,-4 0 0,6-1 0,-1 1 0,1 0 0,0-1 0,-1 1 0,1 0 0,0-1 0,-1 1 0,1-1 0,0 1 0,-1-1 0,1 1 0,0 0 0,0-1 0,0 1 0,-1-1 0,1 1 0,0-1 0,0 1 0,0-1 0,0 0 0,0 1 0,0-1 0,0 1 0,0-1 0,0 1 0,0-1 0,11-27 0,82-118 0,54-148 0,-147 294 0,0-1 0,1 1 0,-1-1 0,0 1 0,0-1 0,0 0 0,0 1 0,1-1 0,-1 1 0,0 0 0,1-1 0,-1 1 0,0-1 0,1 1 0,-1-1 0,0 1 0,1 0 0,-1-1 0,1 1 0,-1 0 0,1-1 0,-1 1 0,1 0 0,-1 0 0,1-1 0,-1 1 0,2 0 0,2 14 0,-3 34 0,-2-43 0,-3 74 0,1-35 0,5 89 0,-2-132 0,0-1 0,0 1 0,0-1 0,0 1 0,0-1 0,0 1 0,0-1 0,1 1 0,-1-1 0,0 1 0,0-1 0,0 0 0,0 1 0,1-1 0,-1 1 0,0-1 0,1 1 0,-1-1 0,0 0 0,0 1 0,1-1 0,-1 0 0,1 1 0,-1-1 0,0 0 0,1 1 0,-1-1 0,1 0 0,-1 0 0,1 0 0,-1 1 0,1-1 0,-1 0 0,1 0 0,-1 0 0,0 0 0,1 0 0,-1 0 0,1 0 0,-1 0 0,1 0 0,-1 0 0,1 0 0,-1 0 0,1 0 0,-1-1 0,1 1 0,-1 0 0,1 0 0,-1 0 0,1-1 0,-1 1 0,0 0 0,1-1 0,-1 1 0,1 0 0,-1-1 0,0 1 0,1 0 0,-1-1 0,0 0 0,24-22 0,-17 13 0,29-32 0,-36 42 0,1-1 0,0 0 0,-1 1 0,1-1 0,0 1 0,0-1 0,-1 1 0,1-1 0,0 1 0,0 0 0,0-1 0,0 1 0,-1 0 0,1 0 0,0-1 0,0 1 0,0 0 0,0 0 0,0 0 0,0 0 0,0 0 0,-1 0 0,1 0 0,0 1 0,0-1 0,0 0 0,0 0 0,0 1 0,0-1 0,-1 0 0,1 1 0,0-1 0,0 1 0,-1-1 0,1 1 0,0 0 0,-1-1 0,1 1 0,0 0 0,-1-1 0,1 1 0,-1 0 0,1 0 0,-1-1 0,1 1 0,-1 0 0,0 0 0,1 0 0,-1 1 0,3 6 0,-1 1 0,0-1 0,0 0 0,-1 1 0,0-1 0,-1 16 0,0-17 0,0 1 0,0-1 0,1 1 0,0-1 0,1 1 0,-1-1 0,1 0 0,4 10 0,-5-16 0,-1 0 0,0-1 0,1 1 0,-1 0 0,0 0 0,1-1 0,-1 1 0,1 0 0,0 0 0,-1-1 0,1 1 0,-1 0 0,1-1 0,0 1 0,0-1 0,-1 1 0,1-1 0,0 1 0,0-1 0,0 0 0,-1 1 0,1-1 0,0 0 0,0 0 0,0 0 0,0 1 0,0-1 0,-1 0 0,3 0 0,-1-1 0,0 0 0,0 0 0,-1 0 0,1 0 0,0 0 0,0 0 0,-1 0 0,1 0 0,-1-1 0,1 1 0,-1-1 0,3-2 0,31-55 0,-33 56 0,100-241 0,-101 242 0,-1 0 0,1 1 0,0-1 0,0 0 0,0 1 0,-1-1 0,1 1 0,1-1 0,-1 1 0,0 0 0,0-1 0,0 1 0,1 0 0,-1 0 0,3-2 0,-4 3 0,1 1 0,-1-1 0,1 0 0,-1 0 0,1 1 0,-1-1 0,1 0 0,-1 1 0,1-1 0,-1 0 0,0 1 0,1-1 0,-1 1 0,0-1 0,1 1 0,-1-1 0,0 1 0,1-1 0,-1 1 0,0-1 0,0 1 0,0-1 0,1 1 0,-1-1 0,0 1 0,0 0 0,0-1 0,0 1 0,0 0 0,3 65 0,-3-58 0,0 77 0,0-85 0,0 1 0,0-1 0,0 1 0,1-1 0,-1 0 0,0 1 0,0-1 0,0 1 0,0-1 0,0 0 0,0 1 0,1-1 0,-1 1 0,0-1 0,0 0 0,1 1 0,-1-1 0,0 0 0,0 1 0,1-1 0,-1 0 0,0 1 0,1-1 0,-1 0 0,0 0 0,1 0 0,-1 1 0,1-1 0,-1 0 0,0 0 0,1 0 0,-1 0 0,1 0 0,-1 0 0,1 0 0,-1 0 0,0 0 0,1 0 0,-1 0 0,1 0 0,-1 0 0,1 0 0,-1 0 0,0 0 0,1 0 0,-1 0 0,1-1 0,22-12 0,-20 10 0,19-14 0,-1-1 0,26-28 0,-25 23 0,34-27 0,-55 50 0,0-1 0,-1 0 0,1 1 0,0-1 0,0 0 0,-1 1 0,1-1 0,0 1 0,0-1 0,0 1 0,0 0 0,0-1 0,0 1 0,0 0 0,0 0 0,0-1 0,0 1 0,0 0 0,0 0 0,1 0 0,1 15 0,-16 27 0,13-41 0,-15 35 0,-2 0 0,-1 0 0,-2-2 0,-1 0 0,-45 53 0,91-116 0,-25 28 0,1 0 0,0 1 0,-1-1 0,1 0 0,0 0 0,0 0 0,0 1 0,-1-1 0,1 0 0,0 1 0,0-1 0,0 1 0,0-1 0,0 1 0,0 0 0,0-1 0,0 1 0,0 0 0,0-1 0,0 1 0,1 0 0,-1 0 0,0 0 0,0 0 0,0 0 0,0 0 0,0 1 0,0-1 0,0 0 0,0 0 0,0 1 0,0-1 0,0 1 0,0-1 0,0 1 0,0-1 0,0 1 0,0 0 0,0-1 0,-1 1 0,1 0 0,0 0 0,1 1 0,-1 0 0,0 0 0,0 0 0,1 0 0,-1-1 0,0 1 0,1 0 0,0-1 0,-1 1 0,1-1 0,0 1 0,0-1 0,0 0 0,-1 0 0,1 0 0,1 0 0,-1 0 0,0 0 0,0-1 0,0 1 0,0-1 0,0 1 0,1-1 0,-1 0 0,0 0 0,0 0 0,1 0 0,-1 0 0,0 0 0,0-1 0,0 1 0,1-1 0,1-1 0,0 1 0,0-1 0,0 0 0,-1-1 0,1 1 0,-1-1 0,1 1 0,-1-1 0,0 0 0,0 0 0,-1 0 0,1-1 0,0 1 0,-1-1 0,0 1 0,0-1 0,3-7 0,-3 4 0,-1 1 0,0-1 0,0 0 0,0 0 0,-1 0 0,1 0 0,-2 0 0,1 0 0,-1 0 0,0 0 0,-3-8 0,-27-76 0,24 76 0,0-8 0,0-1 0,1 0 0,2 0 0,-3-39 0,3 22 0,2 33-76,0 0 1,0 0-1,0 1 0,-1-1 0,0 1 0,0 0 0,-1-1 0,0 1 1,0 1-1,-1-1 0,0 1 0,0 0 0,-1 0 0,1 0 1,-1 1-1,0-1 0,-14-7 0</inkml:trace>
+</inkml:ink>
+</file>
+
+<file path=ppt/ink/ink7.xml><?xml version="1.0" encoding="utf-8"?>
+<inkml:ink xmlns:inkml="http://www.w3.org/2003/InkML">
+  <inkml:definitions>
+    <inkml:context xml:id="ctx0">
+      <inkml:inkSource xml:id="inkSrc0">
+        <inkml:traceFormat>
+          <inkml:channel name="X" type="integer" min="-2.14748E9" max="2.14748E9" units="cm"/>
+          <inkml:channel name="Y" type="integer" min="-2.14748E9" max="2.14748E9" units="cm"/>
+          <inkml:channel name="F" type="integer" max="32767" units="dev"/>
+        </inkml:traceFormat>
+        <inkml:channelProperties>
+          <inkml:channelProperty channel="X" name="resolution" value="1000" units="1/cm"/>
+          <inkml:channelProperty channel="Y" name="resolution" value="1000" units="1/cm"/>
+          <inkml:channelProperty channel="F" name="resolution" value="0" units="1/dev"/>
+        </inkml:channelProperties>
+      </inkml:inkSource>
+      <inkml:timestamp xml:id="ts0" timeString="2023-05-05T17:29:57.169"/>
+    </inkml:context>
+    <inkml:brush xml:id="br0">
+      <inkml:brushProperty name="width" value="0.35" units="cm"/>
+      <inkml:brushProperty name="height" value="0.35" units="cm"/>
+      <inkml:brushProperty name="color" value="#FFFFFF"/>
+    </inkml:brush>
+  </inkml:definitions>
+  <inkml:trace contextRef="#ctx0" brushRef="#br0">1 1 24575,'0'0'-8191</inkml:trace>
+</inkml:ink>
+</file>
+
+<file path=ppt/ink/ink8.xml><?xml version="1.0" encoding="utf-8"?>
+<inkml:ink xmlns:inkml="http://www.w3.org/2003/InkML">
+  <inkml:definitions>
+    <inkml:context xml:id="ctx0">
+      <inkml:inkSource xml:id="inkSrc0">
+        <inkml:traceFormat>
+          <inkml:channel name="X" type="integer" min="-2.14748E9" max="2.14748E9" units="cm"/>
+          <inkml:channel name="Y" type="integer" min="-2.14748E9" max="2.14748E9" units="cm"/>
+        </inkml:traceFormat>
+        <inkml:channelProperties>
+          <inkml:channelProperty channel="X" name="resolution" value="1000" units="1/cm"/>
+          <inkml:channelProperty channel="Y" name="resolution" value="1000" units="1/cm"/>
+        </inkml:channelProperties>
+      </inkml:inkSource>
+      <inkml:timestamp xml:id="ts0" timeString="2023-05-05T17:32:36.651"/>
+    </inkml:context>
+    <inkml:brush xml:id="br0">
+      <inkml:brushProperty name="width" value="0.4" units="cm"/>
+      <inkml:brushProperty name="height" value="0.8" units="cm"/>
+      <inkml:brushProperty name="color" value="#C0E494"/>
+      <inkml:brushProperty name="tip" value="rectangle"/>
+      <inkml:brushProperty name="rasterOp" value="maskPen"/>
+      <inkml:brushProperty name="ignorePressure" value="1"/>
+    </inkml:brush>
+  </inkml:definitions>
+  <inkml:trace contextRef="#ctx0" brushRef="#br0">0 0,'4447'0,"-4408"0</inkml:trace>
+</inkml:ink>
+</file>
+
+<file path=ppt/ink/ink9.xml><?xml version="1.0" encoding="utf-8"?>
+<inkml:ink xmlns:inkml="http://www.w3.org/2003/InkML">
+  <inkml:definitions>
+    <inkml:context xml:id="ctx0">
+      <inkml:inkSource xml:id="inkSrc0">
+        <inkml:traceFormat>
+          <inkml:channel name="X" type="integer" min="-2.14748E9" max="2.14748E9" units="cm"/>
+          <inkml:channel name="Y" type="integer" min="-2.14748E9" max="2.14748E9" units="cm"/>
+          <inkml:channel name="F" type="integer" max="32767" units="dev"/>
+        </inkml:traceFormat>
+        <inkml:channelProperties>
+          <inkml:channelProperty channel="X" name="resolution" value="1000" units="1/cm"/>
+          <inkml:channelProperty channel="Y" name="resolution" value="1000" units="1/cm"/>
+          <inkml:channelProperty channel="F" name="resolution" value="0" units="1/dev"/>
+        </inkml:channelProperties>
+      </inkml:inkSource>
+      <inkml:timestamp xml:id="ts0" timeString="2023-05-05T17:30:06.335"/>
+    </inkml:context>
+    <inkml:brush xml:id="br0">
+      <inkml:brushProperty name="width" value="0.35" units="cm"/>
+      <inkml:brushProperty name="height" value="0.35" units="cm"/>
+      <inkml:brushProperty name="color" value="#FFFFFF"/>
+    </inkml:brush>
+  </inkml:definitions>
+  <inkml:trace contextRef="#ctx0" brushRef="#br0">0 0 24575,'18'16'0,"0"0"0,2-2 0,-1 0 0,2-2 0,0 0 0,0-1 0,39 13 0,-52-21 0,1-1 0,-1 1 0,1-2 0,0 1 0,0-1 0,-1-1 0,1 0 0,0 0 0,0-1 0,9-1 0,-5-1 0,0-1 0,0-1 0,0 0 0,-1-1 0,22-13 0,-25 14 0,1 0 0,-1 1 0,1 0 0,0 0 0,0 1 0,0 0 0,1 1 0,-1 0 0,1 1 0,13-1 0,-2 3 0,0 1 0,0 1 0,40 10 0,3-1 0,0-4 0,0-2 0,1-4 0,76-5 0,-29 0 0,-26 1 0,114 4 0,-170 3 0,45 11 0,-48-9 0,0-1 0,34 3 0,426-5 0,-251-7 0,425 3-1365</inkml:trace>
+</inkml:ink>
+</file>
+
 <file path=ppt/slideLayouts/slideLayout1.xml><?xml version="1.0" encoding="utf-8"?>
 <p:sldLayout xmlns:a="http://schemas.openxmlformats.org/drawingml/2006/main" xmlns:r="http://schemas.openxmlformats.org/officeDocument/2006/relationships" xmlns:p="http://schemas.openxmlformats.org/presentationml/2006/main" type="title" preserve="1">
   <p:cSld name="제목 슬라이드">
@@ -318,7 +1086,7 @@
           <a:p>
             <a:fld id="{96DFF08F-DC6B-4601-B491-B0F83F6DD2DA}" type="datetimeFigureOut">
               <a:rPr lang="en-US" smtClean="0"/>
-              <a:t>4/30/2023</a:t>
+              <a:t>5/6/2023</a:t>
             </a:fld>
             <a:endParaRPr lang="en-US" dirty="0"/>
           </a:p>
@@ -539,7 +1307,7 @@
           <a:p>
             <a:fld id="{96DFF08F-DC6B-4601-B491-B0F83F6DD2DA}" type="datetimeFigureOut">
               <a:rPr lang="en-US" smtClean="0"/>
-              <a:t>4/30/2023</a:t>
+              <a:t>5/6/2023</a:t>
             </a:fld>
             <a:endParaRPr lang="en-US" dirty="0"/>
           </a:p>
@@ -719,7 +1487,7 @@
           <a:p>
             <a:fld id="{96DFF08F-DC6B-4601-B491-B0F83F6DD2DA}" type="datetimeFigureOut">
               <a:rPr lang="en-US" smtClean="0"/>
-              <a:t>4/30/2023</a:t>
+              <a:t>5/6/2023</a:t>
             </a:fld>
             <a:endParaRPr lang="en-US" dirty="0"/>
           </a:p>
@@ -889,7 +1657,7 @@
           <a:p>
             <a:fld id="{96DFF08F-DC6B-4601-B491-B0F83F6DD2DA}" type="datetimeFigureOut">
               <a:rPr lang="en-US" smtClean="0"/>
-              <a:t>4/30/2023</a:t>
+              <a:t>5/6/2023</a:t>
             </a:fld>
             <a:endParaRPr lang="en-US" dirty="0"/>
           </a:p>
@@ -1140,7 +1908,7 @@
           <a:p>
             <a:fld id="{96DFF08F-DC6B-4601-B491-B0F83F6DD2DA}" type="datetimeFigureOut">
               <a:rPr lang="en-US" smtClean="0"/>
-              <a:t>4/30/2023</a:t>
+              <a:t>5/6/2023</a:t>
             </a:fld>
             <a:endParaRPr lang="en-US" dirty="0"/>
           </a:p>
@@ -1463,7 +2231,7 @@
           <a:p>
             <a:fld id="{96DFF08F-DC6B-4601-B491-B0F83F6DD2DA}" type="datetimeFigureOut">
               <a:rPr lang="en-US" smtClean="0"/>
-              <a:t>4/30/2023</a:t>
+              <a:t>5/6/2023</a:t>
             </a:fld>
             <a:endParaRPr lang="en-US" dirty="0"/>
           </a:p>
@@ -1887,7 +2655,7 @@
           <a:p>
             <a:fld id="{96DFF08F-DC6B-4601-B491-B0F83F6DD2DA}" type="datetimeFigureOut">
               <a:rPr lang="en-US" smtClean="0"/>
-              <a:t>4/30/2023</a:t>
+              <a:t>5/6/2023</a:t>
             </a:fld>
             <a:endParaRPr lang="en-US" dirty="0"/>
           </a:p>
@@ -2005,7 +2773,7 @@
           <a:p>
             <a:fld id="{96DFF08F-DC6B-4601-B491-B0F83F6DD2DA}" type="datetimeFigureOut">
               <a:rPr lang="en-US" smtClean="0"/>
-              <a:t>4/30/2023</a:t>
+              <a:t>5/6/2023</a:t>
             </a:fld>
             <a:endParaRPr lang="en-US" dirty="0"/>
           </a:p>
@@ -2100,7 +2868,7 @@
           <a:p>
             <a:fld id="{96DFF08F-DC6B-4601-B491-B0F83F6DD2DA}" type="datetimeFigureOut">
               <a:rPr lang="en-US" smtClean="0"/>
-              <a:t>4/30/2023</a:t>
+              <a:t>5/6/2023</a:t>
             </a:fld>
             <a:endParaRPr lang="en-US" dirty="0"/>
           </a:p>
@@ -2390,7 +3158,7 @@
           <a:p>
             <a:fld id="{96DFF08F-DC6B-4601-B491-B0F83F6DD2DA}" type="datetimeFigureOut">
               <a:rPr lang="en-US" smtClean="0"/>
-              <a:t>4/30/2023</a:t>
+              <a:t>5/6/2023</a:t>
             </a:fld>
             <a:endParaRPr lang="en-US" dirty="0"/>
           </a:p>
@@ -2662,7 +3430,7 @@
           <a:p>
             <a:fld id="{96DFF08F-DC6B-4601-B491-B0F83F6DD2DA}" type="datetimeFigureOut">
               <a:rPr lang="en-US" smtClean="0"/>
-              <a:t>4/30/2023</a:t>
+              <a:t>5/6/2023</a:t>
             </a:fld>
             <a:endParaRPr lang="en-US" dirty="0"/>
           </a:p>
@@ -2917,7 +3685,7 @@
             <a:fld id="{96DFF08F-DC6B-4601-B491-B0F83F6DD2DA}" type="datetimeFigureOut">
               <a:rPr lang="en-US" smtClean="0"/>
               <a:pPr/>
-              <a:t>4/30/2023</a:t>
+              <a:t>5/6/2023</a:t>
             </a:fld>
             <a:endParaRPr lang="en-US" dirty="0"/>
           </a:p>
@@ -3542,6 +4310,698 @@
           <p:cNvPr id="3" name="그림 2">
             <a:extLst>
               <a:ext uri="{FF2B5EF4-FFF2-40B4-BE49-F238E27FC236}">
+                <a16:creationId xmlns:a16="http://schemas.microsoft.com/office/drawing/2014/main" id="{3DD0B385-67DE-C44E-06FB-00049153FF01}"/>
+              </a:ext>
+            </a:extLst>
+          </p:cNvPr>
+          <p:cNvPicPr>
+            <a:picLocks noChangeAspect="1"/>
+          </p:cNvPicPr>
+          <p:nvPr/>
+        </p:nvPicPr>
+        <p:blipFill>
+          <a:blip r:embed="rId2"/>
+          <a:stretch>
+            <a:fillRect/>
+          </a:stretch>
+        </p:blipFill>
+        <p:spPr>
+          <a:xfrm>
+            <a:off x="437359" y="456434"/>
+            <a:ext cx="11230177" cy="2401065"/>
+          </a:xfrm>
+          <a:prstGeom prst="rect">
+            <a:avLst/>
+          </a:prstGeom>
+        </p:spPr>
+      </p:pic>
+      <p:pic>
+        <p:nvPicPr>
+          <p:cNvPr id="5" name="그림 4">
+            <a:extLst>
+              <a:ext uri="{FF2B5EF4-FFF2-40B4-BE49-F238E27FC236}">
+                <a16:creationId xmlns:a16="http://schemas.microsoft.com/office/drawing/2014/main" id="{F3D87695-EA7F-E48A-65A9-3D8F9B6CB47A}"/>
+              </a:ext>
+            </a:extLst>
+          </p:cNvPr>
+          <p:cNvPicPr>
+            <a:picLocks noChangeAspect="1"/>
+          </p:cNvPicPr>
+          <p:nvPr/>
+        </p:nvPicPr>
+        <p:blipFill>
+          <a:blip r:embed="rId3"/>
+          <a:stretch>
+            <a:fillRect/>
+          </a:stretch>
+        </p:blipFill>
+        <p:spPr>
+          <a:xfrm>
+            <a:off x="437359" y="2988126"/>
+            <a:ext cx="11332775" cy="3037115"/>
+          </a:xfrm>
+          <a:prstGeom prst="rect">
+            <a:avLst/>
+          </a:prstGeom>
+        </p:spPr>
+      </p:pic>
+      <mc:AlternateContent xmlns:mc="http://schemas.openxmlformats.org/markup-compatibility/2006">
+        <mc:Choice xmlns:p14="http://schemas.microsoft.com/office/powerpoint/2010/main" Requires="p14">
+          <p:contentPart p14:bwMode="auto" r:id="rId4">
+            <p14:nvContentPartPr>
+              <p14:cNvPr id="2" name="잉크 1">
+                <a:extLst>
+                  <a:ext uri="{FF2B5EF4-FFF2-40B4-BE49-F238E27FC236}">
+                    <a16:creationId xmlns:a16="http://schemas.microsoft.com/office/drawing/2014/main" id="{76CF3197-40FB-CEAB-B5DB-D7EFDFBC963F}"/>
+                  </a:ext>
+                </a:extLst>
+              </p14:cNvPr>
+              <p14:cNvContentPartPr/>
+              <p14:nvPr/>
+            </p14:nvContentPartPr>
+            <p14:xfrm>
+              <a:off x="4946734" y="3149846"/>
+              <a:ext cx="1913040" cy="329040"/>
+            </p14:xfrm>
+          </p:contentPart>
+        </mc:Choice>
+        <mc:Fallback>
+          <p:pic>
+            <p:nvPicPr>
+              <p:cNvPr id="2" name="잉크 1">
+                <a:extLst>
+                  <a:ext uri="{FF2B5EF4-FFF2-40B4-BE49-F238E27FC236}">
+                    <a16:creationId xmlns:a16="http://schemas.microsoft.com/office/drawing/2014/main" id="{76CF3197-40FB-CEAB-B5DB-D7EFDFBC963F}"/>
+                  </a:ext>
+                </a:extLst>
+              </p:cNvPr>
+              <p:cNvPicPr/>
+              <p:nvPr/>
+            </p:nvPicPr>
+            <p:blipFill>
+              <a:blip r:embed="rId5"/>
+              <a:stretch>
+                <a:fillRect/>
+              </a:stretch>
+            </p:blipFill>
+            <p:spPr>
+              <a:xfrm>
+                <a:off x="4884094" y="3087206"/>
+                <a:ext cx="2038680" cy="454680"/>
+              </a:xfrm>
+              <a:prstGeom prst="rect">
+                <a:avLst/>
+              </a:prstGeom>
+            </p:spPr>
+          </p:pic>
+        </mc:Fallback>
+      </mc:AlternateContent>
+      <mc:AlternateContent xmlns:mc="http://schemas.openxmlformats.org/markup-compatibility/2006">
+        <mc:Choice xmlns:p14="http://schemas.microsoft.com/office/powerpoint/2010/main" Requires="p14">
+          <p:contentPart p14:bwMode="auto" r:id="rId6">
+            <p14:nvContentPartPr>
+              <p14:cNvPr id="4" name="잉크 3">
+                <a:extLst>
+                  <a:ext uri="{FF2B5EF4-FFF2-40B4-BE49-F238E27FC236}">
+                    <a16:creationId xmlns:a16="http://schemas.microsoft.com/office/drawing/2014/main" id="{013AF6B8-88EE-29B9-3FE3-D880F40AFD1B}"/>
+                  </a:ext>
+                </a:extLst>
+              </p14:cNvPr>
+              <p14:cNvContentPartPr/>
+              <p14:nvPr/>
+            </p14:nvContentPartPr>
+            <p14:xfrm>
+              <a:off x="4881574" y="4519286"/>
+              <a:ext cx="1985760" cy="590040"/>
+            </p14:xfrm>
+          </p:contentPart>
+        </mc:Choice>
+        <mc:Fallback>
+          <p:pic>
+            <p:nvPicPr>
+              <p:cNvPr id="4" name="잉크 3">
+                <a:extLst>
+                  <a:ext uri="{FF2B5EF4-FFF2-40B4-BE49-F238E27FC236}">
+                    <a16:creationId xmlns:a16="http://schemas.microsoft.com/office/drawing/2014/main" id="{013AF6B8-88EE-29B9-3FE3-D880F40AFD1B}"/>
+                  </a:ext>
+                </a:extLst>
+              </p:cNvPr>
+              <p:cNvPicPr/>
+              <p:nvPr/>
+            </p:nvPicPr>
+            <p:blipFill>
+              <a:blip r:embed="rId7"/>
+              <a:stretch>
+                <a:fillRect/>
+              </a:stretch>
+            </p:blipFill>
+            <p:spPr>
+              <a:xfrm>
+                <a:off x="4818934" y="4456646"/>
+                <a:ext cx="2111400" cy="715680"/>
+              </a:xfrm>
+              <a:prstGeom prst="rect">
+                <a:avLst/>
+              </a:prstGeom>
+            </p:spPr>
+          </p:pic>
+        </mc:Fallback>
+      </mc:AlternateContent>
+    </p:spTree>
+    <p:extLst>
+      <p:ext uri="{BB962C8B-B14F-4D97-AF65-F5344CB8AC3E}">
+        <p14:creationId xmlns:p14="http://schemas.microsoft.com/office/powerpoint/2010/main" val="3782248721"/>
+      </p:ext>
+    </p:extLst>
+  </p:cSld>
+  <p:clrMapOvr>
+    <a:masterClrMapping/>
+  </p:clrMapOvr>
+</p:sld>
+</file>
+
+<file path=ppt/slides/slide11.xml><?xml version="1.0" encoding="utf-8"?>
+<p:sld xmlns:a="http://schemas.openxmlformats.org/drawingml/2006/main" xmlns:r="http://schemas.openxmlformats.org/officeDocument/2006/relationships" xmlns:p="http://schemas.openxmlformats.org/presentationml/2006/main">
+  <p:cSld>
+    <p:spTree>
+      <p:nvGrpSpPr>
+        <p:cNvPr id="1" name=""/>
+        <p:cNvGrpSpPr/>
+        <p:nvPr/>
+      </p:nvGrpSpPr>
+      <p:grpSpPr>
+        <a:xfrm>
+          <a:off x="0" y="0"/>
+          <a:ext cx="0" cy="0"/>
+          <a:chOff x="0" y="0"/>
+          <a:chExt cx="0" cy="0"/>
+        </a:xfrm>
+      </p:grpSpPr>
+      <p:sp>
+        <p:nvSpPr>
+          <p:cNvPr id="2" name="TextBox 1">
+            <a:extLst>
+              <a:ext uri="{FF2B5EF4-FFF2-40B4-BE49-F238E27FC236}">
+                <a16:creationId xmlns:a16="http://schemas.microsoft.com/office/drawing/2014/main" id="{6D5E47BA-144B-6E25-E282-8F211ABD5221}"/>
+              </a:ext>
+            </a:extLst>
+          </p:cNvPr>
+          <p:cNvSpPr txBox="1"/>
+          <p:nvPr/>
+        </p:nvSpPr>
+        <p:spPr>
+          <a:xfrm>
+            <a:off x="1139371" y="2610838"/>
+            <a:ext cx="9913258" cy="830997"/>
+          </a:xfrm>
+          <a:prstGeom prst="rect">
+            <a:avLst/>
+          </a:prstGeom>
+          <a:noFill/>
+        </p:spPr>
+        <p:txBody>
+          <a:bodyPr wrap="square" rtlCol="0">
+            <a:spAutoFit/>
+          </a:bodyPr>
+          <a:lstStyle/>
+          <a:p>
+            <a:pPr algn="ctr"/>
+            <a:r>
+              <a:rPr lang="en-US" altLang="ko-KR" sz="4800" b="1" dirty="0">
+                <a:solidFill>
+                  <a:schemeClr val="accent1"/>
+                </a:solidFill>
+                <a:latin typeface="+mn-ea"/>
+              </a:rPr>
+              <a:t>&lt; if</a:t>
+            </a:r>
+            <a:r>
+              <a:rPr lang="ko-KR" altLang="en-US" sz="4800" b="1" dirty="0">
+                <a:solidFill>
+                  <a:schemeClr val="accent1"/>
+                </a:solidFill>
+                <a:latin typeface="+mn-ea"/>
+              </a:rPr>
+              <a:t>문의 블록구조 </a:t>
+            </a:r>
+            <a:r>
+              <a:rPr lang="en-US" altLang="ko-KR" sz="4800" b="1" dirty="0">
+                <a:solidFill>
+                  <a:schemeClr val="accent1"/>
+                </a:solidFill>
+                <a:latin typeface="+mn-ea"/>
+              </a:rPr>
+              <a:t>&gt;</a:t>
+            </a:r>
+            <a:endParaRPr lang="ko-KR" altLang="en-US" sz="4800" b="1" dirty="0">
+              <a:solidFill>
+                <a:schemeClr val="accent1"/>
+              </a:solidFill>
+              <a:latin typeface="+mn-ea"/>
+            </a:endParaRPr>
+          </a:p>
+        </p:txBody>
+      </p:sp>
+    </p:spTree>
+    <p:extLst>
+      <p:ext uri="{BB962C8B-B14F-4D97-AF65-F5344CB8AC3E}">
+        <p14:creationId xmlns:p14="http://schemas.microsoft.com/office/powerpoint/2010/main" val="3367156157"/>
+      </p:ext>
+    </p:extLst>
+  </p:cSld>
+  <p:clrMapOvr>
+    <a:masterClrMapping/>
+  </p:clrMapOvr>
+</p:sld>
+</file>
+
+<file path=ppt/slides/slide12.xml><?xml version="1.0" encoding="utf-8"?>
+<p:sld xmlns:a="http://schemas.openxmlformats.org/drawingml/2006/main" xmlns:r="http://schemas.openxmlformats.org/officeDocument/2006/relationships" xmlns:p="http://schemas.openxmlformats.org/presentationml/2006/main">
+  <p:cSld>
+    <p:spTree>
+      <p:nvGrpSpPr>
+        <p:cNvPr id="1" name=""/>
+        <p:cNvGrpSpPr/>
+        <p:nvPr/>
+      </p:nvGrpSpPr>
+      <p:grpSpPr>
+        <a:xfrm>
+          <a:off x="0" y="0"/>
+          <a:ext cx="0" cy="0"/>
+          <a:chOff x="0" y="0"/>
+          <a:chExt cx="0" cy="0"/>
+        </a:xfrm>
+      </p:grpSpPr>
+      <p:pic>
+        <p:nvPicPr>
+          <p:cNvPr id="5" name="그림 4">
+            <a:extLst>
+              <a:ext uri="{FF2B5EF4-FFF2-40B4-BE49-F238E27FC236}">
+                <a16:creationId xmlns:a16="http://schemas.microsoft.com/office/drawing/2014/main" id="{70E07324-E248-28EB-88C4-86AFB209E36C}"/>
+              </a:ext>
+            </a:extLst>
+          </p:cNvPr>
+          <p:cNvPicPr>
+            <a:picLocks noChangeAspect="1"/>
+          </p:cNvPicPr>
+          <p:nvPr/>
+        </p:nvPicPr>
+        <p:blipFill>
+          <a:blip r:embed="rId2"/>
+          <a:stretch>
+            <a:fillRect/>
+          </a:stretch>
+        </p:blipFill>
+        <p:spPr>
+          <a:xfrm>
+            <a:off x="374515" y="355596"/>
+            <a:ext cx="9689752" cy="6192161"/>
+          </a:xfrm>
+          <a:prstGeom prst="rect">
+            <a:avLst/>
+          </a:prstGeom>
+        </p:spPr>
+      </p:pic>
+      <mc:AlternateContent xmlns:mc="http://schemas.openxmlformats.org/markup-compatibility/2006">
+        <mc:Choice xmlns:p14="http://schemas.microsoft.com/office/powerpoint/2010/main" Requires="p14">
+          <p:contentPart p14:bwMode="auto" r:id="rId3">
+            <p14:nvContentPartPr>
+              <p14:cNvPr id="2" name="잉크 1">
+                <a:extLst>
+                  <a:ext uri="{FF2B5EF4-FFF2-40B4-BE49-F238E27FC236}">
+                    <a16:creationId xmlns:a16="http://schemas.microsoft.com/office/drawing/2014/main" id="{71ED5430-0642-4F10-C09D-A84554D09155}"/>
+                  </a:ext>
+                </a:extLst>
+              </p14:cNvPr>
+              <p14:cNvContentPartPr/>
+              <p14:nvPr/>
+            </p14:nvContentPartPr>
+            <p14:xfrm>
+              <a:off x="767134" y="637766"/>
+              <a:ext cx="1026360" cy="360"/>
+            </p14:xfrm>
+          </p:contentPart>
+        </mc:Choice>
+        <mc:Fallback>
+          <p:pic>
+            <p:nvPicPr>
+              <p:cNvPr id="2" name="잉크 1">
+                <a:extLst>
+                  <a:ext uri="{FF2B5EF4-FFF2-40B4-BE49-F238E27FC236}">
+                    <a16:creationId xmlns:a16="http://schemas.microsoft.com/office/drawing/2014/main" id="{71ED5430-0642-4F10-C09D-A84554D09155}"/>
+                  </a:ext>
+                </a:extLst>
+              </p:cNvPr>
+              <p:cNvPicPr/>
+              <p:nvPr/>
+            </p:nvPicPr>
+            <p:blipFill>
+              <a:blip r:embed="rId4"/>
+              <a:stretch>
+                <a:fillRect/>
+              </a:stretch>
+            </p:blipFill>
+            <p:spPr>
+              <a:xfrm>
+                <a:off x="713494" y="529766"/>
+                <a:ext cx="1134000" cy="216000"/>
+              </a:xfrm>
+              <a:prstGeom prst="rect">
+                <a:avLst/>
+              </a:prstGeom>
+            </p:spPr>
+          </p:pic>
+        </mc:Fallback>
+      </mc:AlternateContent>
+    </p:spTree>
+    <p:extLst>
+      <p:ext uri="{BB962C8B-B14F-4D97-AF65-F5344CB8AC3E}">
+        <p14:creationId xmlns:p14="http://schemas.microsoft.com/office/powerpoint/2010/main" val="1838768020"/>
+      </p:ext>
+    </p:extLst>
+  </p:cSld>
+  <p:clrMapOvr>
+    <a:masterClrMapping/>
+  </p:clrMapOvr>
+</p:sld>
+</file>
+
+<file path=ppt/slides/slide13.xml><?xml version="1.0" encoding="utf-8"?>
+<p:sld xmlns:a="http://schemas.openxmlformats.org/drawingml/2006/main" xmlns:r="http://schemas.openxmlformats.org/officeDocument/2006/relationships" xmlns:p="http://schemas.openxmlformats.org/presentationml/2006/main">
+  <p:cSld>
+    <p:spTree>
+      <p:nvGrpSpPr>
+        <p:cNvPr id="1" name=""/>
+        <p:cNvGrpSpPr/>
+        <p:nvPr/>
+      </p:nvGrpSpPr>
+      <p:grpSpPr>
+        <a:xfrm>
+          <a:off x="0" y="0"/>
+          <a:ext cx="0" cy="0"/>
+          <a:chOff x="0" y="0"/>
+          <a:chExt cx="0" cy="0"/>
+        </a:xfrm>
+      </p:grpSpPr>
+      <p:pic>
+        <p:nvPicPr>
+          <p:cNvPr id="3" name="그림 2">
+            <a:extLst>
+              <a:ext uri="{FF2B5EF4-FFF2-40B4-BE49-F238E27FC236}">
+                <a16:creationId xmlns:a16="http://schemas.microsoft.com/office/drawing/2014/main" id="{6AD494AF-0317-4B06-9953-517F60B8D025}"/>
+              </a:ext>
+            </a:extLst>
+          </p:cNvPr>
+          <p:cNvPicPr>
+            <a:picLocks noChangeAspect="1"/>
+          </p:cNvPicPr>
+          <p:nvPr/>
+        </p:nvPicPr>
+        <p:blipFill>
+          <a:blip r:embed="rId2"/>
+          <a:stretch>
+            <a:fillRect/>
+          </a:stretch>
+        </p:blipFill>
+        <p:spPr>
+          <a:xfrm>
+            <a:off x="334356" y="329167"/>
+            <a:ext cx="8776988" cy="2884745"/>
+          </a:xfrm>
+          <a:prstGeom prst="rect">
+            <a:avLst/>
+          </a:prstGeom>
+        </p:spPr>
+      </p:pic>
+      <p:pic>
+        <p:nvPicPr>
+          <p:cNvPr id="5" name="그림 4">
+            <a:extLst>
+              <a:ext uri="{FF2B5EF4-FFF2-40B4-BE49-F238E27FC236}">
+                <a16:creationId xmlns:a16="http://schemas.microsoft.com/office/drawing/2014/main" id="{A89A8F68-587C-D042-8232-3BD6E4D7CD63}"/>
+              </a:ext>
+            </a:extLst>
+          </p:cNvPr>
+          <p:cNvPicPr>
+            <a:picLocks noChangeAspect="1"/>
+          </p:cNvPicPr>
+          <p:nvPr/>
+        </p:nvPicPr>
+        <p:blipFill>
+          <a:blip r:embed="rId3"/>
+          <a:stretch>
+            <a:fillRect/>
+          </a:stretch>
+        </p:blipFill>
+        <p:spPr>
+          <a:xfrm>
+            <a:off x="334356" y="3213912"/>
+            <a:ext cx="8352444" cy="3335846"/>
+          </a:xfrm>
+          <a:prstGeom prst="rect">
+            <a:avLst/>
+          </a:prstGeom>
+        </p:spPr>
+      </p:pic>
+      <mc:AlternateContent xmlns:mc="http://schemas.openxmlformats.org/markup-compatibility/2006">
+        <mc:Choice xmlns:p14="http://schemas.microsoft.com/office/powerpoint/2010/main" Requires="p14">
+          <p:contentPart p14:bwMode="auto" r:id="rId4">
+            <p14:nvContentPartPr>
+              <p14:cNvPr id="2" name="잉크 1">
+                <a:extLst>
+                  <a:ext uri="{FF2B5EF4-FFF2-40B4-BE49-F238E27FC236}">
+                    <a16:creationId xmlns:a16="http://schemas.microsoft.com/office/drawing/2014/main" id="{B19DD6F0-F3C4-1A27-F704-482C6EEF47C8}"/>
+                  </a:ext>
+                </a:extLst>
+              </p14:cNvPr>
+              <p14:cNvContentPartPr/>
+              <p14:nvPr/>
+            </p14:nvContentPartPr>
+            <p14:xfrm>
+              <a:off x="3624454" y="3363326"/>
+              <a:ext cx="1388520" cy="211680"/>
+            </p14:xfrm>
+          </p:contentPart>
+        </mc:Choice>
+        <mc:Fallback>
+          <p:pic>
+            <p:nvPicPr>
+              <p:cNvPr id="2" name="잉크 1">
+                <a:extLst>
+                  <a:ext uri="{FF2B5EF4-FFF2-40B4-BE49-F238E27FC236}">
+                    <a16:creationId xmlns:a16="http://schemas.microsoft.com/office/drawing/2014/main" id="{B19DD6F0-F3C4-1A27-F704-482C6EEF47C8}"/>
+                  </a:ext>
+                </a:extLst>
+              </p:cNvPr>
+              <p:cNvPicPr/>
+              <p:nvPr/>
+            </p:nvPicPr>
+            <p:blipFill>
+              <a:blip r:embed="rId5"/>
+              <a:stretch>
+                <a:fillRect/>
+              </a:stretch>
+            </p:blipFill>
+            <p:spPr>
+              <a:xfrm>
+                <a:off x="3561814" y="3300686"/>
+                <a:ext cx="1514160" cy="337320"/>
+              </a:xfrm>
+              <a:prstGeom prst="rect">
+                <a:avLst/>
+              </a:prstGeom>
+            </p:spPr>
+          </p:pic>
+        </mc:Fallback>
+      </mc:AlternateContent>
+      <mc:AlternateContent xmlns:mc="http://schemas.openxmlformats.org/markup-compatibility/2006">
+        <mc:Choice xmlns:p14="http://schemas.microsoft.com/office/powerpoint/2010/main" Requires="p14">
+          <p:contentPart p14:bwMode="auto" r:id="rId6">
+            <p14:nvContentPartPr>
+              <p14:cNvPr id="6" name="잉크 5">
+                <a:extLst>
+                  <a:ext uri="{FF2B5EF4-FFF2-40B4-BE49-F238E27FC236}">
+                    <a16:creationId xmlns:a16="http://schemas.microsoft.com/office/drawing/2014/main" id="{B9B39D13-F822-36AB-C599-AE0AFE0FA1FB}"/>
+                  </a:ext>
+                </a:extLst>
+              </p14:cNvPr>
+              <p14:cNvContentPartPr/>
+              <p14:nvPr/>
+            </p14:nvContentPartPr>
+            <p14:xfrm>
+              <a:off x="3624454" y="4417766"/>
+              <a:ext cx="1424520" cy="507240"/>
+            </p14:xfrm>
+          </p:contentPart>
+        </mc:Choice>
+        <mc:Fallback>
+          <p:pic>
+            <p:nvPicPr>
+              <p:cNvPr id="6" name="잉크 5">
+                <a:extLst>
+                  <a:ext uri="{FF2B5EF4-FFF2-40B4-BE49-F238E27FC236}">
+                    <a16:creationId xmlns:a16="http://schemas.microsoft.com/office/drawing/2014/main" id="{B9B39D13-F822-36AB-C599-AE0AFE0FA1FB}"/>
+                  </a:ext>
+                </a:extLst>
+              </p:cNvPr>
+              <p:cNvPicPr/>
+              <p:nvPr/>
+            </p:nvPicPr>
+            <p:blipFill>
+              <a:blip r:embed="rId7"/>
+              <a:stretch>
+                <a:fillRect/>
+              </a:stretch>
+            </p:blipFill>
+            <p:spPr>
+              <a:xfrm>
+                <a:off x="3561814" y="4354766"/>
+                <a:ext cx="1550160" cy="632880"/>
+              </a:xfrm>
+              <a:prstGeom prst="rect">
+                <a:avLst/>
+              </a:prstGeom>
+            </p:spPr>
+          </p:pic>
+        </mc:Fallback>
+      </mc:AlternateContent>
+      <mc:AlternateContent xmlns:mc="http://schemas.openxmlformats.org/markup-compatibility/2006">
+        <mc:Choice xmlns:p14="http://schemas.microsoft.com/office/powerpoint/2010/main" Requires="p14">
+          <p:contentPart p14:bwMode="auto" r:id="rId8">
+            <p14:nvContentPartPr>
+              <p14:cNvPr id="7" name="잉크 6">
+                <a:extLst>
+                  <a:ext uri="{FF2B5EF4-FFF2-40B4-BE49-F238E27FC236}">
+                    <a16:creationId xmlns:a16="http://schemas.microsoft.com/office/drawing/2014/main" id="{EB04EA4F-21FB-C236-EC5E-CA1B2127F5BD}"/>
+                  </a:ext>
+                </a:extLst>
+              </p14:cNvPr>
+              <p14:cNvContentPartPr/>
+              <p14:nvPr/>
+            </p14:nvContentPartPr>
+            <p14:xfrm>
+              <a:off x="3640654" y="5571206"/>
+              <a:ext cx="1373040" cy="423000"/>
+            </p14:xfrm>
+          </p:contentPart>
+        </mc:Choice>
+        <mc:Fallback>
+          <p:pic>
+            <p:nvPicPr>
+              <p:cNvPr id="7" name="잉크 6">
+                <a:extLst>
+                  <a:ext uri="{FF2B5EF4-FFF2-40B4-BE49-F238E27FC236}">
+                    <a16:creationId xmlns:a16="http://schemas.microsoft.com/office/drawing/2014/main" id="{EB04EA4F-21FB-C236-EC5E-CA1B2127F5BD}"/>
+                  </a:ext>
+                </a:extLst>
+              </p:cNvPr>
+              <p:cNvPicPr/>
+              <p:nvPr/>
+            </p:nvPicPr>
+            <p:blipFill>
+              <a:blip r:embed="rId9"/>
+              <a:stretch>
+                <a:fillRect/>
+              </a:stretch>
+            </p:blipFill>
+            <p:spPr>
+              <a:xfrm>
+                <a:off x="3577654" y="5508206"/>
+                <a:ext cx="1498680" cy="548640"/>
+              </a:xfrm>
+              <a:prstGeom prst="rect">
+                <a:avLst/>
+              </a:prstGeom>
+            </p:spPr>
+          </p:pic>
+        </mc:Fallback>
+      </mc:AlternateContent>
+      <mc:AlternateContent xmlns:mc="http://schemas.openxmlformats.org/markup-compatibility/2006">
+        <mc:Choice xmlns:p14="http://schemas.microsoft.com/office/powerpoint/2010/main" Requires="p14">
+          <p:contentPart p14:bwMode="auto" r:id="rId10">
+            <p14:nvContentPartPr>
+              <p14:cNvPr id="8" name="잉크 7">
+                <a:extLst>
+                  <a:ext uri="{FF2B5EF4-FFF2-40B4-BE49-F238E27FC236}">
+                    <a16:creationId xmlns:a16="http://schemas.microsoft.com/office/drawing/2014/main" id="{93F52798-9A59-3B2C-1CFC-83E870710FF8}"/>
+                  </a:ext>
+                </a:extLst>
+              </p14:cNvPr>
+              <p14:cNvContentPartPr/>
+              <p14:nvPr/>
+            </p14:nvContentPartPr>
+            <p14:xfrm>
+              <a:off x="669214" y="507086"/>
+              <a:ext cx="637560" cy="360"/>
+            </p14:xfrm>
+          </p:contentPart>
+        </mc:Choice>
+        <mc:Fallback>
+          <p:pic>
+            <p:nvPicPr>
+              <p:cNvPr id="8" name="잉크 7">
+                <a:extLst>
+                  <a:ext uri="{FF2B5EF4-FFF2-40B4-BE49-F238E27FC236}">
+                    <a16:creationId xmlns:a16="http://schemas.microsoft.com/office/drawing/2014/main" id="{93F52798-9A59-3B2C-1CFC-83E870710FF8}"/>
+                  </a:ext>
+                </a:extLst>
+              </p:cNvPr>
+              <p:cNvPicPr/>
+              <p:nvPr/>
+            </p:nvPicPr>
+            <p:blipFill>
+              <a:blip r:embed="rId11"/>
+              <a:stretch>
+                <a:fillRect/>
+              </a:stretch>
+            </p:blipFill>
+            <p:spPr>
+              <a:xfrm>
+                <a:off x="615214" y="399446"/>
+                <a:ext cx="745200" cy="216000"/>
+              </a:xfrm>
+              <a:prstGeom prst="rect">
+                <a:avLst/>
+              </a:prstGeom>
+            </p:spPr>
+          </p:pic>
+        </mc:Fallback>
+      </mc:AlternateContent>
+    </p:spTree>
+    <p:extLst>
+      <p:ext uri="{BB962C8B-B14F-4D97-AF65-F5344CB8AC3E}">
+        <p14:creationId xmlns:p14="http://schemas.microsoft.com/office/powerpoint/2010/main" val="1114798193"/>
+      </p:ext>
+    </p:extLst>
+  </p:cSld>
+  <p:clrMapOvr>
+    <a:masterClrMapping/>
+  </p:clrMapOvr>
+</p:sld>
+</file>
+
+<file path=ppt/slides/slide14.xml><?xml version="1.0" encoding="utf-8"?>
+<p:sld xmlns:a="http://schemas.openxmlformats.org/drawingml/2006/main" xmlns:r="http://schemas.openxmlformats.org/officeDocument/2006/relationships" xmlns:p="http://schemas.openxmlformats.org/presentationml/2006/main">
+  <p:cSld>
+    <p:spTree>
+      <p:nvGrpSpPr>
+        <p:cNvPr id="1" name=""/>
+        <p:cNvGrpSpPr/>
+        <p:nvPr/>
+      </p:nvGrpSpPr>
+      <p:grpSpPr>
+        <a:xfrm>
+          <a:off x="0" y="0"/>
+          <a:ext cx="0" cy="0"/>
+          <a:chOff x="0" y="0"/>
+          <a:chExt cx="0" cy="0"/>
+        </a:xfrm>
+      </p:grpSpPr>
+      <p:pic>
+        <p:nvPicPr>
+          <p:cNvPr id="3" name="그림 2">
+            <a:extLst>
+              <a:ext uri="{FF2B5EF4-FFF2-40B4-BE49-F238E27FC236}">
                 <a16:creationId xmlns:a16="http://schemas.microsoft.com/office/drawing/2014/main" id="{7234E893-CAE5-D6E8-B34A-784410185098}"/>
               </a:ext>
             </a:extLst>
@@ -3597,6 +5057,435 @@
           </a:prstGeom>
         </p:spPr>
       </p:pic>
+      <mc:AlternateContent xmlns:mc="http://schemas.openxmlformats.org/markup-compatibility/2006">
+        <mc:Choice xmlns:p14="http://schemas.microsoft.com/office/powerpoint/2010/main" Requires="p14">
+          <p:contentPart p14:bwMode="auto" r:id="rId4">
+            <p14:nvContentPartPr>
+              <p14:cNvPr id="2" name="잉크 1">
+                <a:extLst>
+                  <a:ext uri="{FF2B5EF4-FFF2-40B4-BE49-F238E27FC236}">
+                    <a16:creationId xmlns:a16="http://schemas.microsoft.com/office/drawing/2014/main" id="{0E92091D-2BBA-23C4-10EA-7E66B3176710}"/>
+                  </a:ext>
+                </a:extLst>
+              </p14:cNvPr>
+              <p14:cNvContentPartPr/>
+              <p14:nvPr/>
+            </p14:nvContentPartPr>
+            <p14:xfrm>
+              <a:off x="2954854" y="3854726"/>
+              <a:ext cx="1043640" cy="147600"/>
+            </p14:xfrm>
+          </p:contentPart>
+        </mc:Choice>
+        <mc:Fallback>
+          <p:pic>
+            <p:nvPicPr>
+              <p:cNvPr id="2" name="잉크 1">
+                <a:extLst>
+                  <a:ext uri="{FF2B5EF4-FFF2-40B4-BE49-F238E27FC236}">
+                    <a16:creationId xmlns:a16="http://schemas.microsoft.com/office/drawing/2014/main" id="{0E92091D-2BBA-23C4-10EA-7E66B3176710}"/>
+                  </a:ext>
+                </a:extLst>
+              </p:cNvPr>
+              <p:cNvPicPr/>
+              <p:nvPr/>
+            </p:nvPicPr>
+            <p:blipFill>
+              <a:blip r:embed="rId5"/>
+              <a:stretch>
+                <a:fillRect/>
+              </a:stretch>
+            </p:blipFill>
+            <p:spPr>
+              <a:xfrm>
+                <a:off x="2892214" y="3791726"/>
+                <a:ext cx="1169280" cy="273240"/>
+              </a:xfrm>
+              <a:prstGeom prst="rect">
+                <a:avLst/>
+              </a:prstGeom>
+            </p:spPr>
+          </p:pic>
+        </mc:Fallback>
+      </mc:AlternateContent>
+      <mc:AlternateContent xmlns:mc="http://schemas.openxmlformats.org/markup-compatibility/2006">
+        <mc:Choice xmlns:p14="http://schemas.microsoft.com/office/powerpoint/2010/main" Requires="p14">
+          <p:contentPart p14:bwMode="auto" r:id="rId6">
+            <p14:nvContentPartPr>
+              <p14:cNvPr id="4" name="잉크 3">
+                <a:extLst>
+                  <a:ext uri="{FF2B5EF4-FFF2-40B4-BE49-F238E27FC236}">
+                    <a16:creationId xmlns:a16="http://schemas.microsoft.com/office/drawing/2014/main" id="{40BACB9C-82C5-0C2C-0F9E-975FDA0A5483}"/>
+                  </a:ext>
+                </a:extLst>
+              </p14:cNvPr>
+              <p14:cNvContentPartPr/>
+              <p14:nvPr/>
+            </p14:nvContentPartPr>
+            <p14:xfrm>
+              <a:off x="2971774" y="4536926"/>
+              <a:ext cx="1027800" cy="142560"/>
+            </p14:xfrm>
+          </p:contentPart>
+        </mc:Choice>
+        <mc:Fallback>
+          <p:pic>
+            <p:nvPicPr>
+              <p:cNvPr id="4" name="잉크 3">
+                <a:extLst>
+                  <a:ext uri="{FF2B5EF4-FFF2-40B4-BE49-F238E27FC236}">
+                    <a16:creationId xmlns:a16="http://schemas.microsoft.com/office/drawing/2014/main" id="{40BACB9C-82C5-0C2C-0F9E-975FDA0A5483}"/>
+                  </a:ext>
+                </a:extLst>
+              </p:cNvPr>
+              <p:cNvPicPr/>
+              <p:nvPr/>
+            </p:nvPicPr>
+            <p:blipFill>
+              <a:blip r:embed="rId7"/>
+              <a:stretch>
+                <a:fillRect/>
+              </a:stretch>
+            </p:blipFill>
+            <p:spPr>
+              <a:xfrm>
+                <a:off x="2908774" y="4474286"/>
+                <a:ext cx="1153440" cy="268200"/>
+              </a:xfrm>
+              <a:prstGeom prst="rect">
+                <a:avLst/>
+              </a:prstGeom>
+            </p:spPr>
+          </p:pic>
+        </mc:Fallback>
+      </mc:AlternateContent>
+      <mc:AlternateContent xmlns:mc="http://schemas.openxmlformats.org/markup-compatibility/2006">
+        <mc:Choice xmlns:p14="http://schemas.microsoft.com/office/powerpoint/2010/main" Requires="p14">
+          <p:contentPart p14:bwMode="auto" r:id="rId8">
+            <p14:nvContentPartPr>
+              <p14:cNvPr id="6" name="잉크 5">
+                <a:extLst>
+                  <a:ext uri="{FF2B5EF4-FFF2-40B4-BE49-F238E27FC236}">
+                    <a16:creationId xmlns:a16="http://schemas.microsoft.com/office/drawing/2014/main" id="{0209BF21-1828-DCBD-5E7B-13E415385D64}"/>
+                  </a:ext>
+                </a:extLst>
+              </p14:cNvPr>
+              <p14:cNvContentPartPr/>
+              <p14:nvPr/>
+            </p14:nvContentPartPr>
+            <p14:xfrm>
+              <a:off x="2954854" y="5306966"/>
+              <a:ext cx="1048320" cy="33480"/>
+            </p14:xfrm>
+          </p:contentPart>
+        </mc:Choice>
+        <mc:Fallback>
+          <p:pic>
+            <p:nvPicPr>
+              <p:cNvPr id="6" name="잉크 5">
+                <a:extLst>
+                  <a:ext uri="{FF2B5EF4-FFF2-40B4-BE49-F238E27FC236}">
+                    <a16:creationId xmlns:a16="http://schemas.microsoft.com/office/drawing/2014/main" id="{0209BF21-1828-DCBD-5E7B-13E415385D64}"/>
+                  </a:ext>
+                </a:extLst>
+              </p:cNvPr>
+              <p:cNvPicPr/>
+              <p:nvPr/>
+            </p:nvPicPr>
+            <p:blipFill>
+              <a:blip r:embed="rId9"/>
+              <a:stretch>
+                <a:fillRect/>
+              </a:stretch>
+            </p:blipFill>
+            <p:spPr>
+              <a:xfrm>
+                <a:off x="2892214" y="5243966"/>
+                <a:ext cx="1173960" cy="159120"/>
+              </a:xfrm>
+              <a:prstGeom prst="rect">
+                <a:avLst/>
+              </a:prstGeom>
+            </p:spPr>
+          </p:pic>
+        </mc:Fallback>
+      </mc:AlternateContent>
+      <p:grpSp>
+        <p:nvGrpSpPr>
+          <p:cNvPr id="12" name="그룹 11">
+            <a:extLst>
+              <a:ext uri="{FF2B5EF4-FFF2-40B4-BE49-F238E27FC236}">
+                <a16:creationId xmlns:a16="http://schemas.microsoft.com/office/drawing/2014/main" id="{B6432F0F-052C-1625-D43D-53B77B1F130F}"/>
+              </a:ext>
+            </a:extLst>
+          </p:cNvPr>
+          <p:cNvGrpSpPr/>
+          <p:nvPr/>
+        </p:nvGrpSpPr>
+        <p:grpSpPr>
+          <a:xfrm>
+            <a:off x="2954854" y="5958206"/>
+            <a:ext cx="1080360" cy="378360"/>
+            <a:chOff x="2954854" y="5958206"/>
+            <a:chExt cx="1080360" cy="378360"/>
+          </a:xfrm>
+        </p:grpSpPr>
+        <mc:AlternateContent xmlns:mc="http://schemas.openxmlformats.org/markup-compatibility/2006">
+          <mc:Choice xmlns:p14="http://schemas.microsoft.com/office/powerpoint/2010/main" Requires="p14">
+            <p:contentPart p14:bwMode="auto" r:id="rId10">
+              <p14:nvContentPartPr>
+                <p14:cNvPr id="8" name="잉크 7">
+                  <a:extLst>
+                    <a:ext uri="{FF2B5EF4-FFF2-40B4-BE49-F238E27FC236}">
+                      <a16:creationId xmlns:a16="http://schemas.microsoft.com/office/drawing/2014/main" id="{1E656219-6088-B45B-3948-0C2158EF65FE}"/>
+                    </a:ext>
+                  </a:extLst>
+                </p14:cNvPr>
+                <p14:cNvContentPartPr/>
+                <p14:nvPr/>
+              </p14:nvContentPartPr>
+              <p14:xfrm>
+                <a:off x="2954854" y="5958206"/>
+                <a:ext cx="1062360" cy="167400"/>
+              </p14:xfrm>
+            </p:contentPart>
+          </mc:Choice>
+          <mc:Fallback>
+            <p:pic>
+              <p:nvPicPr>
+                <p:cNvPr id="8" name="잉크 7">
+                  <a:extLst>
+                    <a:ext uri="{FF2B5EF4-FFF2-40B4-BE49-F238E27FC236}">
+                      <a16:creationId xmlns:a16="http://schemas.microsoft.com/office/drawing/2014/main" id="{1E656219-6088-B45B-3948-0C2158EF65FE}"/>
+                    </a:ext>
+                  </a:extLst>
+                </p:cNvPr>
+                <p:cNvPicPr/>
+                <p:nvPr/>
+              </p:nvPicPr>
+              <p:blipFill>
+                <a:blip r:embed="rId11"/>
+                <a:stretch>
+                  <a:fillRect/>
+                </a:stretch>
+              </p:blipFill>
+              <p:spPr>
+                <a:xfrm>
+                  <a:off x="2892214" y="5895206"/>
+                  <a:ext cx="1188000" cy="293040"/>
+                </a:xfrm>
+                <a:prstGeom prst="rect">
+                  <a:avLst/>
+                </a:prstGeom>
+              </p:spPr>
+            </p:pic>
+          </mc:Fallback>
+        </mc:AlternateContent>
+        <mc:AlternateContent xmlns:mc="http://schemas.openxmlformats.org/markup-compatibility/2006">
+          <mc:Choice xmlns:p14="http://schemas.microsoft.com/office/powerpoint/2010/main" Requires="p14">
+            <p:contentPart p14:bwMode="auto" r:id="rId12">
+              <p14:nvContentPartPr>
+                <p14:cNvPr id="9" name="잉크 8">
+                  <a:extLst>
+                    <a:ext uri="{FF2B5EF4-FFF2-40B4-BE49-F238E27FC236}">
+                      <a16:creationId xmlns:a16="http://schemas.microsoft.com/office/drawing/2014/main" id="{49C23301-D581-A9E8-2370-85AE2A4D31EC}"/>
+                    </a:ext>
+                  </a:extLst>
+                </p14:cNvPr>
+                <p14:cNvContentPartPr/>
+                <p14:nvPr/>
+              </p14:nvContentPartPr>
+              <p14:xfrm>
+                <a:off x="3477574" y="6041006"/>
+                <a:ext cx="360" cy="360"/>
+              </p14:xfrm>
+            </p:contentPart>
+          </mc:Choice>
+          <mc:Fallback>
+            <p:pic>
+              <p:nvPicPr>
+                <p:cNvPr id="9" name="잉크 8">
+                  <a:extLst>
+                    <a:ext uri="{FF2B5EF4-FFF2-40B4-BE49-F238E27FC236}">
+                      <a16:creationId xmlns:a16="http://schemas.microsoft.com/office/drawing/2014/main" id="{49C23301-D581-A9E8-2370-85AE2A4D31EC}"/>
+                    </a:ext>
+                  </a:extLst>
+                </p:cNvPr>
+                <p:cNvPicPr/>
+                <p:nvPr/>
+              </p:nvPicPr>
+              <p:blipFill>
+                <a:blip r:embed="rId13"/>
+                <a:stretch>
+                  <a:fillRect/>
+                </a:stretch>
+              </p:blipFill>
+              <p:spPr>
+                <a:xfrm>
+                  <a:off x="3414934" y="5978366"/>
+                  <a:ext cx="126000" cy="126000"/>
+                </a:xfrm>
+                <a:prstGeom prst="rect">
+                  <a:avLst/>
+                </a:prstGeom>
+              </p:spPr>
+            </p:pic>
+          </mc:Fallback>
+        </mc:AlternateContent>
+        <mc:AlternateContent xmlns:mc="http://schemas.openxmlformats.org/markup-compatibility/2006">
+          <mc:Choice xmlns:p14="http://schemas.microsoft.com/office/powerpoint/2010/main" Requires="p14">
+            <p:contentPart p14:bwMode="auto" r:id="rId14">
+              <p14:nvContentPartPr>
+                <p14:cNvPr id="11" name="잉크 10">
+                  <a:extLst>
+                    <a:ext uri="{FF2B5EF4-FFF2-40B4-BE49-F238E27FC236}">
+                      <a16:creationId xmlns:a16="http://schemas.microsoft.com/office/drawing/2014/main" id="{6E9DD754-70F0-955C-9BE8-51F0DE4BB994}"/>
+                    </a:ext>
+                  </a:extLst>
+                </p14:cNvPr>
+                <p14:cNvContentPartPr/>
+                <p14:nvPr/>
+              </p14:nvContentPartPr>
+              <p14:xfrm>
+                <a:off x="3510334" y="6006806"/>
+                <a:ext cx="524880" cy="329760"/>
+              </p14:xfrm>
+            </p:contentPart>
+          </mc:Choice>
+          <mc:Fallback>
+            <p:pic>
+              <p:nvPicPr>
+                <p:cNvPr id="11" name="잉크 10">
+                  <a:extLst>
+                    <a:ext uri="{FF2B5EF4-FFF2-40B4-BE49-F238E27FC236}">
+                      <a16:creationId xmlns:a16="http://schemas.microsoft.com/office/drawing/2014/main" id="{6E9DD754-70F0-955C-9BE8-51F0DE4BB994}"/>
+                    </a:ext>
+                  </a:extLst>
+                </p:cNvPr>
+                <p:cNvPicPr/>
+                <p:nvPr/>
+              </p:nvPicPr>
+              <p:blipFill>
+                <a:blip r:embed="rId15"/>
+                <a:stretch>
+                  <a:fillRect/>
+                </a:stretch>
+              </p:blipFill>
+              <p:spPr>
+                <a:xfrm>
+                  <a:off x="3447694" y="5944166"/>
+                  <a:ext cx="650520" cy="455400"/>
+                </a:xfrm>
+                <a:prstGeom prst="rect">
+                  <a:avLst/>
+                </a:prstGeom>
+              </p:spPr>
+            </p:pic>
+          </mc:Fallback>
+        </mc:AlternateContent>
+      </p:grpSp>
+      <mc:AlternateContent xmlns:mc="http://schemas.openxmlformats.org/markup-compatibility/2006">
+        <mc:Choice xmlns:p14="http://schemas.microsoft.com/office/powerpoint/2010/main" Requires="p14">
+          <p:contentPart p14:bwMode="auto" r:id="rId16">
+            <p14:nvContentPartPr>
+              <p14:cNvPr id="13" name="잉크 12">
+                <a:extLst>
+                  <a:ext uri="{FF2B5EF4-FFF2-40B4-BE49-F238E27FC236}">
+                    <a16:creationId xmlns:a16="http://schemas.microsoft.com/office/drawing/2014/main" id="{C3B35DEC-E1DD-D206-9EB7-07DB06ED18EF}"/>
+                  </a:ext>
+                </a:extLst>
+              </p14:cNvPr>
+              <p14:cNvContentPartPr/>
+              <p14:nvPr/>
+            </p14:nvContentPartPr>
+            <p14:xfrm>
+              <a:off x="3215854" y="6122726"/>
+              <a:ext cx="84960" cy="360"/>
+            </p14:xfrm>
+          </p:contentPart>
+        </mc:Choice>
+        <mc:Fallback>
+          <p:pic>
+            <p:nvPicPr>
+              <p:cNvPr id="13" name="잉크 12">
+                <a:extLst>
+                  <a:ext uri="{FF2B5EF4-FFF2-40B4-BE49-F238E27FC236}">
+                    <a16:creationId xmlns:a16="http://schemas.microsoft.com/office/drawing/2014/main" id="{C3B35DEC-E1DD-D206-9EB7-07DB06ED18EF}"/>
+                  </a:ext>
+                </a:extLst>
+              </p:cNvPr>
+              <p:cNvPicPr/>
+              <p:nvPr/>
+            </p:nvPicPr>
+            <p:blipFill>
+              <a:blip r:embed="rId17"/>
+              <a:stretch>
+                <a:fillRect/>
+              </a:stretch>
+            </p:blipFill>
+            <p:spPr>
+              <a:xfrm>
+                <a:off x="3153214" y="6059726"/>
+                <a:ext cx="210600" cy="126000"/>
+              </a:xfrm>
+              <a:prstGeom prst="rect">
+                <a:avLst/>
+              </a:prstGeom>
+            </p:spPr>
+          </p:pic>
+        </mc:Fallback>
+      </mc:AlternateContent>
+      <mc:AlternateContent xmlns:mc="http://schemas.openxmlformats.org/markup-compatibility/2006">
+        <mc:Choice xmlns:p14="http://schemas.microsoft.com/office/powerpoint/2010/main" Requires="p14">
+          <p:contentPart p14:bwMode="auto" r:id="rId18">
+            <p14:nvContentPartPr>
+              <p14:cNvPr id="14" name="잉크 13">
+                <a:extLst>
+                  <a:ext uri="{FF2B5EF4-FFF2-40B4-BE49-F238E27FC236}">
+                    <a16:creationId xmlns:a16="http://schemas.microsoft.com/office/drawing/2014/main" id="{1A222DE6-1FE4-1611-4B46-E8227602572A}"/>
+                  </a:ext>
+                </a:extLst>
+              </p14:cNvPr>
+              <p14:cNvContentPartPr/>
+              <p14:nvPr/>
+            </p14:nvContentPartPr>
+            <p14:xfrm>
+              <a:off x="734374" y="507086"/>
+              <a:ext cx="864000" cy="360"/>
+            </p14:xfrm>
+          </p:contentPart>
+        </mc:Choice>
+        <mc:Fallback>
+          <p:pic>
+            <p:nvPicPr>
+              <p:cNvPr id="14" name="잉크 13">
+                <a:extLst>
+                  <a:ext uri="{FF2B5EF4-FFF2-40B4-BE49-F238E27FC236}">
+                    <a16:creationId xmlns:a16="http://schemas.microsoft.com/office/drawing/2014/main" id="{1A222DE6-1FE4-1611-4B46-E8227602572A}"/>
+                  </a:ext>
+                </a:extLst>
+              </p:cNvPr>
+              <p:cNvPicPr/>
+              <p:nvPr/>
+            </p:nvPicPr>
+            <p:blipFill>
+              <a:blip r:embed="rId19"/>
+              <a:stretch>
+                <a:fillRect/>
+              </a:stretch>
+            </p:blipFill>
+            <p:spPr>
+              <a:xfrm>
+                <a:off x="680734" y="399446"/>
+                <a:ext cx="971640" cy="216000"/>
+              </a:xfrm>
+              <a:prstGeom prst="rect">
+                <a:avLst/>
+              </a:prstGeom>
+            </p:spPr>
+          </p:pic>
+        </mc:Fallback>
+      </mc:AlternateContent>
     </p:spTree>
     <p:extLst>
       <p:ext uri="{BB962C8B-B14F-4D97-AF65-F5344CB8AC3E}">
@@ -3610,7 +5499,7 @@
 </p:sld>
 </file>
 
-<file path=ppt/slides/slide11.xml><?xml version="1.0" encoding="utf-8"?>
+<file path=ppt/slides/slide15.xml><?xml version="1.0" encoding="utf-8"?>
 <p:sld xmlns:a="http://schemas.openxmlformats.org/drawingml/2006/main" xmlns:r="http://schemas.openxmlformats.org/officeDocument/2006/relationships" xmlns:p="http://schemas.openxmlformats.org/presentationml/2006/main">
   <p:cSld>
     <p:spTree>
@@ -3700,7 +5589,394 @@
 </p:sld>
 </file>
 
+<file path=ppt/slides/slide16.xml><?xml version="1.0" encoding="utf-8"?>
+<p:sld xmlns:a="http://schemas.openxmlformats.org/drawingml/2006/main" xmlns:r="http://schemas.openxmlformats.org/officeDocument/2006/relationships" xmlns:p="http://schemas.openxmlformats.org/presentationml/2006/main">
+  <p:cSld>
+    <p:spTree>
+      <p:nvGrpSpPr>
+        <p:cNvPr id="1" name=""/>
+        <p:cNvGrpSpPr/>
+        <p:nvPr/>
+      </p:nvGrpSpPr>
+      <p:grpSpPr>
+        <a:xfrm>
+          <a:off x="0" y="0"/>
+          <a:ext cx="0" cy="0"/>
+          <a:chOff x="0" y="0"/>
+          <a:chExt cx="0" cy="0"/>
+        </a:xfrm>
+      </p:grpSpPr>
+      <p:sp>
+        <p:nvSpPr>
+          <p:cNvPr id="2" name="TextBox 1">
+            <a:extLst>
+              <a:ext uri="{FF2B5EF4-FFF2-40B4-BE49-F238E27FC236}">
+                <a16:creationId xmlns:a16="http://schemas.microsoft.com/office/drawing/2014/main" id="{6D5E47BA-144B-6E25-E282-8F211ABD5221}"/>
+              </a:ext>
+            </a:extLst>
+          </p:cNvPr>
+          <p:cNvSpPr txBox="1"/>
+          <p:nvPr/>
+        </p:nvSpPr>
+        <p:spPr>
+          <a:xfrm>
+            <a:off x="1139371" y="2610838"/>
+            <a:ext cx="9913258" cy="830997"/>
+          </a:xfrm>
+          <a:prstGeom prst="rect">
+            <a:avLst/>
+          </a:prstGeom>
+          <a:noFill/>
+        </p:spPr>
+        <p:txBody>
+          <a:bodyPr wrap="square" rtlCol="0">
+            <a:spAutoFit/>
+          </a:bodyPr>
+          <a:lstStyle/>
+          <a:p>
+            <a:pPr algn="ctr"/>
+            <a:r>
+              <a:rPr lang="en-US" altLang="ko-KR" sz="4800" b="1" dirty="0">
+                <a:solidFill>
+                  <a:schemeClr val="accent1"/>
+                </a:solidFill>
+                <a:latin typeface="+mn-ea"/>
+              </a:rPr>
+              <a:t>&lt; </a:t>
+            </a:r>
+            <a:r>
+              <a:rPr lang="ko-KR" altLang="en-US" sz="4800" b="1" dirty="0">
+                <a:solidFill>
+                  <a:schemeClr val="accent1"/>
+                </a:solidFill>
+                <a:latin typeface="+mn-ea"/>
+              </a:rPr>
+              <a:t>정리하기 </a:t>
+            </a:r>
+            <a:r>
+              <a:rPr lang="en-US" altLang="ko-KR" sz="4800" b="1" dirty="0">
+                <a:solidFill>
+                  <a:schemeClr val="accent1"/>
+                </a:solidFill>
+                <a:latin typeface="+mn-ea"/>
+              </a:rPr>
+              <a:t>&gt;</a:t>
+            </a:r>
+            <a:endParaRPr lang="ko-KR" altLang="en-US" sz="4800" b="1" dirty="0">
+              <a:solidFill>
+                <a:schemeClr val="accent1"/>
+              </a:solidFill>
+              <a:latin typeface="+mn-ea"/>
+            </a:endParaRPr>
+          </a:p>
+        </p:txBody>
+      </p:sp>
+    </p:spTree>
+    <p:extLst>
+      <p:ext uri="{BB962C8B-B14F-4D97-AF65-F5344CB8AC3E}">
+        <p14:creationId xmlns:p14="http://schemas.microsoft.com/office/powerpoint/2010/main" val="3896227482"/>
+      </p:ext>
+    </p:extLst>
+  </p:cSld>
+  <p:clrMapOvr>
+    <a:masterClrMapping/>
+  </p:clrMapOvr>
+</p:sld>
+</file>
+
+<file path=ppt/slides/slide17.xml><?xml version="1.0" encoding="utf-8"?>
+<p:sld xmlns:a="http://schemas.openxmlformats.org/drawingml/2006/main" xmlns:r="http://schemas.openxmlformats.org/officeDocument/2006/relationships" xmlns:p="http://schemas.openxmlformats.org/presentationml/2006/main">
+  <p:cSld>
+    <p:spTree>
+      <p:nvGrpSpPr>
+        <p:cNvPr id="1" name=""/>
+        <p:cNvGrpSpPr/>
+        <p:nvPr/>
+      </p:nvGrpSpPr>
+      <p:grpSpPr>
+        <a:xfrm>
+          <a:off x="0" y="0"/>
+          <a:ext cx="0" cy="0"/>
+          <a:chOff x="0" y="0"/>
+          <a:chExt cx="0" cy="0"/>
+        </a:xfrm>
+      </p:grpSpPr>
+      <p:pic>
+        <p:nvPicPr>
+          <p:cNvPr id="3" name="그림 2">
+            <a:extLst>
+              <a:ext uri="{FF2B5EF4-FFF2-40B4-BE49-F238E27FC236}">
+                <a16:creationId xmlns:a16="http://schemas.microsoft.com/office/drawing/2014/main" id="{46731424-C022-B7CD-C45E-FCEDBFED69C2}"/>
+              </a:ext>
+            </a:extLst>
+          </p:cNvPr>
+          <p:cNvPicPr>
+            <a:picLocks noChangeAspect="1"/>
+          </p:cNvPicPr>
+          <p:nvPr/>
+        </p:nvPicPr>
+        <p:blipFill>
+          <a:blip r:embed="rId2"/>
+          <a:stretch>
+            <a:fillRect/>
+          </a:stretch>
+        </p:blipFill>
+        <p:spPr>
+          <a:xfrm>
+            <a:off x="399048" y="429082"/>
+            <a:ext cx="8728623" cy="6054013"/>
+          </a:xfrm>
+          <a:prstGeom prst="rect">
+            <a:avLst/>
+          </a:prstGeom>
+        </p:spPr>
+      </p:pic>
+    </p:spTree>
+    <p:extLst>
+      <p:ext uri="{BB962C8B-B14F-4D97-AF65-F5344CB8AC3E}">
+        <p14:creationId xmlns:p14="http://schemas.microsoft.com/office/powerpoint/2010/main" val="834193802"/>
+      </p:ext>
+    </p:extLst>
+  </p:cSld>
+  <p:clrMapOvr>
+    <a:masterClrMapping/>
+  </p:clrMapOvr>
+</p:sld>
+</file>
+
 <file path=ppt/slides/slide2.xml><?xml version="1.0" encoding="utf-8"?>
+<p:sld xmlns:a="http://schemas.openxmlformats.org/drawingml/2006/main" xmlns:r="http://schemas.openxmlformats.org/officeDocument/2006/relationships" xmlns:p="http://schemas.openxmlformats.org/presentationml/2006/main">
+  <p:cSld>
+    <p:spTree>
+      <p:nvGrpSpPr>
+        <p:cNvPr id="1" name=""/>
+        <p:cNvGrpSpPr/>
+        <p:nvPr/>
+      </p:nvGrpSpPr>
+      <p:grpSpPr>
+        <a:xfrm>
+          <a:off x="0" y="0"/>
+          <a:ext cx="0" cy="0"/>
+          <a:chOff x="0" y="0"/>
+          <a:chExt cx="0" cy="0"/>
+        </a:xfrm>
+      </p:grpSpPr>
+      <p:sp>
+        <p:nvSpPr>
+          <p:cNvPr id="2" name="제목 1">
+            <a:extLst>
+              <a:ext uri="{FF2B5EF4-FFF2-40B4-BE49-F238E27FC236}">
+                <a16:creationId xmlns:a16="http://schemas.microsoft.com/office/drawing/2014/main" id="{0E0D856F-4106-A50C-D169-B97267D7C681}"/>
+              </a:ext>
+            </a:extLst>
+          </p:cNvPr>
+          <p:cNvSpPr>
+            <a:spLocks noGrp="1"/>
+          </p:cNvSpPr>
+          <p:nvPr>
+            <p:ph type="title"/>
+          </p:nvPr>
+        </p:nvSpPr>
+        <p:spPr/>
+        <p:txBody>
+          <a:bodyPr/>
+          <a:lstStyle/>
+          <a:p>
+            <a:r>
+              <a:rPr lang="en-US" altLang="ko-KR" b="1" dirty="0"/>
+              <a:t>&lt; </a:t>
+            </a:r>
+            <a:r>
+              <a:rPr lang="ko-KR" altLang="en-US" b="1" dirty="0"/>
+              <a:t>학습 내용 </a:t>
+            </a:r>
+            <a:r>
+              <a:rPr lang="en-US" altLang="ko-KR" b="1" dirty="0"/>
+              <a:t>&gt;</a:t>
+            </a:r>
+            <a:endParaRPr lang="ko-KR" altLang="en-US" b="1" dirty="0"/>
+          </a:p>
+        </p:txBody>
+      </p:sp>
+      <p:sp>
+        <p:nvSpPr>
+          <p:cNvPr id="3" name="세로 텍스트 개체 틀 2">
+            <a:extLst>
+              <a:ext uri="{FF2B5EF4-FFF2-40B4-BE49-F238E27FC236}">
+                <a16:creationId xmlns:a16="http://schemas.microsoft.com/office/drawing/2014/main" id="{29490A46-00F2-4D62-ABCC-029E4074B162}"/>
+              </a:ext>
+            </a:extLst>
+          </p:cNvPr>
+          <p:cNvSpPr>
+            <a:spLocks noGrp="1"/>
+          </p:cNvSpPr>
+          <p:nvPr>
+            <p:ph type="body" orient="vert" idx="1"/>
+          </p:nvPr>
+        </p:nvSpPr>
+        <p:spPr/>
+        <p:txBody>
+          <a:bodyPr vert="horz">
+            <a:normAutofit/>
+          </a:bodyPr>
+          <a:lstStyle/>
+          <a:p>
+            <a:r>
+              <a:rPr lang="en-US" altLang="ko-KR" sz="4000" dirty="0"/>
+              <a:t> if </a:t>
+            </a:r>
+            <a:r>
+              <a:rPr lang="ko-KR" altLang="en-US" sz="4000" dirty="0"/>
+              <a:t>조건문</a:t>
+            </a:r>
+            <a:endParaRPr lang="en-US" altLang="ko-KR" sz="4000" dirty="0"/>
+          </a:p>
+          <a:p>
+            <a:endParaRPr lang="en-US" altLang="ko-KR" sz="4000" dirty="0"/>
+          </a:p>
+          <a:p>
+            <a:r>
+              <a:rPr lang="ko-KR" altLang="en-US" sz="4000" dirty="0"/>
+              <a:t> 비교</a:t>
+            </a:r>
+            <a:r>
+              <a:rPr lang="en-US" altLang="ko-KR" sz="4000" dirty="0"/>
+              <a:t>, </a:t>
+            </a:r>
+            <a:r>
+              <a:rPr lang="ko-KR" altLang="en-US" sz="4000" dirty="0"/>
+              <a:t>논리 연산</a:t>
+            </a:r>
+            <a:endParaRPr lang="en-US" altLang="ko-KR" sz="4000" dirty="0"/>
+          </a:p>
+          <a:p>
+            <a:endParaRPr lang="en-US" altLang="ko-KR" sz="4000" dirty="0"/>
+          </a:p>
+          <a:p>
+            <a:r>
+              <a:rPr lang="ko-KR" altLang="en-US" sz="4000" dirty="0"/>
+              <a:t> </a:t>
+            </a:r>
+            <a:r>
+              <a:rPr lang="en-US" altLang="ko-KR" sz="4000" dirty="0"/>
+              <a:t>if</a:t>
+            </a:r>
+            <a:r>
+              <a:rPr lang="ko-KR" altLang="en-US" sz="4000" dirty="0"/>
+              <a:t>문의 블록구조 </a:t>
+            </a:r>
+          </a:p>
+        </p:txBody>
+      </p:sp>
+    </p:spTree>
+    <p:extLst>
+      <p:ext uri="{BB962C8B-B14F-4D97-AF65-F5344CB8AC3E}">
+        <p14:creationId xmlns:p14="http://schemas.microsoft.com/office/powerpoint/2010/main" val="618819181"/>
+      </p:ext>
+    </p:extLst>
+  </p:cSld>
+  <p:clrMapOvr>
+    <a:masterClrMapping/>
+  </p:clrMapOvr>
+</p:sld>
+</file>
+
+<file path=ppt/slides/slide3.xml><?xml version="1.0" encoding="utf-8"?>
+<p:sld xmlns:a="http://schemas.openxmlformats.org/drawingml/2006/main" xmlns:r="http://schemas.openxmlformats.org/officeDocument/2006/relationships" xmlns:p="http://schemas.openxmlformats.org/presentationml/2006/main">
+  <p:cSld>
+    <p:spTree>
+      <p:nvGrpSpPr>
+        <p:cNvPr id="1" name=""/>
+        <p:cNvGrpSpPr/>
+        <p:nvPr/>
+      </p:nvGrpSpPr>
+      <p:grpSpPr>
+        <a:xfrm>
+          <a:off x="0" y="0"/>
+          <a:ext cx="0" cy="0"/>
+          <a:chOff x="0" y="0"/>
+          <a:chExt cx="0" cy="0"/>
+        </a:xfrm>
+      </p:grpSpPr>
+      <p:sp>
+        <p:nvSpPr>
+          <p:cNvPr id="2" name="TextBox 1">
+            <a:extLst>
+              <a:ext uri="{FF2B5EF4-FFF2-40B4-BE49-F238E27FC236}">
+                <a16:creationId xmlns:a16="http://schemas.microsoft.com/office/drawing/2014/main" id="{6D5E47BA-144B-6E25-E282-8F211ABD5221}"/>
+              </a:ext>
+            </a:extLst>
+          </p:cNvPr>
+          <p:cNvSpPr txBox="1"/>
+          <p:nvPr/>
+        </p:nvSpPr>
+        <p:spPr>
+          <a:xfrm>
+            <a:off x="1139371" y="2610838"/>
+            <a:ext cx="9913258" cy="830997"/>
+          </a:xfrm>
+          <a:prstGeom prst="rect">
+            <a:avLst/>
+          </a:prstGeom>
+          <a:noFill/>
+        </p:spPr>
+        <p:txBody>
+          <a:bodyPr wrap="square" rtlCol="0">
+            <a:spAutoFit/>
+          </a:bodyPr>
+          <a:lstStyle/>
+          <a:p>
+            <a:pPr algn="ctr"/>
+            <a:r>
+              <a:rPr lang="en-US" altLang="ko-KR" sz="4800" b="1" dirty="0">
+                <a:solidFill>
+                  <a:schemeClr val="accent1"/>
+                </a:solidFill>
+                <a:latin typeface="+mn-ea"/>
+              </a:rPr>
+              <a:t>&lt; if </a:t>
+            </a:r>
+            <a:r>
+              <a:rPr lang="ko-KR" altLang="en-US" sz="4800" b="1" dirty="0">
+                <a:solidFill>
+                  <a:schemeClr val="accent1"/>
+                </a:solidFill>
+                <a:latin typeface="+mn-ea"/>
+              </a:rPr>
+              <a:t>조건문 </a:t>
+            </a:r>
+            <a:r>
+              <a:rPr lang="en-US" altLang="ko-KR" sz="4800" b="1" dirty="0">
+                <a:solidFill>
+                  <a:schemeClr val="accent1"/>
+                </a:solidFill>
+                <a:latin typeface="+mn-ea"/>
+              </a:rPr>
+              <a:t>&gt;</a:t>
+            </a:r>
+            <a:endParaRPr lang="ko-KR" altLang="en-US" sz="4800" b="1" dirty="0">
+              <a:solidFill>
+                <a:schemeClr val="accent1"/>
+              </a:solidFill>
+              <a:latin typeface="+mn-ea"/>
+            </a:endParaRPr>
+          </a:p>
+        </p:txBody>
+      </p:sp>
+    </p:spTree>
+    <p:extLst>
+      <p:ext uri="{BB962C8B-B14F-4D97-AF65-F5344CB8AC3E}">
+        <p14:creationId xmlns:p14="http://schemas.microsoft.com/office/powerpoint/2010/main" val="2450836371"/>
+      </p:ext>
+    </p:extLst>
+  </p:cSld>
+  <p:clrMapOvr>
+    <a:masterClrMapping/>
+  </p:clrMapOvr>
+</p:sld>
+</file>
+
+<file path=ppt/slides/slide4.xml><?xml version="1.0" encoding="utf-8"?>
 <p:sld xmlns:a="http://schemas.openxmlformats.org/drawingml/2006/main" xmlns:r="http://schemas.openxmlformats.org/officeDocument/2006/relationships" xmlns:p="http://schemas.openxmlformats.org/presentationml/2006/main">
   <p:cSld>
     <p:spTree>
@@ -3777,6 +6053,57 @@
           </a:prstGeom>
         </p:spPr>
       </p:pic>
+      <mc:AlternateContent xmlns:mc="http://schemas.openxmlformats.org/markup-compatibility/2006">
+        <mc:Choice xmlns:p14="http://schemas.microsoft.com/office/powerpoint/2010/main" Requires="p14">
+          <p:contentPart p14:bwMode="auto" r:id="rId4">
+            <p14:nvContentPartPr>
+              <p14:cNvPr id="2" name="잉크 1">
+                <a:extLst>
+                  <a:ext uri="{FF2B5EF4-FFF2-40B4-BE49-F238E27FC236}">
+                    <a16:creationId xmlns:a16="http://schemas.microsoft.com/office/drawing/2014/main" id="{3525DF37-8264-3319-AC41-6CB80966DB2C}"/>
+                  </a:ext>
+                </a:extLst>
+              </p14:cNvPr>
+              <p14:cNvContentPartPr/>
+              <p14:nvPr/>
+            </p14:nvContentPartPr>
+            <p14:xfrm>
+              <a:off x="652294" y="637766"/>
+              <a:ext cx="758880" cy="360"/>
+            </p14:xfrm>
+          </p:contentPart>
+        </mc:Choice>
+        <mc:Fallback>
+          <p:pic>
+            <p:nvPicPr>
+              <p:cNvPr id="2" name="잉크 1">
+                <a:extLst>
+                  <a:ext uri="{FF2B5EF4-FFF2-40B4-BE49-F238E27FC236}">
+                    <a16:creationId xmlns:a16="http://schemas.microsoft.com/office/drawing/2014/main" id="{3525DF37-8264-3319-AC41-6CB80966DB2C}"/>
+                  </a:ext>
+                </a:extLst>
+              </p:cNvPr>
+              <p:cNvPicPr/>
+              <p:nvPr/>
+            </p:nvPicPr>
+            <p:blipFill>
+              <a:blip r:embed="rId5"/>
+              <a:stretch>
+                <a:fillRect/>
+              </a:stretch>
+            </p:blipFill>
+            <p:spPr>
+              <a:xfrm>
+                <a:off x="598654" y="529766"/>
+                <a:ext cx="866520" cy="216000"/>
+              </a:xfrm>
+              <a:prstGeom prst="rect">
+                <a:avLst/>
+              </a:prstGeom>
+            </p:spPr>
+          </p:pic>
+        </mc:Fallback>
+      </mc:AlternateContent>
     </p:spTree>
     <p:extLst>
       <p:ext uri="{BB962C8B-B14F-4D97-AF65-F5344CB8AC3E}">
@@ -3790,7 +6117,7 @@
 </p:sld>
 </file>
 
-<file path=ppt/slides/slide3.xml><?xml version="1.0" encoding="utf-8"?>
+<file path=ppt/slides/slide5.xml><?xml version="1.0" encoding="utf-8"?>
 <p:sld xmlns:a="http://schemas.openxmlformats.org/drawingml/2006/main" xmlns:r="http://schemas.openxmlformats.org/officeDocument/2006/relationships" xmlns:p="http://schemas.openxmlformats.org/presentationml/2006/main">
   <p:cSld>
     <p:spTree>
@@ -3867,6 +6194,333 @@
           </a:prstGeom>
         </p:spPr>
       </p:pic>
+      <mc:AlternateContent xmlns:mc="http://schemas.openxmlformats.org/markup-compatibility/2006">
+        <mc:Choice xmlns:p14="http://schemas.microsoft.com/office/powerpoint/2010/main" Requires="p14">
+          <p:contentPart p14:bwMode="auto" r:id="rId4">
+            <p14:nvContentPartPr>
+              <p14:cNvPr id="2" name="잉크 1">
+                <a:extLst>
+                  <a:ext uri="{FF2B5EF4-FFF2-40B4-BE49-F238E27FC236}">
+                    <a16:creationId xmlns:a16="http://schemas.microsoft.com/office/drawing/2014/main" id="{60AAA5A6-DAC2-915F-4DAD-0E8BA6121A66}"/>
+                  </a:ext>
+                </a:extLst>
+              </p14:cNvPr>
+              <p14:cNvContentPartPr/>
+              <p14:nvPr/>
+            </p14:nvContentPartPr>
+            <p14:xfrm>
+              <a:off x="9470134" y="2187566"/>
+              <a:ext cx="360" cy="360"/>
+            </p14:xfrm>
+          </p:contentPart>
+        </mc:Choice>
+        <mc:Fallback>
+          <p:pic>
+            <p:nvPicPr>
+              <p:cNvPr id="2" name="잉크 1">
+                <a:extLst>
+                  <a:ext uri="{FF2B5EF4-FFF2-40B4-BE49-F238E27FC236}">
+                    <a16:creationId xmlns:a16="http://schemas.microsoft.com/office/drawing/2014/main" id="{60AAA5A6-DAC2-915F-4DAD-0E8BA6121A66}"/>
+                  </a:ext>
+                </a:extLst>
+              </p:cNvPr>
+              <p:cNvPicPr/>
+              <p:nvPr/>
+            </p:nvPicPr>
+            <p:blipFill>
+              <a:blip r:embed="rId5"/>
+              <a:stretch>
+                <a:fillRect/>
+              </a:stretch>
+            </p:blipFill>
+            <p:spPr>
+              <a:xfrm>
+                <a:off x="9407494" y="2124926"/>
+                <a:ext cx="126000" cy="126000"/>
+              </a:xfrm>
+              <a:prstGeom prst="rect">
+                <a:avLst/>
+              </a:prstGeom>
+            </p:spPr>
+          </p:pic>
+        </mc:Fallback>
+      </mc:AlternateContent>
+      <mc:AlternateContent xmlns:mc="http://schemas.openxmlformats.org/markup-compatibility/2006">
+        <mc:Choice xmlns:p14="http://schemas.microsoft.com/office/powerpoint/2010/main" Requires="p14">
+          <p:contentPart p14:bwMode="auto" r:id="rId6">
+            <p14:nvContentPartPr>
+              <p14:cNvPr id="4" name="잉크 3">
+                <a:extLst>
+                  <a:ext uri="{FF2B5EF4-FFF2-40B4-BE49-F238E27FC236}">
+                    <a16:creationId xmlns:a16="http://schemas.microsoft.com/office/drawing/2014/main" id="{DE669942-7A63-07E6-2975-9F3E9C567640}"/>
+                  </a:ext>
+                </a:extLst>
+              </p14:cNvPr>
+              <p14:cNvContentPartPr/>
+              <p14:nvPr/>
+            </p14:nvContentPartPr>
+            <p14:xfrm>
+              <a:off x="3526534" y="3404006"/>
+              <a:ext cx="1391040" cy="325440"/>
+            </p14:xfrm>
+          </p:contentPart>
+        </mc:Choice>
+        <mc:Fallback>
+          <p:pic>
+            <p:nvPicPr>
+              <p:cNvPr id="4" name="잉크 3">
+                <a:extLst>
+                  <a:ext uri="{FF2B5EF4-FFF2-40B4-BE49-F238E27FC236}">
+                    <a16:creationId xmlns:a16="http://schemas.microsoft.com/office/drawing/2014/main" id="{DE669942-7A63-07E6-2975-9F3E9C567640}"/>
+                  </a:ext>
+                </a:extLst>
+              </p:cNvPr>
+              <p:cNvPicPr/>
+              <p:nvPr/>
+            </p:nvPicPr>
+            <p:blipFill>
+              <a:blip r:embed="rId7"/>
+              <a:stretch>
+                <a:fillRect/>
+              </a:stretch>
+            </p:blipFill>
+            <p:spPr>
+              <a:xfrm>
+                <a:off x="3463534" y="3341006"/>
+                <a:ext cx="1516680" cy="451080"/>
+              </a:xfrm>
+              <a:prstGeom prst="rect">
+                <a:avLst/>
+              </a:prstGeom>
+            </p:spPr>
+          </p:pic>
+        </mc:Fallback>
+      </mc:AlternateContent>
+      <p:grpSp>
+        <p:nvGrpSpPr>
+          <p:cNvPr id="8" name="그룹 7">
+            <a:extLst>
+              <a:ext uri="{FF2B5EF4-FFF2-40B4-BE49-F238E27FC236}">
+                <a16:creationId xmlns:a16="http://schemas.microsoft.com/office/drawing/2014/main" id="{C7F76F90-091A-0905-943D-0FD4F59CBDB1}"/>
+              </a:ext>
+            </a:extLst>
+          </p:cNvPr>
+          <p:cNvGrpSpPr/>
+          <p:nvPr/>
+        </p:nvGrpSpPr>
+        <p:grpSpPr>
+          <a:xfrm>
+            <a:off x="3510334" y="4529726"/>
+            <a:ext cx="1388520" cy="189000"/>
+            <a:chOff x="3510334" y="4529726"/>
+            <a:chExt cx="1388520" cy="189000"/>
+          </a:xfrm>
+        </p:grpSpPr>
+        <mc:AlternateContent xmlns:mc="http://schemas.openxmlformats.org/markup-compatibility/2006">
+          <mc:Choice xmlns:p14="http://schemas.microsoft.com/office/powerpoint/2010/main" Requires="p14">
+            <p:contentPart p14:bwMode="auto" r:id="rId8">
+              <p14:nvContentPartPr>
+                <p14:cNvPr id="6" name="잉크 5">
+                  <a:extLst>
+                    <a:ext uri="{FF2B5EF4-FFF2-40B4-BE49-F238E27FC236}">
+                      <a16:creationId xmlns:a16="http://schemas.microsoft.com/office/drawing/2014/main" id="{6D095193-C17E-9CA2-CDFB-942127F6FAF0}"/>
+                    </a:ext>
+                  </a:extLst>
+                </p14:cNvPr>
+                <p14:cNvContentPartPr/>
+                <p14:nvPr/>
+              </p14:nvContentPartPr>
+              <p14:xfrm>
+                <a:off x="3510334" y="4529726"/>
+                <a:ext cx="1335960" cy="189000"/>
+              </p14:xfrm>
+            </p:contentPart>
+          </mc:Choice>
+          <mc:Fallback>
+            <p:pic>
+              <p:nvPicPr>
+                <p:cNvPr id="6" name="잉크 5">
+                  <a:extLst>
+                    <a:ext uri="{FF2B5EF4-FFF2-40B4-BE49-F238E27FC236}">
+                      <a16:creationId xmlns:a16="http://schemas.microsoft.com/office/drawing/2014/main" id="{6D095193-C17E-9CA2-CDFB-942127F6FAF0}"/>
+                    </a:ext>
+                  </a:extLst>
+                </p:cNvPr>
+                <p:cNvPicPr/>
+                <p:nvPr/>
+              </p:nvPicPr>
+              <p:blipFill>
+                <a:blip r:embed="rId9"/>
+                <a:stretch>
+                  <a:fillRect/>
+                </a:stretch>
+              </p:blipFill>
+              <p:spPr>
+                <a:xfrm>
+                  <a:off x="3447694" y="4466726"/>
+                  <a:ext cx="1461600" cy="314640"/>
+                </a:xfrm>
+                <a:prstGeom prst="rect">
+                  <a:avLst/>
+                </a:prstGeom>
+              </p:spPr>
+            </p:pic>
+          </mc:Fallback>
+        </mc:AlternateContent>
+        <mc:AlternateContent xmlns:mc="http://schemas.openxmlformats.org/markup-compatibility/2006">
+          <mc:Choice xmlns:p14="http://schemas.microsoft.com/office/powerpoint/2010/main" Requires="p14">
+            <p:contentPart p14:bwMode="auto" r:id="rId10">
+              <p14:nvContentPartPr>
+                <p14:cNvPr id="7" name="잉크 6">
+                  <a:extLst>
+                    <a:ext uri="{FF2B5EF4-FFF2-40B4-BE49-F238E27FC236}">
+                      <a16:creationId xmlns:a16="http://schemas.microsoft.com/office/drawing/2014/main" id="{565F78CC-31DC-E9A7-CB85-875000245DCB}"/>
+                    </a:ext>
+                  </a:extLst>
+                </p14:cNvPr>
+                <p14:cNvContentPartPr/>
+                <p14:nvPr/>
+              </p14:nvContentPartPr>
+              <p14:xfrm>
+                <a:off x="4898494" y="4620446"/>
+                <a:ext cx="360" cy="360"/>
+              </p14:xfrm>
+            </p:contentPart>
+          </mc:Choice>
+          <mc:Fallback>
+            <p:pic>
+              <p:nvPicPr>
+                <p:cNvPr id="7" name="잉크 6">
+                  <a:extLst>
+                    <a:ext uri="{FF2B5EF4-FFF2-40B4-BE49-F238E27FC236}">
+                      <a16:creationId xmlns:a16="http://schemas.microsoft.com/office/drawing/2014/main" id="{565F78CC-31DC-E9A7-CB85-875000245DCB}"/>
+                    </a:ext>
+                  </a:extLst>
+                </p:cNvPr>
+                <p:cNvPicPr/>
+                <p:nvPr/>
+              </p:nvPicPr>
+              <p:blipFill>
+                <a:blip r:embed="rId5"/>
+                <a:stretch>
+                  <a:fillRect/>
+                </a:stretch>
+              </p:blipFill>
+              <p:spPr>
+                <a:xfrm>
+                  <a:off x="4835494" y="4557806"/>
+                  <a:ext cx="126000" cy="126000"/>
+                </a:xfrm>
+                <a:prstGeom prst="rect">
+                  <a:avLst/>
+                </a:prstGeom>
+              </p:spPr>
+            </p:pic>
+          </mc:Fallback>
+        </mc:AlternateContent>
+      </p:grpSp>
+      <mc:AlternateContent xmlns:mc="http://schemas.openxmlformats.org/markup-compatibility/2006">
+        <mc:Choice xmlns:p14="http://schemas.microsoft.com/office/powerpoint/2010/main" Requires="p14">
+          <p:contentPart p14:bwMode="auto" r:id="rId11">
+            <p14:nvContentPartPr>
+              <p14:cNvPr id="9" name="잉크 8">
+                <a:extLst>
+                  <a:ext uri="{FF2B5EF4-FFF2-40B4-BE49-F238E27FC236}">
+                    <a16:creationId xmlns:a16="http://schemas.microsoft.com/office/drawing/2014/main" id="{BC1E6B08-95C0-6894-D63C-D6433058D053}"/>
+                  </a:ext>
+                </a:extLst>
+              </p14:cNvPr>
+              <p14:cNvContentPartPr/>
+              <p14:nvPr/>
+            </p14:nvContentPartPr>
+            <p14:xfrm>
+              <a:off x="3526534" y="5618366"/>
+              <a:ext cx="1317600" cy="300240"/>
+            </p14:xfrm>
+          </p:contentPart>
+        </mc:Choice>
+        <mc:Fallback>
+          <p:pic>
+            <p:nvPicPr>
+              <p:cNvPr id="9" name="잉크 8">
+                <a:extLst>
+                  <a:ext uri="{FF2B5EF4-FFF2-40B4-BE49-F238E27FC236}">
+                    <a16:creationId xmlns:a16="http://schemas.microsoft.com/office/drawing/2014/main" id="{BC1E6B08-95C0-6894-D63C-D6433058D053}"/>
+                  </a:ext>
+                </a:extLst>
+              </p:cNvPr>
+              <p:cNvPicPr/>
+              <p:nvPr/>
+            </p:nvPicPr>
+            <p:blipFill>
+              <a:blip r:embed="rId12"/>
+              <a:stretch>
+                <a:fillRect/>
+              </a:stretch>
+            </p:blipFill>
+            <p:spPr>
+              <a:xfrm>
+                <a:off x="3463534" y="5555366"/>
+                <a:ext cx="1443240" cy="425880"/>
+              </a:xfrm>
+              <a:prstGeom prst="rect">
+                <a:avLst/>
+              </a:prstGeom>
+            </p:spPr>
+          </p:pic>
+        </mc:Fallback>
+      </mc:AlternateContent>
+      <mc:AlternateContent xmlns:mc="http://schemas.openxmlformats.org/markup-compatibility/2006">
+        <mc:Choice xmlns:p14="http://schemas.microsoft.com/office/powerpoint/2010/main" Requires="p14">
+          <p:contentPart p14:bwMode="auto" r:id="rId13">
+            <p14:nvContentPartPr>
+              <p14:cNvPr id="10" name="잉크 9">
+                <a:extLst>
+                  <a:ext uri="{FF2B5EF4-FFF2-40B4-BE49-F238E27FC236}">
+                    <a16:creationId xmlns:a16="http://schemas.microsoft.com/office/drawing/2014/main" id="{6E90B7D7-F35D-20DE-5D21-9A9A70959C3E}"/>
+                  </a:ext>
+                </a:extLst>
+              </p14:cNvPr>
+              <p14:cNvContentPartPr/>
+              <p14:nvPr/>
+            </p14:nvContentPartPr>
+            <p14:xfrm>
+              <a:off x="10661734" y="2660966"/>
+              <a:ext cx="360" cy="360"/>
+            </p14:xfrm>
+          </p:contentPart>
+        </mc:Choice>
+        <mc:Fallback>
+          <p:pic>
+            <p:nvPicPr>
+              <p:cNvPr id="10" name="잉크 9">
+                <a:extLst>
+                  <a:ext uri="{FF2B5EF4-FFF2-40B4-BE49-F238E27FC236}">
+                    <a16:creationId xmlns:a16="http://schemas.microsoft.com/office/drawing/2014/main" id="{6E90B7D7-F35D-20DE-5D21-9A9A70959C3E}"/>
+                  </a:ext>
+                </a:extLst>
+              </p:cNvPr>
+              <p:cNvPicPr/>
+              <p:nvPr/>
+            </p:nvPicPr>
+            <p:blipFill>
+              <a:blip r:embed="rId5"/>
+              <a:stretch>
+                <a:fillRect/>
+              </a:stretch>
+            </p:blipFill>
+            <p:spPr>
+              <a:xfrm>
+                <a:off x="10599094" y="2598326"/>
+                <a:ext cx="126000" cy="126000"/>
+              </a:xfrm>
+              <a:prstGeom prst="rect">
+                <a:avLst/>
+              </a:prstGeom>
+            </p:spPr>
+          </p:pic>
+        </mc:Fallback>
+      </mc:AlternateContent>
     </p:spTree>
     <p:extLst>
       <p:ext uri="{BB962C8B-B14F-4D97-AF65-F5344CB8AC3E}">
@@ -3880,7 +6534,120 @@
 </p:sld>
 </file>
 
-<file path=ppt/slides/slide4.xml><?xml version="1.0" encoding="utf-8"?>
+<file path=ppt/slides/slide6.xml><?xml version="1.0" encoding="utf-8"?>
+<p:sld xmlns:a="http://schemas.openxmlformats.org/drawingml/2006/main" xmlns:r="http://schemas.openxmlformats.org/officeDocument/2006/relationships" xmlns:p="http://schemas.openxmlformats.org/presentationml/2006/main">
+  <p:cSld>
+    <p:spTree>
+      <p:nvGrpSpPr>
+        <p:cNvPr id="1" name=""/>
+        <p:cNvGrpSpPr/>
+        <p:nvPr/>
+      </p:nvGrpSpPr>
+      <p:grpSpPr>
+        <a:xfrm>
+          <a:off x="0" y="0"/>
+          <a:ext cx="0" cy="0"/>
+          <a:chOff x="0" y="0"/>
+          <a:chExt cx="0" cy="0"/>
+        </a:xfrm>
+      </p:grpSpPr>
+      <p:sp>
+        <p:nvSpPr>
+          <p:cNvPr id="2" name="TextBox 1">
+            <a:extLst>
+              <a:ext uri="{FF2B5EF4-FFF2-40B4-BE49-F238E27FC236}">
+                <a16:creationId xmlns:a16="http://schemas.microsoft.com/office/drawing/2014/main" id="{6D5E47BA-144B-6E25-E282-8F211ABD5221}"/>
+              </a:ext>
+            </a:extLst>
+          </p:cNvPr>
+          <p:cNvSpPr txBox="1"/>
+          <p:nvPr/>
+        </p:nvSpPr>
+        <p:spPr>
+          <a:xfrm>
+            <a:off x="1139371" y="2610838"/>
+            <a:ext cx="9913258" cy="830997"/>
+          </a:xfrm>
+          <a:prstGeom prst="rect">
+            <a:avLst/>
+          </a:prstGeom>
+          <a:noFill/>
+        </p:spPr>
+        <p:txBody>
+          <a:bodyPr wrap="square" rtlCol="0">
+            <a:spAutoFit/>
+          </a:bodyPr>
+          <a:lstStyle/>
+          <a:p>
+            <a:pPr algn="ctr"/>
+            <a:r>
+              <a:rPr lang="en-US" altLang="ko-KR" sz="4800" b="1" dirty="0">
+                <a:solidFill>
+                  <a:schemeClr val="accent1"/>
+                </a:solidFill>
+                <a:latin typeface="+mn-ea"/>
+              </a:rPr>
+              <a:t>&lt; </a:t>
+            </a:r>
+            <a:r>
+              <a:rPr lang="ko-KR" altLang="en-US" sz="4800" b="1" dirty="0">
+                <a:solidFill>
+                  <a:schemeClr val="accent1"/>
+                </a:solidFill>
+                <a:latin typeface="+mn-ea"/>
+              </a:rPr>
+              <a:t>비교</a:t>
+            </a:r>
+            <a:r>
+              <a:rPr lang="en-US" altLang="ko-KR" sz="4800" b="1" dirty="0">
+                <a:solidFill>
+                  <a:schemeClr val="accent1"/>
+                </a:solidFill>
+                <a:latin typeface="+mn-ea"/>
+              </a:rPr>
+              <a:t>, </a:t>
+            </a:r>
+            <a:r>
+              <a:rPr lang="ko-KR" altLang="en-US" sz="4800" b="1" dirty="0">
+                <a:solidFill>
+                  <a:schemeClr val="accent1"/>
+                </a:solidFill>
+                <a:latin typeface="+mn-ea"/>
+              </a:rPr>
+              <a:t>논리 연산자 </a:t>
+            </a:r>
+            <a:r>
+              <a:rPr lang="en-US" altLang="ko-KR" sz="4800" b="1" dirty="0">
+                <a:solidFill>
+                  <a:schemeClr val="accent1"/>
+                </a:solidFill>
+                <a:latin typeface="+mn-ea"/>
+              </a:rPr>
+              <a:t>&gt;</a:t>
+            </a:r>
+            <a:endParaRPr lang="ko-KR" altLang="en-US" sz="4800" b="1" dirty="0">
+              <a:solidFill>
+                <a:schemeClr val="accent1"/>
+              </a:solidFill>
+              <a:latin typeface="+mn-ea"/>
+            </a:endParaRPr>
+          </a:p>
+        </p:txBody>
+      </p:sp>
+    </p:spTree>
+    <p:extLst>
+      <p:ext uri="{BB962C8B-B14F-4D97-AF65-F5344CB8AC3E}">
+        <p14:creationId xmlns:p14="http://schemas.microsoft.com/office/powerpoint/2010/main" val="918712467"/>
+      </p:ext>
+    </p:extLst>
+  </p:cSld>
+  <p:clrMapOvr>
+    <a:masterClrMapping/>
+  </p:clrMapOvr>
+</p:sld>
+</file>
+
+<file path=ppt/slides/slide7.xml><?xml version="1.0" encoding="utf-8"?>
 <p:sld xmlns:a="http://schemas.openxmlformats.org/drawingml/2006/main" xmlns:r="http://schemas.openxmlformats.org/officeDocument/2006/relationships" xmlns:p="http://schemas.openxmlformats.org/presentationml/2006/main">
   <p:cSld>
     <p:spTree>
@@ -3927,6 +6694,57 @@
           </a:prstGeom>
         </p:spPr>
       </p:pic>
+      <mc:AlternateContent xmlns:mc="http://schemas.openxmlformats.org/markup-compatibility/2006">
+        <mc:Choice xmlns:p14="http://schemas.microsoft.com/office/powerpoint/2010/main" Requires="p14">
+          <p:contentPart p14:bwMode="auto" r:id="rId3">
+            <p14:nvContentPartPr>
+              <p14:cNvPr id="2" name="잉크 1">
+                <a:extLst>
+                  <a:ext uri="{FF2B5EF4-FFF2-40B4-BE49-F238E27FC236}">
+                    <a16:creationId xmlns:a16="http://schemas.microsoft.com/office/drawing/2014/main" id="{CCD9032A-8DCD-5A1E-691B-D30F7BBD025E}"/>
+                  </a:ext>
+                </a:extLst>
+              </p14:cNvPr>
+              <p14:cNvContentPartPr/>
+              <p14:nvPr/>
+            </p14:nvContentPartPr>
+            <p14:xfrm>
+              <a:off x="864694" y="732446"/>
+              <a:ext cx="1615320" cy="360"/>
+            </p14:xfrm>
+          </p:contentPart>
+        </mc:Choice>
+        <mc:Fallback>
+          <p:pic>
+            <p:nvPicPr>
+              <p:cNvPr id="2" name="잉크 1">
+                <a:extLst>
+                  <a:ext uri="{FF2B5EF4-FFF2-40B4-BE49-F238E27FC236}">
+                    <a16:creationId xmlns:a16="http://schemas.microsoft.com/office/drawing/2014/main" id="{CCD9032A-8DCD-5A1E-691B-D30F7BBD025E}"/>
+                  </a:ext>
+                </a:extLst>
+              </p:cNvPr>
+              <p:cNvPicPr/>
+              <p:nvPr/>
+            </p:nvPicPr>
+            <p:blipFill>
+              <a:blip r:embed="rId4"/>
+              <a:stretch>
+                <a:fillRect/>
+              </a:stretch>
+            </p:blipFill>
+            <p:spPr>
+              <a:xfrm>
+                <a:off x="792694" y="588446"/>
+                <a:ext cx="1758960" cy="288000"/>
+              </a:xfrm>
+              <a:prstGeom prst="rect">
+                <a:avLst/>
+              </a:prstGeom>
+            </p:spPr>
+          </p:pic>
+        </mc:Fallback>
+      </mc:AlternateContent>
     </p:spTree>
     <p:extLst>
       <p:ext uri="{BB962C8B-B14F-4D97-AF65-F5344CB8AC3E}">
@@ -3940,7 +6758,7 @@
 </p:sld>
 </file>
 
-<file path=ppt/slides/slide5.xml><?xml version="1.0" encoding="utf-8"?>
+<file path=ppt/slides/slide8.xml><?xml version="1.0" encoding="utf-8"?>
 <p:sld xmlns:a="http://schemas.openxmlformats.org/drawingml/2006/main" xmlns:r="http://schemas.openxmlformats.org/officeDocument/2006/relationships" xmlns:p="http://schemas.openxmlformats.org/presentationml/2006/main">
   <p:cSld>
     <p:spTree>
@@ -4000,7 +6818,7 @@
 </p:sld>
 </file>
 
-<file path=ppt/slides/slide6.xml><?xml version="1.0" encoding="utf-8"?>
+<file path=ppt/slides/slide9.xml><?xml version="1.0" encoding="utf-8"?>
 <p:sld xmlns:a="http://schemas.openxmlformats.org/drawingml/2006/main" xmlns:r="http://schemas.openxmlformats.org/officeDocument/2006/relationships" xmlns:p="http://schemas.openxmlformats.org/presentationml/2006/main">
   <p:cSld>
     <p:spTree>
@@ -4107,250 +6925,214 @@
           </a:prstGeom>
         </p:spPr>
       </p:pic>
+      <mc:AlternateContent xmlns:mc="http://schemas.openxmlformats.org/markup-compatibility/2006">
+        <mc:Choice xmlns:p14="http://schemas.microsoft.com/office/powerpoint/2010/main" Requires="p14">
+          <p:contentPart p14:bwMode="auto" r:id="rId5">
+            <p14:nvContentPartPr>
+              <p14:cNvPr id="2" name="잉크 1">
+                <a:extLst>
+                  <a:ext uri="{FF2B5EF4-FFF2-40B4-BE49-F238E27FC236}">
+                    <a16:creationId xmlns:a16="http://schemas.microsoft.com/office/drawing/2014/main" id="{4FA174BE-565B-CC55-F1CA-4B4122F1FBBC}"/>
+                  </a:ext>
+                </a:extLst>
+              </p14:cNvPr>
+              <p14:cNvContentPartPr/>
+              <p14:nvPr/>
+            </p14:nvContentPartPr>
+            <p14:xfrm>
+              <a:off x="3036574" y="4016366"/>
+              <a:ext cx="1105200" cy="50040"/>
+            </p14:xfrm>
+          </p:contentPart>
+        </mc:Choice>
+        <mc:Fallback>
+          <p:pic>
+            <p:nvPicPr>
+              <p:cNvPr id="2" name="잉크 1">
+                <a:extLst>
+                  <a:ext uri="{FF2B5EF4-FFF2-40B4-BE49-F238E27FC236}">
+                    <a16:creationId xmlns:a16="http://schemas.microsoft.com/office/drawing/2014/main" id="{4FA174BE-565B-CC55-F1CA-4B4122F1FBBC}"/>
+                  </a:ext>
+                </a:extLst>
+              </p:cNvPr>
+              <p:cNvPicPr/>
+              <p:nvPr/>
+            </p:nvPicPr>
+            <p:blipFill>
+              <a:blip r:embed="rId6"/>
+              <a:stretch>
+                <a:fillRect/>
+              </a:stretch>
+            </p:blipFill>
+            <p:spPr>
+              <a:xfrm>
+                <a:off x="2973574" y="3953366"/>
+                <a:ext cx="1230840" cy="175680"/>
+              </a:xfrm>
+              <a:prstGeom prst="rect">
+                <a:avLst/>
+              </a:prstGeom>
+            </p:spPr>
+          </p:pic>
+        </mc:Fallback>
+      </mc:AlternateContent>
+      <mc:AlternateContent xmlns:mc="http://schemas.openxmlformats.org/markup-compatibility/2006">
+        <mc:Choice xmlns:p14="http://schemas.microsoft.com/office/powerpoint/2010/main" Requires="p14">
+          <p:contentPart p14:bwMode="auto" r:id="rId7">
+            <p14:nvContentPartPr>
+              <p14:cNvPr id="4" name="잉크 3">
+                <a:extLst>
+                  <a:ext uri="{FF2B5EF4-FFF2-40B4-BE49-F238E27FC236}">
+                    <a16:creationId xmlns:a16="http://schemas.microsoft.com/office/drawing/2014/main" id="{FEA7A429-CA92-85FD-678B-9AFE3CD8FBA4}"/>
+                  </a:ext>
+                </a:extLst>
+              </p14:cNvPr>
+              <p14:cNvContentPartPr/>
+              <p14:nvPr/>
+            </p14:nvContentPartPr>
+            <p14:xfrm>
+              <a:off x="3053134" y="4930046"/>
+              <a:ext cx="1124640" cy="115560"/>
+            </p14:xfrm>
+          </p:contentPart>
+        </mc:Choice>
+        <mc:Fallback>
+          <p:pic>
+            <p:nvPicPr>
+              <p:cNvPr id="4" name="잉크 3">
+                <a:extLst>
+                  <a:ext uri="{FF2B5EF4-FFF2-40B4-BE49-F238E27FC236}">
+                    <a16:creationId xmlns:a16="http://schemas.microsoft.com/office/drawing/2014/main" id="{FEA7A429-CA92-85FD-678B-9AFE3CD8FBA4}"/>
+                  </a:ext>
+                </a:extLst>
+              </p:cNvPr>
+              <p:cNvPicPr/>
+              <p:nvPr/>
+            </p:nvPicPr>
+            <p:blipFill>
+              <a:blip r:embed="rId8"/>
+              <a:stretch>
+                <a:fillRect/>
+              </a:stretch>
+            </p:blipFill>
+            <p:spPr>
+              <a:xfrm>
+                <a:off x="2990134" y="4867046"/>
+                <a:ext cx="1250280" cy="241200"/>
+              </a:xfrm>
+              <a:prstGeom prst="rect">
+                <a:avLst/>
+              </a:prstGeom>
+            </p:spPr>
+          </p:pic>
+        </mc:Fallback>
+      </mc:AlternateContent>
+      <mc:AlternateContent xmlns:mc="http://schemas.openxmlformats.org/markup-compatibility/2006">
+        <mc:Choice xmlns:p14="http://schemas.microsoft.com/office/powerpoint/2010/main" Requires="p14">
+          <p:contentPart p14:bwMode="auto" r:id="rId9">
+            <p14:nvContentPartPr>
+              <p14:cNvPr id="6" name="잉크 5">
+                <a:extLst>
+                  <a:ext uri="{FF2B5EF4-FFF2-40B4-BE49-F238E27FC236}">
+                    <a16:creationId xmlns:a16="http://schemas.microsoft.com/office/drawing/2014/main" id="{9E8941A9-E9FD-F45A-237D-57BCFD8FB337}"/>
+                  </a:ext>
+                </a:extLst>
+              </p14:cNvPr>
+              <p14:cNvContentPartPr/>
+              <p14:nvPr/>
+            </p14:nvContentPartPr>
+            <p14:xfrm>
+              <a:off x="3036574" y="5859926"/>
+              <a:ext cx="1120680" cy="114480"/>
+            </p14:xfrm>
+          </p:contentPart>
+        </mc:Choice>
+        <mc:Fallback>
+          <p:pic>
+            <p:nvPicPr>
+              <p:cNvPr id="6" name="잉크 5">
+                <a:extLst>
+                  <a:ext uri="{FF2B5EF4-FFF2-40B4-BE49-F238E27FC236}">
+                    <a16:creationId xmlns:a16="http://schemas.microsoft.com/office/drawing/2014/main" id="{9E8941A9-E9FD-F45A-237D-57BCFD8FB337}"/>
+                  </a:ext>
+                </a:extLst>
+              </p:cNvPr>
+              <p:cNvPicPr/>
+              <p:nvPr/>
+            </p:nvPicPr>
+            <p:blipFill>
+              <a:blip r:embed="rId10"/>
+              <a:stretch>
+                <a:fillRect/>
+              </a:stretch>
+            </p:blipFill>
+            <p:spPr>
+              <a:xfrm>
+                <a:off x="2973574" y="5797286"/>
+                <a:ext cx="1246320" cy="240120"/>
+              </a:xfrm>
+              <a:prstGeom prst="rect">
+                <a:avLst/>
+              </a:prstGeom>
+            </p:spPr>
+          </p:pic>
+        </mc:Fallback>
+      </mc:AlternateContent>
+      <mc:AlternateContent xmlns:mc="http://schemas.openxmlformats.org/markup-compatibility/2006">
+        <mc:Choice xmlns:p14="http://schemas.microsoft.com/office/powerpoint/2010/main" Requires="p14">
+          <p:contentPart p14:bwMode="auto" r:id="rId11">
+            <p14:nvContentPartPr>
+              <p14:cNvPr id="8" name="잉크 7">
+                <a:extLst>
+                  <a:ext uri="{FF2B5EF4-FFF2-40B4-BE49-F238E27FC236}">
+                    <a16:creationId xmlns:a16="http://schemas.microsoft.com/office/drawing/2014/main" id="{EB8FB2DA-EC39-4E35-704F-A7A84B238D46}"/>
+                  </a:ext>
+                </a:extLst>
+              </p14:cNvPr>
+              <p14:cNvContentPartPr/>
+              <p14:nvPr/>
+            </p14:nvContentPartPr>
+            <p14:xfrm>
+              <a:off x="685054" y="588806"/>
+              <a:ext cx="1001160" cy="360"/>
+            </p14:xfrm>
+          </p:contentPart>
+        </mc:Choice>
+        <mc:Fallback>
+          <p:pic>
+            <p:nvPicPr>
+              <p:cNvPr id="8" name="잉크 7">
+                <a:extLst>
+                  <a:ext uri="{FF2B5EF4-FFF2-40B4-BE49-F238E27FC236}">
+                    <a16:creationId xmlns:a16="http://schemas.microsoft.com/office/drawing/2014/main" id="{EB8FB2DA-EC39-4E35-704F-A7A84B238D46}"/>
+                  </a:ext>
+                </a:extLst>
+              </p:cNvPr>
+              <p:cNvPicPr/>
+              <p:nvPr/>
+            </p:nvPicPr>
+            <p:blipFill>
+              <a:blip r:embed="rId12"/>
+              <a:stretch>
+                <a:fillRect/>
+              </a:stretch>
+            </p:blipFill>
+            <p:spPr>
+              <a:xfrm>
+                <a:off x="631414" y="480806"/>
+                <a:ext cx="1108800" cy="216000"/>
+              </a:xfrm>
+              <a:prstGeom prst="rect">
+                <a:avLst/>
+              </a:prstGeom>
+            </p:spPr>
+          </p:pic>
+        </mc:Fallback>
+      </mc:AlternateContent>
     </p:spTree>
     <p:extLst>
       <p:ext uri="{BB962C8B-B14F-4D97-AF65-F5344CB8AC3E}">
         <p14:creationId xmlns:p14="http://schemas.microsoft.com/office/powerpoint/2010/main" val="453145218"/>
-      </p:ext>
-    </p:extLst>
-  </p:cSld>
-  <p:clrMapOvr>
-    <a:masterClrMapping/>
-  </p:clrMapOvr>
-</p:sld>
-</file>
-
-<file path=ppt/slides/slide7.xml><?xml version="1.0" encoding="utf-8"?>
-<p:sld xmlns:a="http://schemas.openxmlformats.org/drawingml/2006/main" xmlns:r="http://schemas.openxmlformats.org/officeDocument/2006/relationships" xmlns:p="http://schemas.openxmlformats.org/presentationml/2006/main">
-  <p:cSld>
-    <p:spTree>
-      <p:nvGrpSpPr>
-        <p:cNvPr id="1" name=""/>
-        <p:cNvGrpSpPr/>
-        <p:nvPr/>
-      </p:nvGrpSpPr>
-      <p:grpSpPr>
-        <a:xfrm>
-          <a:off x="0" y="0"/>
-          <a:ext cx="0" cy="0"/>
-          <a:chOff x="0" y="0"/>
-          <a:chExt cx="0" cy="0"/>
-        </a:xfrm>
-      </p:grpSpPr>
-      <p:pic>
-        <p:nvPicPr>
-          <p:cNvPr id="3" name="그림 2">
-            <a:extLst>
-              <a:ext uri="{FF2B5EF4-FFF2-40B4-BE49-F238E27FC236}">
-                <a16:creationId xmlns:a16="http://schemas.microsoft.com/office/drawing/2014/main" id="{3DD0B385-67DE-C44E-06FB-00049153FF01}"/>
-              </a:ext>
-            </a:extLst>
-          </p:cNvPr>
-          <p:cNvPicPr>
-            <a:picLocks noChangeAspect="1"/>
-          </p:cNvPicPr>
-          <p:nvPr/>
-        </p:nvPicPr>
-        <p:blipFill>
-          <a:blip r:embed="rId2"/>
-          <a:stretch>
-            <a:fillRect/>
-          </a:stretch>
-        </p:blipFill>
-        <p:spPr>
-          <a:xfrm>
-            <a:off x="437359" y="456434"/>
-            <a:ext cx="11230177" cy="2401065"/>
-          </a:xfrm>
-          <a:prstGeom prst="rect">
-            <a:avLst/>
-          </a:prstGeom>
-        </p:spPr>
-      </p:pic>
-      <p:pic>
-        <p:nvPicPr>
-          <p:cNvPr id="5" name="그림 4">
-            <a:extLst>
-              <a:ext uri="{FF2B5EF4-FFF2-40B4-BE49-F238E27FC236}">
-                <a16:creationId xmlns:a16="http://schemas.microsoft.com/office/drawing/2014/main" id="{F3D87695-EA7F-E48A-65A9-3D8F9B6CB47A}"/>
-              </a:ext>
-            </a:extLst>
-          </p:cNvPr>
-          <p:cNvPicPr>
-            <a:picLocks noChangeAspect="1"/>
-          </p:cNvPicPr>
-          <p:nvPr/>
-        </p:nvPicPr>
-        <p:blipFill>
-          <a:blip r:embed="rId3"/>
-          <a:stretch>
-            <a:fillRect/>
-          </a:stretch>
-        </p:blipFill>
-        <p:spPr>
-          <a:xfrm>
-            <a:off x="437359" y="2988126"/>
-            <a:ext cx="11332775" cy="3037115"/>
-          </a:xfrm>
-          <a:prstGeom prst="rect">
-            <a:avLst/>
-          </a:prstGeom>
-        </p:spPr>
-      </p:pic>
-    </p:spTree>
-    <p:extLst>
-      <p:ext uri="{BB962C8B-B14F-4D97-AF65-F5344CB8AC3E}">
-        <p14:creationId xmlns:p14="http://schemas.microsoft.com/office/powerpoint/2010/main" val="3782248721"/>
-      </p:ext>
-    </p:extLst>
-  </p:cSld>
-  <p:clrMapOvr>
-    <a:masterClrMapping/>
-  </p:clrMapOvr>
-</p:sld>
-</file>
-
-<file path=ppt/slides/slide8.xml><?xml version="1.0" encoding="utf-8"?>
-<p:sld xmlns:a="http://schemas.openxmlformats.org/drawingml/2006/main" xmlns:r="http://schemas.openxmlformats.org/officeDocument/2006/relationships" xmlns:p="http://schemas.openxmlformats.org/presentationml/2006/main">
-  <p:cSld>
-    <p:spTree>
-      <p:nvGrpSpPr>
-        <p:cNvPr id="1" name=""/>
-        <p:cNvGrpSpPr/>
-        <p:nvPr/>
-      </p:nvGrpSpPr>
-      <p:grpSpPr>
-        <a:xfrm>
-          <a:off x="0" y="0"/>
-          <a:ext cx="0" cy="0"/>
-          <a:chOff x="0" y="0"/>
-          <a:chExt cx="0" cy="0"/>
-        </a:xfrm>
-      </p:grpSpPr>
-      <p:pic>
-        <p:nvPicPr>
-          <p:cNvPr id="5" name="그림 4">
-            <a:extLst>
-              <a:ext uri="{FF2B5EF4-FFF2-40B4-BE49-F238E27FC236}">
-                <a16:creationId xmlns:a16="http://schemas.microsoft.com/office/drawing/2014/main" id="{70E07324-E248-28EB-88C4-86AFB209E36C}"/>
-              </a:ext>
-            </a:extLst>
-          </p:cNvPr>
-          <p:cNvPicPr>
-            <a:picLocks noChangeAspect="1"/>
-          </p:cNvPicPr>
-          <p:nvPr/>
-        </p:nvPicPr>
-        <p:blipFill>
-          <a:blip r:embed="rId2"/>
-          <a:stretch>
-            <a:fillRect/>
-          </a:stretch>
-        </p:blipFill>
-        <p:spPr>
-          <a:xfrm>
-            <a:off x="374515" y="355596"/>
-            <a:ext cx="9689752" cy="6192161"/>
-          </a:xfrm>
-          <a:prstGeom prst="rect">
-            <a:avLst/>
-          </a:prstGeom>
-        </p:spPr>
-      </p:pic>
-    </p:spTree>
-    <p:extLst>
-      <p:ext uri="{BB962C8B-B14F-4D97-AF65-F5344CB8AC3E}">
-        <p14:creationId xmlns:p14="http://schemas.microsoft.com/office/powerpoint/2010/main" val="1838768020"/>
-      </p:ext>
-    </p:extLst>
-  </p:cSld>
-  <p:clrMapOvr>
-    <a:masterClrMapping/>
-  </p:clrMapOvr>
-</p:sld>
-</file>
-
-<file path=ppt/slides/slide9.xml><?xml version="1.0" encoding="utf-8"?>
-<p:sld xmlns:a="http://schemas.openxmlformats.org/drawingml/2006/main" xmlns:r="http://schemas.openxmlformats.org/officeDocument/2006/relationships" xmlns:p="http://schemas.openxmlformats.org/presentationml/2006/main">
-  <p:cSld>
-    <p:spTree>
-      <p:nvGrpSpPr>
-        <p:cNvPr id="1" name=""/>
-        <p:cNvGrpSpPr/>
-        <p:nvPr/>
-      </p:nvGrpSpPr>
-      <p:grpSpPr>
-        <a:xfrm>
-          <a:off x="0" y="0"/>
-          <a:ext cx="0" cy="0"/>
-          <a:chOff x="0" y="0"/>
-          <a:chExt cx="0" cy="0"/>
-        </a:xfrm>
-      </p:grpSpPr>
-      <p:pic>
-        <p:nvPicPr>
-          <p:cNvPr id="3" name="그림 2">
-            <a:extLst>
-              <a:ext uri="{FF2B5EF4-FFF2-40B4-BE49-F238E27FC236}">
-                <a16:creationId xmlns:a16="http://schemas.microsoft.com/office/drawing/2014/main" id="{6AD494AF-0317-4B06-9953-517F60B8D025}"/>
-              </a:ext>
-            </a:extLst>
-          </p:cNvPr>
-          <p:cNvPicPr>
-            <a:picLocks noChangeAspect="1"/>
-          </p:cNvPicPr>
-          <p:nvPr/>
-        </p:nvPicPr>
-        <p:blipFill>
-          <a:blip r:embed="rId2"/>
-          <a:stretch>
-            <a:fillRect/>
-          </a:stretch>
-        </p:blipFill>
-        <p:spPr>
-          <a:xfrm>
-            <a:off x="334356" y="329167"/>
-            <a:ext cx="8776988" cy="2884745"/>
-          </a:xfrm>
-          <a:prstGeom prst="rect">
-            <a:avLst/>
-          </a:prstGeom>
-        </p:spPr>
-      </p:pic>
-      <p:pic>
-        <p:nvPicPr>
-          <p:cNvPr id="5" name="그림 4">
-            <a:extLst>
-              <a:ext uri="{FF2B5EF4-FFF2-40B4-BE49-F238E27FC236}">
-                <a16:creationId xmlns:a16="http://schemas.microsoft.com/office/drawing/2014/main" id="{A89A8F68-587C-D042-8232-3BD6E4D7CD63}"/>
-              </a:ext>
-            </a:extLst>
-          </p:cNvPr>
-          <p:cNvPicPr>
-            <a:picLocks noChangeAspect="1"/>
-          </p:cNvPicPr>
-          <p:nvPr/>
-        </p:nvPicPr>
-        <p:blipFill>
-          <a:blip r:embed="rId3"/>
-          <a:stretch>
-            <a:fillRect/>
-          </a:stretch>
-        </p:blipFill>
-        <p:spPr>
-          <a:xfrm>
-            <a:off x="334356" y="3213912"/>
-            <a:ext cx="8352444" cy="3335846"/>
-          </a:xfrm>
-          <a:prstGeom prst="rect">
-            <a:avLst/>
-          </a:prstGeom>
-        </p:spPr>
-      </p:pic>
-    </p:spTree>
-    <p:extLst>
-      <p:ext uri="{BB962C8B-B14F-4D97-AF65-F5344CB8AC3E}">
-        <p14:creationId xmlns:p14="http://schemas.microsoft.com/office/powerpoint/2010/main" val="1114798193"/>
       </p:ext>
     </p:extLst>
   </p:cSld>

--- a/Python과제/Python_5강.pptx
+++ b/Python과제/Python_5강.pptx
@@ -1086,7 +1086,7 @@
           <a:p>
             <a:fld id="{96DFF08F-DC6B-4601-B491-B0F83F6DD2DA}" type="datetimeFigureOut">
               <a:rPr lang="en-US" smtClean="0"/>
-              <a:t>5/6/2023</a:t>
+              <a:t>5/7/2023</a:t>
             </a:fld>
             <a:endParaRPr lang="en-US" dirty="0"/>
           </a:p>
@@ -1307,7 +1307,7 @@
           <a:p>
             <a:fld id="{96DFF08F-DC6B-4601-B491-B0F83F6DD2DA}" type="datetimeFigureOut">
               <a:rPr lang="en-US" smtClean="0"/>
-              <a:t>5/6/2023</a:t>
+              <a:t>5/7/2023</a:t>
             </a:fld>
             <a:endParaRPr lang="en-US" dirty="0"/>
           </a:p>
@@ -1487,7 +1487,7 @@
           <a:p>
             <a:fld id="{96DFF08F-DC6B-4601-B491-B0F83F6DD2DA}" type="datetimeFigureOut">
               <a:rPr lang="en-US" smtClean="0"/>
-              <a:t>5/6/2023</a:t>
+              <a:t>5/7/2023</a:t>
             </a:fld>
             <a:endParaRPr lang="en-US" dirty="0"/>
           </a:p>
@@ -1657,7 +1657,7 @@
           <a:p>
             <a:fld id="{96DFF08F-DC6B-4601-B491-B0F83F6DD2DA}" type="datetimeFigureOut">
               <a:rPr lang="en-US" smtClean="0"/>
-              <a:t>5/6/2023</a:t>
+              <a:t>5/7/2023</a:t>
             </a:fld>
             <a:endParaRPr lang="en-US" dirty="0"/>
           </a:p>
@@ -1908,7 +1908,7 @@
           <a:p>
             <a:fld id="{96DFF08F-DC6B-4601-B491-B0F83F6DD2DA}" type="datetimeFigureOut">
               <a:rPr lang="en-US" smtClean="0"/>
-              <a:t>5/6/2023</a:t>
+              <a:t>5/7/2023</a:t>
             </a:fld>
             <a:endParaRPr lang="en-US" dirty="0"/>
           </a:p>
@@ -2231,7 +2231,7 @@
           <a:p>
             <a:fld id="{96DFF08F-DC6B-4601-B491-B0F83F6DD2DA}" type="datetimeFigureOut">
               <a:rPr lang="en-US" smtClean="0"/>
-              <a:t>5/6/2023</a:t>
+              <a:t>5/7/2023</a:t>
             </a:fld>
             <a:endParaRPr lang="en-US" dirty="0"/>
           </a:p>
@@ -2655,7 +2655,7 @@
           <a:p>
             <a:fld id="{96DFF08F-DC6B-4601-B491-B0F83F6DD2DA}" type="datetimeFigureOut">
               <a:rPr lang="en-US" smtClean="0"/>
-              <a:t>5/6/2023</a:t>
+              <a:t>5/7/2023</a:t>
             </a:fld>
             <a:endParaRPr lang="en-US" dirty="0"/>
           </a:p>
@@ -2773,7 +2773,7 @@
           <a:p>
             <a:fld id="{96DFF08F-DC6B-4601-B491-B0F83F6DD2DA}" type="datetimeFigureOut">
               <a:rPr lang="en-US" smtClean="0"/>
-              <a:t>5/6/2023</a:t>
+              <a:t>5/7/2023</a:t>
             </a:fld>
             <a:endParaRPr lang="en-US" dirty="0"/>
           </a:p>
@@ -2868,7 +2868,7 @@
           <a:p>
             <a:fld id="{96DFF08F-DC6B-4601-B491-B0F83F6DD2DA}" type="datetimeFigureOut">
               <a:rPr lang="en-US" smtClean="0"/>
-              <a:t>5/6/2023</a:t>
+              <a:t>5/7/2023</a:t>
             </a:fld>
             <a:endParaRPr lang="en-US" dirty="0"/>
           </a:p>
@@ -3158,7 +3158,7 @@
           <a:p>
             <a:fld id="{96DFF08F-DC6B-4601-B491-B0F83F6DD2DA}" type="datetimeFigureOut">
               <a:rPr lang="en-US" smtClean="0"/>
-              <a:t>5/6/2023</a:t>
+              <a:t>5/7/2023</a:t>
             </a:fld>
             <a:endParaRPr lang="en-US" dirty="0"/>
           </a:p>
@@ -3430,7 +3430,7 @@
           <a:p>
             <a:fld id="{96DFF08F-DC6B-4601-B491-B0F83F6DD2DA}" type="datetimeFigureOut">
               <a:rPr lang="en-US" smtClean="0"/>
-              <a:t>5/6/2023</a:t>
+              <a:t>5/7/2023</a:t>
             </a:fld>
             <a:endParaRPr lang="en-US" dirty="0"/>
           </a:p>
@@ -3685,7 +3685,7 @@
             <a:fld id="{96DFF08F-DC6B-4601-B491-B0F83F6DD2DA}" type="datetimeFigureOut">
               <a:rPr lang="en-US" smtClean="0"/>
               <a:pPr/>
-              <a:t>5/6/2023</a:t>
+              <a:t>5/7/2023</a:t>
             </a:fld>
             <a:endParaRPr lang="en-US" dirty="0"/>
           </a:p>
@@ -4357,7 +4357,7 @@
         </p:blipFill>
         <p:spPr>
           <a:xfrm>
-            <a:off x="437359" y="2988126"/>
+            <a:off x="437359" y="3295748"/>
             <a:ext cx="11332775" cy="3037115"/>
           </a:xfrm>
           <a:prstGeom prst="rect">
@@ -4365,8 +4365,8 @@
           </a:prstGeom>
         </p:spPr>
       </p:pic>
-      <mc:AlternateContent xmlns:mc="http://schemas.openxmlformats.org/markup-compatibility/2006">
-        <mc:Choice xmlns:p14="http://schemas.microsoft.com/office/powerpoint/2010/main" Requires="p14">
+      <mc:AlternateContent xmlns:mc="http://schemas.openxmlformats.org/markup-compatibility/2006" xmlns:p14="http://schemas.microsoft.com/office/powerpoint/2010/main">
+        <mc:Choice Requires="p14">
           <p:contentPart p14:bwMode="auto" r:id="rId4">
             <p14:nvContentPartPr>
               <p14:cNvPr id="2" name="잉크 1">
@@ -4385,7 +4385,7 @@
             </p14:xfrm>
           </p:contentPart>
         </mc:Choice>
-        <mc:Fallback>
+        <mc:Fallback xmlns="">
           <p:pic>
             <p:nvPicPr>
               <p:cNvPr id="2" name="잉크 1">
@@ -4416,8 +4416,8 @@
           </p:pic>
         </mc:Fallback>
       </mc:AlternateContent>
-      <mc:AlternateContent xmlns:mc="http://schemas.openxmlformats.org/markup-compatibility/2006">
-        <mc:Choice xmlns:p14="http://schemas.microsoft.com/office/powerpoint/2010/main" Requires="p14">
+      <mc:AlternateContent xmlns:mc="http://schemas.openxmlformats.org/markup-compatibility/2006" xmlns:p14="http://schemas.microsoft.com/office/powerpoint/2010/main">
+        <mc:Choice Requires="p14">
           <p:contentPart p14:bwMode="auto" r:id="rId6">
             <p14:nvContentPartPr>
               <p14:cNvPr id="4" name="잉크 3">
@@ -4436,7 +4436,7 @@
             </p14:xfrm>
           </p:contentPart>
         </mc:Choice>
-        <mc:Fallback>
+        <mc:Fallback xmlns="">
           <p:pic>
             <p:nvPicPr>
               <p:cNvPr id="4" name="잉크 3">
@@ -4467,6 +4467,51 @@
           </p:pic>
         </mc:Fallback>
       </mc:AlternateContent>
+      <p:sp>
+        <p:nvSpPr>
+          <p:cNvPr id="6" name="TextBox 5">
+            <a:extLst>
+              <a:ext uri="{FF2B5EF4-FFF2-40B4-BE49-F238E27FC236}">
+                <a16:creationId xmlns:a16="http://schemas.microsoft.com/office/drawing/2014/main" id="{ADCA3C39-CBA2-7152-0410-EBA9611112B3}"/>
+              </a:ext>
+            </a:extLst>
+          </p:cNvPr>
+          <p:cNvSpPr txBox="1"/>
+          <p:nvPr/>
+        </p:nvSpPr>
+        <p:spPr>
+          <a:xfrm>
+            <a:off x="421866" y="3003401"/>
+            <a:ext cx="2065283" cy="369332"/>
+          </a:xfrm>
+          <a:prstGeom prst="rect">
+            <a:avLst/>
+          </a:prstGeom>
+          <a:noFill/>
+        </p:spPr>
+        <p:txBody>
+          <a:bodyPr wrap="square" rtlCol="0">
+            <a:spAutoFit/>
+          </a:bodyPr>
+          <a:lstStyle/>
+          <a:p>
+            <a:pPr algn="ctr"/>
+            <a:r>
+              <a:rPr lang="en-US" altLang="ko-KR" b="1" dirty="0"/>
+              <a:t>&lt; print </a:t>
+            </a:r>
+            <a:r>
+              <a:rPr lang="ko-KR" altLang="en-US" b="1" dirty="0"/>
+              <a:t>결과 확인 </a:t>
+            </a:r>
+            <a:r>
+              <a:rPr lang="en-US" altLang="ko-KR" b="1" dirty="0"/>
+              <a:t>&gt;</a:t>
+            </a:r>
+            <a:endParaRPr lang="ko-KR" altLang="en-US" b="1" dirty="0"/>
+          </a:p>
+        </p:txBody>
+      </p:sp>
     </p:spTree>
     <p:extLst>
       <p:ext uri="{BB962C8B-B14F-4D97-AF65-F5344CB8AC3E}">
@@ -4622,8 +4667,8 @@
           </a:prstGeom>
         </p:spPr>
       </p:pic>
-      <mc:AlternateContent xmlns:mc="http://schemas.openxmlformats.org/markup-compatibility/2006">
-        <mc:Choice xmlns:p14="http://schemas.microsoft.com/office/powerpoint/2010/main" Requires="p14">
+      <mc:AlternateContent xmlns:mc="http://schemas.openxmlformats.org/markup-compatibility/2006" xmlns:p14="http://schemas.microsoft.com/office/powerpoint/2010/main">
+        <mc:Choice Requires="p14">
           <p:contentPart p14:bwMode="auto" r:id="rId3">
             <p14:nvContentPartPr>
               <p14:cNvPr id="2" name="잉크 1">
@@ -4642,7 +4687,7 @@
             </p14:xfrm>
           </p:contentPart>
         </mc:Choice>
-        <mc:Fallback>
+        <mc:Fallback xmlns="">
           <p:pic>
             <p:nvPicPr>
               <p:cNvPr id="2" name="잉크 1">
@@ -4763,8 +4808,8 @@
           </a:prstGeom>
         </p:spPr>
       </p:pic>
-      <mc:AlternateContent xmlns:mc="http://schemas.openxmlformats.org/markup-compatibility/2006">
-        <mc:Choice xmlns:p14="http://schemas.microsoft.com/office/powerpoint/2010/main" Requires="p14">
+      <mc:AlternateContent xmlns:mc="http://schemas.openxmlformats.org/markup-compatibility/2006" xmlns:p14="http://schemas.microsoft.com/office/powerpoint/2010/main">
+        <mc:Choice Requires="p14">
           <p:contentPart p14:bwMode="auto" r:id="rId4">
             <p14:nvContentPartPr>
               <p14:cNvPr id="2" name="잉크 1">
@@ -4783,7 +4828,7 @@
             </p14:xfrm>
           </p:contentPart>
         </mc:Choice>
-        <mc:Fallback>
+        <mc:Fallback xmlns="">
           <p:pic>
             <p:nvPicPr>
               <p:cNvPr id="2" name="잉크 1">
@@ -4814,8 +4859,8 @@
           </p:pic>
         </mc:Fallback>
       </mc:AlternateContent>
-      <mc:AlternateContent xmlns:mc="http://schemas.openxmlformats.org/markup-compatibility/2006">
-        <mc:Choice xmlns:p14="http://schemas.microsoft.com/office/powerpoint/2010/main" Requires="p14">
+      <mc:AlternateContent xmlns:mc="http://schemas.openxmlformats.org/markup-compatibility/2006" xmlns:p14="http://schemas.microsoft.com/office/powerpoint/2010/main">
+        <mc:Choice Requires="p14">
           <p:contentPart p14:bwMode="auto" r:id="rId6">
             <p14:nvContentPartPr>
               <p14:cNvPr id="6" name="잉크 5">
@@ -4834,7 +4879,7 @@
             </p14:xfrm>
           </p:contentPart>
         </mc:Choice>
-        <mc:Fallback>
+        <mc:Fallback xmlns="">
           <p:pic>
             <p:nvPicPr>
               <p:cNvPr id="6" name="잉크 5">
@@ -4865,8 +4910,8 @@
           </p:pic>
         </mc:Fallback>
       </mc:AlternateContent>
-      <mc:AlternateContent xmlns:mc="http://schemas.openxmlformats.org/markup-compatibility/2006">
-        <mc:Choice xmlns:p14="http://schemas.microsoft.com/office/powerpoint/2010/main" Requires="p14">
+      <mc:AlternateContent xmlns:mc="http://schemas.openxmlformats.org/markup-compatibility/2006" xmlns:p14="http://schemas.microsoft.com/office/powerpoint/2010/main">
+        <mc:Choice Requires="p14">
           <p:contentPart p14:bwMode="auto" r:id="rId8">
             <p14:nvContentPartPr>
               <p14:cNvPr id="7" name="잉크 6">
@@ -4885,7 +4930,7 @@
             </p14:xfrm>
           </p:contentPart>
         </mc:Choice>
-        <mc:Fallback>
+        <mc:Fallback xmlns="">
           <p:pic>
             <p:nvPicPr>
               <p:cNvPr id="7" name="잉크 6">
@@ -4916,8 +4961,8 @@
           </p:pic>
         </mc:Fallback>
       </mc:AlternateContent>
-      <mc:AlternateContent xmlns:mc="http://schemas.openxmlformats.org/markup-compatibility/2006">
-        <mc:Choice xmlns:p14="http://schemas.microsoft.com/office/powerpoint/2010/main" Requires="p14">
+      <mc:AlternateContent xmlns:mc="http://schemas.openxmlformats.org/markup-compatibility/2006" xmlns:p14="http://schemas.microsoft.com/office/powerpoint/2010/main">
+        <mc:Choice Requires="p14">
           <p:contentPart p14:bwMode="auto" r:id="rId10">
             <p14:nvContentPartPr>
               <p14:cNvPr id="8" name="잉크 7">
@@ -4936,7 +4981,7 @@
             </p14:xfrm>
           </p:contentPart>
         </mc:Choice>
-        <mc:Fallback>
+        <mc:Fallback xmlns="">
           <p:pic>
             <p:nvPicPr>
               <p:cNvPr id="8" name="잉크 7">
@@ -4967,6 +5012,51 @@
           </p:pic>
         </mc:Fallback>
       </mc:AlternateContent>
+      <p:sp>
+        <p:nvSpPr>
+          <p:cNvPr id="4" name="TextBox 3">
+            <a:extLst>
+              <a:ext uri="{FF2B5EF4-FFF2-40B4-BE49-F238E27FC236}">
+                <a16:creationId xmlns:a16="http://schemas.microsoft.com/office/drawing/2014/main" id="{C7826F52-66BE-5B01-E0F8-8F18129D0004}"/>
+              </a:ext>
+            </a:extLst>
+          </p:cNvPr>
+          <p:cNvSpPr txBox="1"/>
+          <p:nvPr/>
+        </p:nvSpPr>
+        <p:spPr>
+          <a:xfrm>
+            <a:off x="9111344" y="3178660"/>
+            <a:ext cx="2065283" cy="369332"/>
+          </a:xfrm>
+          <a:prstGeom prst="rect">
+            <a:avLst/>
+          </a:prstGeom>
+          <a:noFill/>
+        </p:spPr>
+        <p:txBody>
+          <a:bodyPr wrap="square" rtlCol="0">
+            <a:spAutoFit/>
+          </a:bodyPr>
+          <a:lstStyle/>
+          <a:p>
+            <a:pPr algn="ctr"/>
+            <a:r>
+              <a:rPr lang="en-US" altLang="ko-KR" b="1" dirty="0"/>
+              <a:t>&lt; print </a:t>
+            </a:r>
+            <a:r>
+              <a:rPr lang="ko-KR" altLang="en-US" b="1" dirty="0"/>
+              <a:t>결과 확인 </a:t>
+            </a:r>
+            <a:r>
+              <a:rPr lang="en-US" altLang="ko-KR" b="1" dirty="0"/>
+              <a:t>&gt;</a:t>
+            </a:r>
+            <a:endParaRPr lang="ko-KR" altLang="en-US" b="1" dirty="0"/>
+          </a:p>
+        </p:txBody>
+      </p:sp>
     </p:spTree>
     <p:extLst>
       <p:ext uri="{BB962C8B-B14F-4D97-AF65-F5344CB8AC3E}">
@@ -5057,8 +5147,8 @@
           </a:prstGeom>
         </p:spPr>
       </p:pic>
-      <mc:AlternateContent xmlns:mc="http://schemas.openxmlformats.org/markup-compatibility/2006">
-        <mc:Choice xmlns:p14="http://schemas.microsoft.com/office/powerpoint/2010/main" Requires="p14">
+      <mc:AlternateContent xmlns:mc="http://schemas.openxmlformats.org/markup-compatibility/2006" xmlns:p14="http://schemas.microsoft.com/office/powerpoint/2010/main">
+        <mc:Choice Requires="p14">
           <p:contentPart p14:bwMode="auto" r:id="rId4">
             <p14:nvContentPartPr>
               <p14:cNvPr id="2" name="잉크 1">
@@ -5077,7 +5167,7 @@
             </p14:xfrm>
           </p:contentPart>
         </mc:Choice>
-        <mc:Fallback>
+        <mc:Fallback xmlns="">
           <p:pic>
             <p:nvPicPr>
               <p:cNvPr id="2" name="잉크 1">
@@ -5108,8 +5198,8 @@
           </p:pic>
         </mc:Fallback>
       </mc:AlternateContent>
-      <mc:AlternateContent xmlns:mc="http://schemas.openxmlformats.org/markup-compatibility/2006">
-        <mc:Choice xmlns:p14="http://schemas.microsoft.com/office/powerpoint/2010/main" Requires="p14">
+      <mc:AlternateContent xmlns:mc="http://schemas.openxmlformats.org/markup-compatibility/2006" xmlns:p14="http://schemas.microsoft.com/office/powerpoint/2010/main">
+        <mc:Choice Requires="p14">
           <p:contentPart p14:bwMode="auto" r:id="rId6">
             <p14:nvContentPartPr>
               <p14:cNvPr id="4" name="잉크 3">
@@ -5128,7 +5218,7 @@
             </p14:xfrm>
           </p:contentPart>
         </mc:Choice>
-        <mc:Fallback>
+        <mc:Fallback xmlns="">
           <p:pic>
             <p:nvPicPr>
               <p:cNvPr id="4" name="잉크 3">
@@ -5159,8 +5249,8 @@
           </p:pic>
         </mc:Fallback>
       </mc:AlternateContent>
-      <mc:AlternateContent xmlns:mc="http://schemas.openxmlformats.org/markup-compatibility/2006">
-        <mc:Choice xmlns:p14="http://schemas.microsoft.com/office/powerpoint/2010/main" Requires="p14">
+      <mc:AlternateContent xmlns:mc="http://schemas.openxmlformats.org/markup-compatibility/2006" xmlns:p14="http://schemas.microsoft.com/office/powerpoint/2010/main">
+        <mc:Choice Requires="p14">
           <p:contentPart p14:bwMode="auto" r:id="rId8">
             <p14:nvContentPartPr>
               <p14:cNvPr id="6" name="잉크 5">
@@ -5179,7 +5269,7 @@
             </p14:xfrm>
           </p:contentPart>
         </mc:Choice>
-        <mc:Fallback>
+        <mc:Fallback xmlns="">
           <p:pic>
             <p:nvPicPr>
               <p:cNvPr id="6" name="잉크 5">
@@ -5230,8 +5320,8 @@
             <a:chExt cx="1080360" cy="378360"/>
           </a:xfrm>
         </p:grpSpPr>
-        <mc:AlternateContent xmlns:mc="http://schemas.openxmlformats.org/markup-compatibility/2006">
-          <mc:Choice xmlns:p14="http://schemas.microsoft.com/office/powerpoint/2010/main" Requires="p14">
+        <mc:AlternateContent xmlns:mc="http://schemas.openxmlformats.org/markup-compatibility/2006" xmlns:p14="http://schemas.microsoft.com/office/powerpoint/2010/main">
+          <mc:Choice Requires="p14">
             <p:contentPart p14:bwMode="auto" r:id="rId10">
               <p14:nvContentPartPr>
                 <p14:cNvPr id="8" name="잉크 7">
@@ -5250,7 +5340,7 @@
               </p14:xfrm>
             </p:contentPart>
           </mc:Choice>
-          <mc:Fallback>
+          <mc:Fallback xmlns="">
             <p:pic>
               <p:nvPicPr>
                 <p:cNvPr id="8" name="잉크 7">
@@ -5281,8 +5371,8 @@
             </p:pic>
           </mc:Fallback>
         </mc:AlternateContent>
-        <mc:AlternateContent xmlns:mc="http://schemas.openxmlformats.org/markup-compatibility/2006">
-          <mc:Choice xmlns:p14="http://schemas.microsoft.com/office/powerpoint/2010/main" Requires="p14">
+        <mc:AlternateContent xmlns:mc="http://schemas.openxmlformats.org/markup-compatibility/2006" xmlns:p14="http://schemas.microsoft.com/office/powerpoint/2010/main">
+          <mc:Choice Requires="p14">
             <p:contentPart p14:bwMode="auto" r:id="rId12">
               <p14:nvContentPartPr>
                 <p14:cNvPr id="9" name="잉크 8">
@@ -5301,7 +5391,7 @@
               </p14:xfrm>
             </p:contentPart>
           </mc:Choice>
-          <mc:Fallback>
+          <mc:Fallback xmlns="">
             <p:pic>
               <p:nvPicPr>
                 <p:cNvPr id="9" name="잉크 8">
@@ -5332,8 +5422,8 @@
             </p:pic>
           </mc:Fallback>
         </mc:AlternateContent>
-        <mc:AlternateContent xmlns:mc="http://schemas.openxmlformats.org/markup-compatibility/2006">
-          <mc:Choice xmlns:p14="http://schemas.microsoft.com/office/powerpoint/2010/main" Requires="p14">
+        <mc:AlternateContent xmlns:mc="http://schemas.openxmlformats.org/markup-compatibility/2006" xmlns:p14="http://schemas.microsoft.com/office/powerpoint/2010/main">
+          <mc:Choice Requires="p14">
             <p:contentPart p14:bwMode="auto" r:id="rId14">
               <p14:nvContentPartPr>
                 <p14:cNvPr id="11" name="잉크 10">
@@ -5352,7 +5442,7 @@
               </p14:xfrm>
             </p:contentPart>
           </mc:Choice>
-          <mc:Fallback>
+          <mc:Fallback xmlns="">
             <p:pic>
               <p:nvPicPr>
                 <p:cNvPr id="11" name="잉크 10">
@@ -5384,8 +5474,8 @@
           </mc:Fallback>
         </mc:AlternateContent>
       </p:grpSp>
-      <mc:AlternateContent xmlns:mc="http://schemas.openxmlformats.org/markup-compatibility/2006">
-        <mc:Choice xmlns:p14="http://schemas.microsoft.com/office/powerpoint/2010/main" Requires="p14">
+      <mc:AlternateContent xmlns:mc="http://schemas.openxmlformats.org/markup-compatibility/2006" xmlns:p14="http://schemas.microsoft.com/office/powerpoint/2010/main">
+        <mc:Choice Requires="p14">
           <p:contentPart p14:bwMode="auto" r:id="rId16">
             <p14:nvContentPartPr>
               <p14:cNvPr id="13" name="잉크 12">
@@ -5404,7 +5494,7 @@
             </p14:xfrm>
           </p:contentPart>
         </mc:Choice>
-        <mc:Fallback>
+        <mc:Fallback xmlns="">
           <p:pic>
             <p:nvPicPr>
               <p:cNvPr id="13" name="잉크 12">
@@ -5435,8 +5525,8 @@
           </p:pic>
         </mc:Fallback>
       </mc:AlternateContent>
-      <mc:AlternateContent xmlns:mc="http://schemas.openxmlformats.org/markup-compatibility/2006">
-        <mc:Choice xmlns:p14="http://schemas.microsoft.com/office/powerpoint/2010/main" Requires="p14">
+      <mc:AlternateContent xmlns:mc="http://schemas.openxmlformats.org/markup-compatibility/2006" xmlns:p14="http://schemas.microsoft.com/office/powerpoint/2010/main">
+        <mc:Choice Requires="p14">
           <p:contentPart p14:bwMode="auto" r:id="rId18">
             <p14:nvContentPartPr>
               <p14:cNvPr id="14" name="잉크 13">
@@ -5455,7 +5545,7 @@
             </p14:xfrm>
           </p:contentPart>
         </mc:Choice>
-        <mc:Fallback>
+        <mc:Fallback xmlns="">
           <p:pic>
             <p:nvPicPr>
               <p:cNvPr id="14" name="잉크 13">
@@ -5486,6 +5576,51 @@
           </p:pic>
         </mc:Fallback>
       </mc:AlternateContent>
+      <p:sp>
+        <p:nvSpPr>
+          <p:cNvPr id="5" name="TextBox 4">
+            <a:extLst>
+              <a:ext uri="{FF2B5EF4-FFF2-40B4-BE49-F238E27FC236}">
+                <a16:creationId xmlns:a16="http://schemas.microsoft.com/office/drawing/2014/main" id="{3BEF98F7-1A7B-36D6-18DC-150500B88499}"/>
+              </a:ext>
+            </a:extLst>
+          </p:cNvPr>
+          <p:cNvSpPr txBox="1"/>
+          <p:nvPr/>
+        </p:nvSpPr>
+        <p:spPr>
+          <a:xfrm>
+            <a:off x="7795543" y="3731117"/>
+            <a:ext cx="2065283" cy="369332"/>
+          </a:xfrm>
+          <a:prstGeom prst="rect">
+            <a:avLst/>
+          </a:prstGeom>
+          <a:noFill/>
+        </p:spPr>
+        <p:txBody>
+          <a:bodyPr wrap="square" rtlCol="0">
+            <a:spAutoFit/>
+          </a:bodyPr>
+          <a:lstStyle/>
+          <a:p>
+            <a:pPr algn="ctr"/>
+            <a:r>
+              <a:rPr lang="en-US" altLang="ko-KR" b="1" dirty="0"/>
+              <a:t>&lt; print </a:t>
+            </a:r>
+            <a:r>
+              <a:rPr lang="ko-KR" altLang="en-US" b="1" dirty="0"/>
+              <a:t>결과 확인 </a:t>
+            </a:r>
+            <a:r>
+              <a:rPr lang="en-US" altLang="ko-KR" b="1" dirty="0"/>
+              <a:t>&gt;</a:t>
+            </a:r>
+            <a:endParaRPr lang="ko-KR" altLang="en-US" b="1" dirty="0"/>
+          </a:p>
+        </p:txBody>
+      </p:sp>
     </p:spTree>
     <p:extLst>
       <p:ext uri="{BB962C8B-B14F-4D97-AF65-F5344CB8AC3E}">
@@ -5576,6 +5711,51 @@
           </a:prstGeom>
         </p:spPr>
       </p:pic>
+      <p:sp>
+        <p:nvSpPr>
+          <p:cNvPr id="2" name="TextBox 1">
+            <a:extLst>
+              <a:ext uri="{FF2B5EF4-FFF2-40B4-BE49-F238E27FC236}">
+                <a16:creationId xmlns:a16="http://schemas.microsoft.com/office/drawing/2014/main" id="{3A482432-1242-DEE9-0468-290CCB36045B}"/>
+              </a:ext>
+            </a:extLst>
+          </p:cNvPr>
+          <p:cNvSpPr txBox="1"/>
+          <p:nvPr/>
+        </p:nvSpPr>
+        <p:spPr>
+          <a:xfrm>
+            <a:off x="6368423" y="5266032"/>
+            <a:ext cx="2065283" cy="369332"/>
+          </a:xfrm>
+          <a:prstGeom prst="rect">
+            <a:avLst/>
+          </a:prstGeom>
+          <a:noFill/>
+        </p:spPr>
+        <p:txBody>
+          <a:bodyPr wrap="square" rtlCol="0">
+            <a:spAutoFit/>
+          </a:bodyPr>
+          <a:lstStyle/>
+          <a:p>
+            <a:pPr algn="ctr"/>
+            <a:r>
+              <a:rPr lang="en-US" altLang="ko-KR" b="1" dirty="0"/>
+              <a:t>&lt; print </a:t>
+            </a:r>
+            <a:r>
+              <a:rPr lang="ko-KR" altLang="en-US" b="1" dirty="0"/>
+              <a:t>결과 확인 </a:t>
+            </a:r>
+            <a:r>
+              <a:rPr lang="en-US" altLang="ko-KR" b="1" dirty="0"/>
+              <a:t>&gt;</a:t>
+            </a:r>
+            <a:endParaRPr lang="ko-KR" altLang="en-US" b="1" dirty="0"/>
+          </a:p>
+        </p:txBody>
+      </p:sp>
     </p:spTree>
     <p:extLst>
       <p:ext uri="{BB962C8B-B14F-4D97-AF65-F5344CB8AC3E}">
@@ -5642,16 +5822,16 @@
                 </a:solidFill>
                 <a:latin typeface="+mn-ea"/>
               </a:rPr>
-              <a:t>&lt; </a:t>
-            </a:r>
-            <a:r>
-              <a:rPr lang="ko-KR" altLang="en-US" sz="4800" b="1" dirty="0">
+              <a:t>&lt; 5</a:t>
+            </a:r>
+            <a:r>
+              <a:rPr lang="ko-KR" altLang="en-US" sz="4800" b="1">
                 <a:solidFill>
                   <a:schemeClr val="accent1"/>
                 </a:solidFill>
                 <a:latin typeface="+mn-ea"/>
               </a:rPr>
-              <a:t>정리하기 </a:t>
+              <a:t>강 정리하기 </a:t>
             </a:r>
             <a:r>
               <a:rPr lang="en-US" altLang="ko-KR" sz="4800" b="1" dirty="0">
@@ -6053,8 +6233,8 @@
           </a:prstGeom>
         </p:spPr>
       </p:pic>
-      <mc:AlternateContent xmlns:mc="http://schemas.openxmlformats.org/markup-compatibility/2006">
-        <mc:Choice xmlns:p14="http://schemas.microsoft.com/office/powerpoint/2010/main" Requires="p14">
+      <mc:AlternateContent xmlns:mc="http://schemas.openxmlformats.org/markup-compatibility/2006" xmlns:p14="http://schemas.microsoft.com/office/powerpoint/2010/main">
+        <mc:Choice Requires="p14">
           <p:contentPart p14:bwMode="auto" r:id="rId4">
             <p14:nvContentPartPr>
               <p14:cNvPr id="2" name="잉크 1">
@@ -6073,7 +6253,7 @@
             </p14:xfrm>
           </p:contentPart>
         </mc:Choice>
-        <mc:Fallback>
+        <mc:Fallback xmlns="">
           <p:pic>
             <p:nvPicPr>
               <p:cNvPr id="2" name="잉크 1">
@@ -6194,8 +6374,8 @@
           </a:prstGeom>
         </p:spPr>
       </p:pic>
-      <mc:AlternateContent xmlns:mc="http://schemas.openxmlformats.org/markup-compatibility/2006">
-        <mc:Choice xmlns:p14="http://schemas.microsoft.com/office/powerpoint/2010/main" Requires="p14">
+      <mc:AlternateContent xmlns:mc="http://schemas.openxmlformats.org/markup-compatibility/2006" xmlns:p14="http://schemas.microsoft.com/office/powerpoint/2010/main">
+        <mc:Choice Requires="p14">
           <p:contentPart p14:bwMode="auto" r:id="rId4">
             <p14:nvContentPartPr>
               <p14:cNvPr id="2" name="잉크 1">
@@ -6214,7 +6394,7 @@
             </p14:xfrm>
           </p:contentPart>
         </mc:Choice>
-        <mc:Fallback>
+        <mc:Fallback xmlns="">
           <p:pic>
             <p:nvPicPr>
               <p:cNvPr id="2" name="잉크 1">
@@ -6245,8 +6425,8 @@
           </p:pic>
         </mc:Fallback>
       </mc:AlternateContent>
-      <mc:AlternateContent xmlns:mc="http://schemas.openxmlformats.org/markup-compatibility/2006">
-        <mc:Choice xmlns:p14="http://schemas.microsoft.com/office/powerpoint/2010/main" Requires="p14">
+      <mc:AlternateContent xmlns:mc="http://schemas.openxmlformats.org/markup-compatibility/2006" xmlns:p14="http://schemas.microsoft.com/office/powerpoint/2010/main">
+        <mc:Choice Requires="p14">
           <p:contentPart p14:bwMode="auto" r:id="rId6">
             <p14:nvContentPartPr>
               <p14:cNvPr id="4" name="잉크 3">
@@ -6265,7 +6445,7 @@
             </p14:xfrm>
           </p:contentPart>
         </mc:Choice>
-        <mc:Fallback>
+        <mc:Fallback xmlns="">
           <p:pic>
             <p:nvPicPr>
               <p:cNvPr id="4" name="잉크 3">
@@ -6316,8 +6496,8 @@
             <a:chExt cx="1388520" cy="189000"/>
           </a:xfrm>
         </p:grpSpPr>
-        <mc:AlternateContent xmlns:mc="http://schemas.openxmlformats.org/markup-compatibility/2006">
-          <mc:Choice xmlns:p14="http://schemas.microsoft.com/office/powerpoint/2010/main" Requires="p14">
+        <mc:AlternateContent xmlns:mc="http://schemas.openxmlformats.org/markup-compatibility/2006" xmlns:p14="http://schemas.microsoft.com/office/powerpoint/2010/main">
+          <mc:Choice Requires="p14">
             <p:contentPart p14:bwMode="auto" r:id="rId8">
               <p14:nvContentPartPr>
                 <p14:cNvPr id="6" name="잉크 5">
@@ -6336,7 +6516,7 @@
               </p14:xfrm>
             </p:contentPart>
           </mc:Choice>
-          <mc:Fallback>
+          <mc:Fallback xmlns="">
             <p:pic>
               <p:nvPicPr>
                 <p:cNvPr id="6" name="잉크 5">
@@ -6367,8 +6547,8 @@
             </p:pic>
           </mc:Fallback>
         </mc:AlternateContent>
-        <mc:AlternateContent xmlns:mc="http://schemas.openxmlformats.org/markup-compatibility/2006">
-          <mc:Choice xmlns:p14="http://schemas.microsoft.com/office/powerpoint/2010/main" Requires="p14">
+        <mc:AlternateContent xmlns:mc="http://schemas.openxmlformats.org/markup-compatibility/2006" xmlns:p14="http://schemas.microsoft.com/office/powerpoint/2010/main">
+          <mc:Choice Requires="p14">
             <p:contentPart p14:bwMode="auto" r:id="rId10">
               <p14:nvContentPartPr>
                 <p14:cNvPr id="7" name="잉크 6">
@@ -6387,7 +6567,7 @@
               </p14:xfrm>
             </p:contentPart>
           </mc:Choice>
-          <mc:Fallback>
+          <mc:Fallback xmlns="">
             <p:pic>
               <p:nvPicPr>
                 <p:cNvPr id="7" name="잉크 6">
@@ -6419,8 +6599,8 @@
           </mc:Fallback>
         </mc:AlternateContent>
       </p:grpSp>
-      <mc:AlternateContent xmlns:mc="http://schemas.openxmlformats.org/markup-compatibility/2006">
-        <mc:Choice xmlns:p14="http://schemas.microsoft.com/office/powerpoint/2010/main" Requires="p14">
+      <mc:AlternateContent xmlns:mc="http://schemas.openxmlformats.org/markup-compatibility/2006" xmlns:p14="http://schemas.microsoft.com/office/powerpoint/2010/main">
+        <mc:Choice Requires="p14">
           <p:contentPart p14:bwMode="auto" r:id="rId11">
             <p14:nvContentPartPr>
               <p14:cNvPr id="9" name="잉크 8">
@@ -6439,7 +6619,7 @@
             </p14:xfrm>
           </p:contentPart>
         </mc:Choice>
-        <mc:Fallback>
+        <mc:Fallback xmlns="">
           <p:pic>
             <p:nvPicPr>
               <p:cNvPr id="9" name="잉크 8">
@@ -6470,8 +6650,8 @@
           </p:pic>
         </mc:Fallback>
       </mc:AlternateContent>
-      <mc:AlternateContent xmlns:mc="http://schemas.openxmlformats.org/markup-compatibility/2006">
-        <mc:Choice xmlns:p14="http://schemas.microsoft.com/office/powerpoint/2010/main" Requires="p14">
+      <mc:AlternateContent xmlns:mc="http://schemas.openxmlformats.org/markup-compatibility/2006" xmlns:p14="http://schemas.microsoft.com/office/powerpoint/2010/main">
+        <mc:Choice Requires="p14">
           <p:contentPart p14:bwMode="auto" r:id="rId13">
             <p14:nvContentPartPr>
               <p14:cNvPr id="10" name="잉크 9">
@@ -6490,7 +6670,7 @@
             </p14:xfrm>
           </p:contentPart>
         </mc:Choice>
-        <mc:Fallback>
+        <mc:Fallback xmlns="">
           <p:pic>
             <p:nvPicPr>
               <p:cNvPr id="10" name="잉크 9">
@@ -6521,6 +6701,51 @@
           </p:pic>
         </mc:Fallback>
       </mc:AlternateContent>
+      <p:sp>
+        <p:nvSpPr>
+          <p:cNvPr id="11" name="TextBox 10">
+            <a:extLst>
+              <a:ext uri="{FF2B5EF4-FFF2-40B4-BE49-F238E27FC236}">
+                <a16:creationId xmlns:a16="http://schemas.microsoft.com/office/drawing/2014/main" id="{0B555031-57D9-B0AF-1690-8F4F9DC4A513}"/>
+              </a:ext>
+            </a:extLst>
+          </p:cNvPr>
+          <p:cNvSpPr txBox="1"/>
+          <p:nvPr/>
+        </p:nvSpPr>
+        <p:spPr>
+          <a:xfrm>
+            <a:off x="8596451" y="3360114"/>
+            <a:ext cx="2065283" cy="369332"/>
+          </a:xfrm>
+          <a:prstGeom prst="rect">
+            <a:avLst/>
+          </a:prstGeom>
+          <a:noFill/>
+        </p:spPr>
+        <p:txBody>
+          <a:bodyPr wrap="square" rtlCol="0">
+            <a:spAutoFit/>
+          </a:bodyPr>
+          <a:lstStyle/>
+          <a:p>
+            <a:pPr algn="ctr"/>
+            <a:r>
+              <a:rPr lang="en-US" altLang="ko-KR" b="1" dirty="0"/>
+              <a:t>&lt; print </a:t>
+            </a:r>
+            <a:r>
+              <a:rPr lang="ko-KR" altLang="en-US" b="1" dirty="0"/>
+              <a:t>결과 확인 </a:t>
+            </a:r>
+            <a:r>
+              <a:rPr lang="en-US" altLang="ko-KR" b="1" dirty="0"/>
+              <a:t>&gt;</a:t>
+            </a:r>
+            <a:endParaRPr lang="ko-KR" altLang="en-US" b="1" dirty="0"/>
+          </a:p>
+        </p:txBody>
+      </p:sp>
     </p:spTree>
     <p:extLst>
       <p:ext uri="{BB962C8B-B14F-4D97-AF65-F5344CB8AC3E}">
@@ -6694,8 +6919,8 @@
           </a:prstGeom>
         </p:spPr>
       </p:pic>
-      <mc:AlternateContent xmlns:mc="http://schemas.openxmlformats.org/markup-compatibility/2006">
-        <mc:Choice xmlns:p14="http://schemas.microsoft.com/office/powerpoint/2010/main" Requires="p14">
+      <mc:AlternateContent xmlns:mc="http://schemas.openxmlformats.org/markup-compatibility/2006" xmlns:p14="http://schemas.microsoft.com/office/powerpoint/2010/main">
+        <mc:Choice Requires="p14">
           <p:contentPart p14:bwMode="auto" r:id="rId3">
             <p14:nvContentPartPr>
               <p14:cNvPr id="2" name="잉크 1">
@@ -6714,7 +6939,7 @@
             </p14:xfrm>
           </p:contentPart>
         </mc:Choice>
-        <mc:Fallback>
+        <mc:Fallback xmlns="">
           <p:pic>
             <p:nvPicPr>
               <p:cNvPr id="2" name="잉크 1">
@@ -6925,8 +7150,8 @@
           </a:prstGeom>
         </p:spPr>
       </p:pic>
-      <mc:AlternateContent xmlns:mc="http://schemas.openxmlformats.org/markup-compatibility/2006">
-        <mc:Choice xmlns:p14="http://schemas.microsoft.com/office/powerpoint/2010/main" Requires="p14">
+      <mc:AlternateContent xmlns:mc="http://schemas.openxmlformats.org/markup-compatibility/2006" xmlns:p14="http://schemas.microsoft.com/office/powerpoint/2010/main">
+        <mc:Choice Requires="p14">
           <p:contentPart p14:bwMode="auto" r:id="rId5">
             <p14:nvContentPartPr>
               <p14:cNvPr id="2" name="잉크 1">
@@ -6945,7 +7170,7 @@
             </p14:xfrm>
           </p:contentPart>
         </mc:Choice>
-        <mc:Fallback>
+        <mc:Fallback xmlns="">
           <p:pic>
             <p:nvPicPr>
               <p:cNvPr id="2" name="잉크 1">
@@ -6976,8 +7201,8 @@
           </p:pic>
         </mc:Fallback>
       </mc:AlternateContent>
-      <mc:AlternateContent xmlns:mc="http://schemas.openxmlformats.org/markup-compatibility/2006">
-        <mc:Choice xmlns:p14="http://schemas.microsoft.com/office/powerpoint/2010/main" Requires="p14">
+      <mc:AlternateContent xmlns:mc="http://schemas.openxmlformats.org/markup-compatibility/2006" xmlns:p14="http://schemas.microsoft.com/office/powerpoint/2010/main">
+        <mc:Choice Requires="p14">
           <p:contentPart p14:bwMode="auto" r:id="rId7">
             <p14:nvContentPartPr>
               <p14:cNvPr id="4" name="잉크 3">
@@ -6996,7 +7221,7 @@
             </p14:xfrm>
           </p:contentPart>
         </mc:Choice>
-        <mc:Fallback>
+        <mc:Fallback xmlns="">
           <p:pic>
             <p:nvPicPr>
               <p:cNvPr id="4" name="잉크 3">
@@ -7027,8 +7252,8 @@
           </p:pic>
         </mc:Fallback>
       </mc:AlternateContent>
-      <mc:AlternateContent xmlns:mc="http://schemas.openxmlformats.org/markup-compatibility/2006">
-        <mc:Choice xmlns:p14="http://schemas.microsoft.com/office/powerpoint/2010/main" Requires="p14">
+      <mc:AlternateContent xmlns:mc="http://schemas.openxmlformats.org/markup-compatibility/2006" xmlns:p14="http://schemas.microsoft.com/office/powerpoint/2010/main">
+        <mc:Choice Requires="p14">
           <p:contentPart p14:bwMode="auto" r:id="rId9">
             <p14:nvContentPartPr>
               <p14:cNvPr id="6" name="잉크 5">
@@ -7047,7 +7272,7 @@
             </p14:xfrm>
           </p:contentPart>
         </mc:Choice>
-        <mc:Fallback>
+        <mc:Fallback xmlns="">
           <p:pic>
             <p:nvPicPr>
               <p:cNvPr id="6" name="잉크 5">
@@ -7078,8 +7303,8 @@
           </p:pic>
         </mc:Fallback>
       </mc:AlternateContent>
-      <mc:AlternateContent xmlns:mc="http://schemas.openxmlformats.org/markup-compatibility/2006">
-        <mc:Choice xmlns:p14="http://schemas.microsoft.com/office/powerpoint/2010/main" Requires="p14">
+      <mc:AlternateContent xmlns:mc="http://schemas.openxmlformats.org/markup-compatibility/2006" xmlns:p14="http://schemas.microsoft.com/office/powerpoint/2010/main">
+        <mc:Choice Requires="p14">
           <p:contentPart p14:bwMode="auto" r:id="rId11">
             <p14:nvContentPartPr>
               <p14:cNvPr id="8" name="잉크 7">
@@ -7098,7 +7323,7 @@
             </p14:xfrm>
           </p:contentPart>
         </mc:Choice>
-        <mc:Fallback>
+        <mc:Fallback xmlns="">
           <p:pic>
             <p:nvPicPr>
               <p:cNvPr id="8" name="잉크 7">
@@ -7129,6 +7354,51 @@
           </p:pic>
         </mc:Fallback>
       </mc:AlternateContent>
+      <p:sp>
+        <p:nvSpPr>
+          <p:cNvPr id="9" name="TextBox 8">
+            <a:extLst>
+              <a:ext uri="{FF2B5EF4-FFF2-40B4-BE49-F238E27FC236}">
+                <a16:creationId xmlns:a16="http://schemas.microsoft.com/office/drawing/2014/main" id="{9A852DBF-5351-ADED-C538-27D1857A6831}"/>
+              </a:ext>
+            </a:extLst>
+          </p:cNvPr>
+          <p:cNvSpPr txBox="1"/>
+          <p:nvPr/>
+        </p:nvSpPr>
+        <p:spPr>
+          <a:xfrm>
+            <a:off x="7374172" y="3881740"/>
+            <a:ext cx="2065283" cy="369332"/>
+          </a:xfrm>
+          <a:prstGeom prst="rect">
+            <a:avLst/>
+          </a:prstGeom>
+          <a:noFill/>
+        </p:spPr>
+        <p:txBody>
+          <a:bodyPr wrap="square" rtlCol="0">
+            <a:spAutoFit/>
+          </a:bodyPr>
+          <a:lstStyle/>
+          <a:p>
+            <a:pPr algn="ctr"/>
+            <a:r>
+              <a:rPr lang="en-US" altLang="ko-KR" b="1" dirty="0"/>
+              <a:t>&lt; print </a:t>
+            </a:r>
+            <a:r>
+              <a:rPr lang="ko-KR" altLang="en-US" b="1" dirty="0"/>
+              <a:t>결과 확인 </a:t>
+            </a:r>
+            <a:r>
+              <a:rPr lang="en-US" altLang="ko-KR" b="1" dirty="0"/>
+              <a:t>&gt;</a:t>
+            </a:r>
+            <a:endParaRPr lang="ko-KR" altLang="en-US" b="1" dirty="0"/>
+          </a:p>
+        </p:txBody>
+      </p:sp>
     </p:spTree>
     <p:extLst>
       <p:ext uri="{BB962C8B-B14F-4D97-AF65-F5344CB8AC3E}">
